--- a/VladimirMutafov/Infographic/Infographic.pptx
+++ b/VladimirMutafov/Infographic/Infographic.pptx
@@ -5,7 +5,7 @@
     <p:sldMasterId id="2147483648" r:id="rId1"/>
   </p:sldMasterIdLst>
   <p:sldIdLst>
-    <p:sldId id="256" r:id="rId2"/>
+    <p:sldId id="257" r:id="rId2"/>
   </p:sldIdLst>
   <p:sldSz cx="12192000" cy="6858000"/>
   <p:notesSz cx="6858000" cy="9144000"/>
@@ -105,6 +105,3837 @@
     </a:lvl9pPr>
   </p:defaultTextStyle>
 </p:presentation>
+</file>
+
+<file path=ppt/diagrams/colors1.xml><?xml version="1.0" encoding="utf-8"?>
+<dgm:colorsDef xmlns:dgm="http://schemas.openxmlformats.org/drawingml/2006/diagram" xmlns:a="http://schemas.openxmlformats.org/drawingml/2006/main" uniqueId="urn:microsoft.com/office/officeart/2005/8/colors/accent1_2">
+  <dgm:title val=""/>
+  <dgm:desc val=""/>
+  <dgm:catLst>
+    <dgm:cat type="accent1" pri="11200"/>
+  </dgm:catLst>
+  <dgm:styleLbl name="node0">
+    <dgm:fillClrLst meth="repeat">
+      <a:schemeClr val="accent1"/>
+    </dgm:fillClrLst>
+    <dgm:linClrLst meth="repeat">
+      <a:schemeClr val="lt1"/>
+    </dgm:linClrLst>
+    <dgm:effectClrLst/>
+    <dgm:txLinClrLst/>
+    <dgm:txFillClrLst/>
+    <dgm:txEffectClrLst/>
+  </dgm:styleLbl>
+  <dgm:styleLbl name="alignNode1">
+    <dgm:fillClrLst meth="repeat">
+      <a:schemeClr val="accent1"/>
+    </dgm:fillClrLst>
+    <dgm:linClrLst meth="repeat">
+      <a:schemeClr val="accent1"/>
+    </dgm:linClrLst>
+    <dgm:effectClrLst/>
+    <dgm:txLinClrLst/>
+    <dgm:txFillClrLst/>
+    <dgm:txEffectClrLst/>
+  </dgm:styleLbl>
+  <dgm:styleLbl name="node1">
+    <dgm:fillClrLst meth="repeat">
+      <a:schemeClr val="accent1"/>
+    </dgm:fillClrLst>
+    <dgm:linClrLst meth="repeat">
+      <a:schemeClr val="lt1"/>
+    </dgm:linClrLst>
+    <dgm:effectClrLst/>
+    <dgm:txLinClrLst/>
+    <dgm:txFillClrLst/>
+    <dgm:txEffectClrLst/>
+  </dgm:styleLbl>
+  <dgm:styleLbl name="lnNode1">
+    <dgm:fillClrLst meth="repeat">
+      <a:schemeClr val="accent1"/>
+    </dgm:fillClrLst>
+    <dgm:linClrLst meth="repeat">
+      <a:schemeClr val="lt1"/>
+    </dgm:linClrLst>
+    <dgm:effectClrLst/>
+    <dgm:txLinClrLst/>
+    <dgm:txFillClrLst/>
+    <dgm:txEffectClrLst/>
+  </dgm:styleLbl>
+  <dgm:styleLbl name="vennNode1">
+    <dgm:fillClrLst meth="repeat">
+      <a:schemeClr val="accent1">
+        <a:alpha val="50000"/>
+      </a:schemeClr>
+    </dgm:fillClrLst>
+    <dgm:linClrLst meth="repeat">
+      <a:schemeClr val="lt1"/>
+    </dgm:linClrLst>
+    <dgm:effectClrLst/>
+    <dgm:txLinClrLst/>
+    <dgm:txFillClrLst/>
+    <dgm:txEffectClrLst/>
+  </dgm:styleLbl>
+  <dgm:styleLbl name="node2">
+    <dgm:fillClrLst meth="repeat">
+      <a:schemeClr val="accent1"/>
+    </dgm:fillClrLst>
+    <dgm:linClrLst meth="repeat">
+      <a:schemeClr val="lt1"/>
+    </dgm:linClrLst>
+    <dgm:effectClrLst/>
+    <dgm:txLinClrLst/>
+    <dgm:txFillClrLst/>
+    <dgm:txEffectClrLst/>
+  </dgm:styleLbl>
+  <dgm:styleLbl name="node3">
+    <dgm:fillClrLst meth="repeat">
+      <a:schemeClr val="accent1"/>
+    </dgm:fillClrLst>
+    <dgm:linClrLst meth="repeat">
+      <a:schemeClr val="lt1"/>
+    </dgm:linClrLst>
+    <dgm:effectClrLst/>
+    <dgm:txLinClrLst/>
+    <dgm:txFillClrLst/>
+    <dgm:txEffectClrLst/>
+  </dgm:styleLbl>
+  <dgm:styleLbl name="node4">
+    <dgm:fillClrLst meth="repeat">
+      <a:schemeClr val="accent1"/>
+    </dgm:fillClrLst>
+    <dgm:linClrLst meth="repeat">
+      <a:schemeClr val="lt1"/>
+    </dgm:linClrLst>
+    <dgm:effectClrLst/>
+    <dgm:txLinClrLst/>
+    <dgm:txFillClrLst/>
+    <dgm:txEffectClrLst/>
+  </dgm:styleLbl>
+  <dgm:styleLbl name="fgImgPlace1">
+    <dgm:fillClrLst meth="repeat">
+      <a:schemeClr val="accent1">
+        <a:tint val="50000"/>
+      </a:schemeClr>
+    </dgm:fillClrLst>
+    <dgm:linClrLst meth="repeat">
+      <a:schemeClr val="lt1"/>
+    </dgm:linClrLst>
+    <dgm:effectClrLst/>
+    <dgm:txLinClrLst/>
+    <dgm:txFillClrLst meth="repeat">
+      <a:schemeClr val="lt1"/>
+    </dgm:txFillClrLst>
+    <dgm:txEffectClrLst/>
+  </dgm:styleLbl>
+  <dgm:styleLbl name="alignImgPlace1">
+    <dgm:fillClrLst meth="repeat">
+      <a:schemeClr val="accent1">
+        <a:tint val="50000"/>
+      </a:schemeClr>
+    </dgm:fillClrLst>
+    <dgm:linClrLst meth="repeat">
+      <a:schemeClr val="lt1"/>
+    </dgm:linClrLst>
+    <dgm:effectClrLst/>
+    <dgm:txLinClrLst/>
+    <dgm:txFillClrLst meth="repeat">
+      <a:schemeClr val="lt1"/>
+    </dgm:txFillClrLst>
+    <dgm:txEffectClrLst/>
+  </dgm:styleLbl>
+  <dgm:styleLbl name="bgImgPlace1">
+    <dgm:fillClrLst meth="repeat">
+      <a:schemeClr val="accent1">
+        <a:tint val="50000"/>
+      </a:schemeClr>
+    </dgm:fillClrLst>
+    <dgm:linClrLst meth="repeat">
+      <a:schemeClr val="lt1"/>
+    </dgm:linClrLst>
+    <dgm:effectClrLst/>
+    <dgm:txLinClrLst/>
+    <dgm:txFillClrLst meth="repeat">
+      <a:schemeClr val="lt1"/>
+    </dgm:txFillClrLst>
+    <dgm:txEffectClrLst/>
+  </dgm:styleLbl>
+  <dgm:styleLbl name="sibTrans2D1">
+    <dgm:fillClrLst meth="repeat">
+      <a:schemeClr val="accent1">
+        <a:tint val="60000"/>
+      </a:schemeClr>
+    </dgm:fillClrLst>
+    <dgm:linClrLst meth="repeat">
+      <a:schemeClr val="accent1">
+        <a:tint val="60000"/>
+      </a:schemeClr>
+    </dgm:linClrLst>
+    <dgm:effectClrLst/>
+    <dgm:txLinClrLst/>
+    <dgm:txFillClrLst/>
+    <dgm:txEffectClrLst/>
+  </dgm:styleLbl>
+  <dgm:styleLbl name="fgSibTrans2D1">
+    <dgm:fillClrLst meth="repeat">
+      <a:schemeClr val="accent1">
+        <a:tint val="60000"/>
+      </a:schemeClr>
+    </dgm:fillClrLst>
+    <dgm:linClrLst meth="repeat">
+      <a:schemeClr val="accent1">
+        <a:tint val="60000"/>
+      </a:schemeClr>
+    </dgm:linClrLst>
+    <dgm:effectClrLst/>
+    <dgm:txLinClrLst/>
+    <dgm:txFillClrLst/>
+    <dgm:txEffectClrLst/>
+  </dgm:styleLbl>
+  <dgm:styleLbl name="bgSibTrans2D1">
+    <dgm:fillClrLst meth="repeat">
+      <a:schemeClr val="accent1">
+        <a:tint val="60000"/>
+      </a:schemeClr>
+    </dgm:fillClrLst>
+    <dgm:linClrLst meth="repeat">
+      <a:schemeClr val="accent1">
+        <a:tint val="60000"/>
+      </a:schemeClr>
+    </dgm:linClrLst>
+    <dgm:effectClrLst/>
+    <dgm:txLinClrLst/>
+    <dgm:txFillClrLst/>
+    <dgm:txEffectClrLst/>
+  </dgm:styleLbl>
+  <dgm:styleLbl name="sibTrans1D1">
+    <dgm:fillClrLst meth="repeat">
+      <a:schemeClr val="accent1"/>
+    </dgm:fillClrLst>
+    <dgm:linClrLst meth="repeat">
+      <a:schemeClr val="accent1"/>
+    </dgm:linClrLst>
+    <dgm:effectClrLst/>
+    <dgm:txLinClrLst/>
+    <dgm:txFillClrLst meth="repeat">
+      <a:schemeClr val="tx1"/>
+    </dgm:txFillClrLst>
+    <dgm:txEffectClrLst/>
+  </dgm:styleLbl>
+  <dgm:styleLbl name="callout">
+    <dgm:fillClrLst meth="repeat">
+      <a:schemeClr val="accent1"/>
+    </dgm:fillClrLst>
+    <dgm:linClrLst meth="repeat">
+      <a:schemeClr val="accent1">
+        <a:tint val="50000"/>
+      </a:schemeClr>
+    </dgm:linClrLst>
+    <dgm:effectClrLst/>
+    <dgm:txLinClrLst/>
+    <dgm:txFillClrLst meth="repeat">
+      <a:schemeClr val="tx1"/>
+    </dgm:txFillClrLst>
+    <dgm:txEffectClrLst/>
+  </dgm:styleLbl>
+  <dgm:styleLbl name="asst0">
+    <dgm:fillClrLst meth="repeat">
+      <a:schemeClr val="accent1"/>
+    </dgm:fillClrLst>
+    <dgm:linClrLst meth="repeat">
+      <a:schemeClr val="lt1"/>
+    </dgm:linClrLst>
+    <dgm:effectClrLst/>
+    <dgm:txLinClrLst/>
+    <dgm:txFillClrLst/>
+    <dgm:txEffectClrLst/>
+  </dgm:styleLbl>
+  <dgm:styleLbl name="asst1">
+    <dgm:fillClrLst meth="repeat">
+      <a:schemeClr val="accent1"/>
+    </dgm:fillClrLst>
+    <dgm:linClrLst meth="repeat">
+      <a:schemeClr val="lt1"/>
+    </dgm:linClrLst>
+    <dgm:effectClrLst/>
+    <dgm:txLinClrLst/>
+    <dgm:txFillClrLst/>
+    <dgm:txEffectClrLst/>
+  </dgm:styleLbl>
+  <dgm:styleLbl name="asst2">
+    <dgm:fillClrLst meth="repeat">
+      <a:schemeClr val="accent1"/>
+    </dgm:fillClrLst>
+    <dgm:linClrLst meth="repeat">
+      <a:schemeClr val="lt1"/>
+    </dgm:linClrLst>
+    <dgm:effectClrLst/>
+    <dgm:txLinClrLst/>
+    <dgm:txFillClrLst/>
+    <dgm:txEffectClrLst/>
+  </dgm:styleLbl>
+  <dgm:styleLbl name="asst3">
+    <dgm:fillClrLst meth="repeat">
+      <a:schemeClr val="accent1"/>
+    </dgm:fillClrLst>
+    <dgm:linClrLst meth="repeat">
+      <a:schemeClr val="lt1"/>
+    </dgm:linClrLst>
+    <dgm:effectClrLst/>
+    <dgm:txLinClrLst/>
+    <dgm:txFillClrLst/>
+    <dgm:txEffectClrLst/>
+  </dgm:styleLbl>
+  <dgm:styleLbl name="asst4">
+    <dgm:fillClrLst meth="repeat">
+      <a:schemeClr val="accent1"/>
+    </dgm:fillClrLst>
+    <dgm:linClrLst meth="repeat">
+      <a:schemeClr val="lt1"/>
+    </dgm:linClrLst>
+    <dgm:effectClrLst/>
+    <dgm:txLinClrLst/>
+    <dgm:txFillClrLst/>
+    <dgm:txEffectClrLst/>
+  </dgm:styleLbl>
+  <dgm:styleLbl name="parChTrans2D1">
+    <dgm:fillClrLst meth="repeat">
+      <a:schemeClr val="accent1">
+        <a:tint val="60000"/>
+      </a:schemeClr>
+    </dgm:fillClrLst>
+    <dgm:linClrLst meth="repeat">
+      <a:schemeClr val="accent1">
+        <a:tint val="60000"/>
+      </a:schemeClr>
+    </dgm:linClrLst>
+    <dgm:effectClrLst/>
+    <dgm:txLinClrLst/>
+    <dgm:txFillClrLst meth="repeat">
+      <a:schemeClr val="lt1"/>
+    </dgm:txFillClrLst>
+    <dgm:txEffectClrLst/>
+  </dgm:styleLbl>
+  <dgm:styleLbl name="parChTrans2D2">
+    <dgm:fillClrLst meth="repeat">
+      <a:schemeClr val="accent1"/>
+    </dgm:fillClrLst>
+    <dgm:linClrLst meth="repeat">
+      <a:schemeClr val="accent1"/>
+    </dgm:linClrLst>
+    <dgm:effectClrLst/>
+    <dgm:txLinClrLst/>
+    <dgm:txFillClrLst meth="repeat">
+      <a:schemeClr val="lt1"/>
+    </dgm:txFillClrLst>
+    <dgm:txEffectClrLst/>
+  </dgm:styleLbl>
+  <dgm:styleLbl name="parChTrans2D3">
+    <dgm:fillClrLst meth="repeat">
+      <a:schemeClr val="accent1"/>
+    </dgm:fillClrLst>
+    <dgm:linClrLst meth="repeat">
+      <a:schemeClr val="accent1"/>
+    </dgm:linClrLst>
+    <dgm:effectClrLst/>
+    <dgm:txLinClrLst/>
+    <dgm:txFillClrLst meth="repeat">
+      <a:schemeClr val="lt1"/>
+    </dgm:txFillClrLst>
+    <dgm:txEffectClrLst/>
+  </dgm:styleLbl>
+  <dgm:styleLbl name="parChTrans2D4">
+    <dgm:fillClrLst meth="repeat">
+      <a:schemeClr val="accent1"/>
+    </dgm:fillClrLst>
+    <dgm:linClrLst meth="repeat">
+      <a:schemeClr val="accent1"/>
+    </dgm:linClrLst>
+    <dgm:effectClrLst/>
+    <dgm:txLinClrLst/>
+    <dgm:txFillClrLst meth="repeat">
+      <a:schemeClr val="lt1"/>
+    </dgm:txFillClrLst>
+    <dgm:txEffectClrLst/>
+  </dgm:styleLbl>
+  <dgm:styleLbl name="parChTrans1D1">
+    <dgm:fillClrLst meth="repeat">
+      <a:schemeClr val="accent1"/>
+    </dgm:fillClrLst>
+    <dgm:linClrLst meth="repeat">
+      <a:schemeClr val="accent1">
+        <a:shade val="60000"/>
+      </a:schemeClr>
+    </dgm:linClrLst>
+    <dgm:effectClrLst/>
+    <dgm:txLinClrLst/>
+    <dgm:txFillClrLst meth="repeat">
+      <a:schemeClr val="tx1"/>
+    </dgm:txFillClrLst>
+    <dgm:txEffectClrLst/>
+  </dgm:styleLbl>
+  <dgm:styleLbl name="parChTrans1D2">
+    <dgm:fillClrLst meth="repeat">
+      <a:schemeClr val="accent1"/>
+    </dgm:fillClrLst>
+    <dgm:linClrLst meth="repeat">
+      <a:schemeClr val="accent1">
+        <a:shade val="60000"/>
+      </a:schemeClr>
+    </dgm:linClrLst>
+    <dgm:effectClrLst/>
+    <dgm:txLinClrLst/>
+    <dgm:txFillClrLst meth="repeat">
+      <a:schemeClr val="tx1"/>
+    </dgm:txFillClrLst>
+    <dgm:txEffectClrLst/>
+  </dgm:styleLbl>
+  <dgm:styleLbl name="parChTrans1D3">
+    <dgm:fillClrLst meth="repeat">
+      <a:schemeClr val="accent1"/>
+    </dgm:fillClrLst>
+    <dgm:linClrLst meth="repeat">
+      <a:schemeClr val="accent1">
+        <a:shade val="80000"/>
+      </a:schemeClr>
+    </dgm:linClrLst>
+    <dgm:effectClrLst/>
+    <dgm:txLinClrLst/>
+    <dgm:txFillClrLst meth="repeat">
+      <a:schemeClr val="tx1"/>
+    </dgm:txFillClrLst>
+    <dgm:txEffectClrLst/>
+  </dgm:styleLbl>
+  <dgm:styleLbl name="parChTrans1D4">
+    <dgm:fillClrLst meth="repeat">
+      <a:schemeClr val="accent1"/>
+    </dgm:fillClrLst>
+    <dgm:linClrLst meth="repeat">
+      <a:schemeClr val="accent1">
+        <a:shade val="80000"/>
+      </a:schemeClr>
+    </dgm:linClrLst>
+    <dgm:effectClrLst/>
+    <dgm:txLinClrLst/>
+    <dgm:txFillClrLst meth="repeat">
+      <a:schemeClr val="tx1"/>
+    </dgm:txFillClrLst>
+    <dgm:txEffectClrLst/>
+  </dgm:styleLbl>
+  <dgm:styleLbl name="fgAcc1">
+    <dgm:fillClrLst meth="repeat">
+      <a:schemeClr val="lt1">
+        <a:alpha val="90000"/>
+      </a:schemeClr>
+    </dgm:fillClrLst>
+    <dgm:linClrLst meth="repeat">
+      <a:schemeClr val="accent1"/>
+    </dgm:linClrLst>
+    <dgm:effectClrLst/>
+    <dgm:txLinClrLst/>
+    <dgm:txFillClrLst meth="repeat">
+      <a:schemeClr val="dk1"/>
+    </dgm:txFillClrLst>
+    <dgm:txEffectClrLst/>
+  </dgm:styleLbl>
+  <dgm:styleLbl name="conFgAcc1">
+    <dgm:fillClrLst meth="repeat">
+      <a:schemeClr val="lt1">
+        <a:alpha val="90000"/>
+      </a:schemeClr>
+    </dgm:fillClrLst>
+    <dgm:linClrLst meth="repeat">
+      <a:schemeClr val="accent1"/>
+    </dgm:linClrLst>
+    <dgm:effectClrLst/>
+    <dgm:txLinClrLst/>
+    <dgm:txFillClrLst meth="repeat">
+      <a:schemeClr val="dk1"/>
+    </dgm:txFillClrLst>
+    <dgm:txEffectClrLst/>
+  </dgm:styleLbl>
+  <dgm:styleLbl name="alignAcc1">
+    <dgm:fillClrLst meth="repeat">
+      <a:schemeClr val="lt1">
+        <a:alpha val="90000"/>
+      </a:schemeClr>
+    </dgm:fillClrLst>
+    <dgm:linClrLst meth="repeat">
+      <a:schemeClr val="accent1"/>
+    </dgm:linClrLst>
+    <dgm:effectClrLst/>
+    <dgm:txLinClrLst/>
+    <dgm:txFillClrLst meth="repeat">
+      <a:schemeClr val="dk1"/>
+    </dgm:txFillClrLst>
+    <dgm:txEffectClrLst/>
+  </dgm:styleLbl>
+  <dgm:styleLbl name="trAlignAcc1">
+    <dgm:fillClrLst meth="repeat">
+      <a:schemeClr val="lt1">
+        <a:alpha val="40000"/>
+      </a:schemeClr>
+    </dgm:fillClrLst>
+    <dgm:linClrLst meth="repeat">
+      <a:schemeClr val="accent1"/>
+    </dgm:linClrLst>
+    <dgm:effectClrLst/>
+    <dgm:txLinClrLst/>
+    <dgm:txFillClrLst meth="repeat">
+      <a:schemeClr val="dk1"/>
+    </dgm:txFillClrLst>
+    <dgm:txEffectClrLst/>
+  </dgm:styleLbl>
+  <dgm:styleLbl name="bgAcc1">
+    <dgm:fillClrLst meth="repeat">
+      <a:schemeClr val="lt1">
+        <a:alpha val="90000"/>
+      </a:schemeClr>
+    </dgm:fillClrLst>
+    <dgm:linClrLst meth="repeat">
+      <a:schemeClr val="accent1"/>
+    </dgm:linClrLst>
+    <dgm:effectClrLst/>
+    <dgm:txLinClrLst/>
+    <dgm:txFillClrLst meth="repeat">
+      <a:schemeClr val="dk1"/>
+    </dgm:txFillClrLst>
+    <dgm:txEffectClrLst/>
+  </dgm:styleLbl>
+  <dgm:styleLbl name="solidFgAcc1">
+    <dgm:fillClrLst meth="repeat">
+      <a:schemeClr val="lt1"/>
+    </dgm:fillClrLst>
+    <dgm:linClrLst meth="repeat">
+      <a:schemeClr val="accent1"/>
+    </dgm:linClrLst>
+    <dgm:effectClrLst/>
+    <dgm:txLinClrLst/>
+    <dgm:txFillClrLst meth="repeat">
+      <a:schemeClr val="dk1"/>
+    </dgm:txFillClrLst>
+    <dgm:txEffectClrLst/>
+  </dgm:styleLbl>
+  <dgm:styleLbl name="solidAlignAcc1">
+    <dgm:fillClrLst meth="repeat">
+      <a:schemeClr val="lt1"/>
+    </dgm:fillClrLst>
+    <dgm:linClrLst meth="repeat">
+      <a:schemeClr val="accent1"/>
+    </dgm:linClrLst>
+    <dgm:effectClrLst/>
+    <dgm:txLinClrLst/>
+    <dgm:txFillClrLst meth="repeat">
+      <a:schemeClr val="dk1"/>
+    </dgm:txFillClrLst>
+    <dgm:txEffectClrLst/>
+  </dgm:styleLbl>
+  <dgm:styleLbl name="solidBgAcc1">
+    <dgm:fillClrLst meth="repeat">
+      <a:schemeClr val="lt1"/>
+    </dgm:fillClrLst>
+    <dgm:linClrLst meth="repeat">
+      <a:schemeClr val="accent1"/>
+    </dgm:linClrLst>
+    <dgm:effectClrLst/>
+    <dgm:txLinClrLst/>
+    <dgm:txFillClrLst meth="repeat">
+      <a:schemeClr val="dk1"/>
+    </dgm:txFillClrLst>
+    <dgm:txEffectClrLst/>
+  </dgm:styleLbl>
+  <dgm:styleLbl name="fgAccFollowNode1">
+    <dgm:fillClrLst meth="repeat">
+      <a:schemeClr val="accent1">
+        <a:alpha val="90000"/>
+        <a:tint val="40000"/>
+      </a:schemeClr>
+    </dgm:fillClrLst>
+    <dgm:linClrLst meth="repeat">
+      <a:schemeClr val="accent1">
+        <a:alpha val="90000"/>
+        <a:tint val="40000"/>
+      </a:schemeClr>
+    </dgm:linClrLst>
+    <dgm:effectClrLst/>
+    <dgm:txLinClrLst/>
+    <dgm:txFillClrLst meth="repeat">
+      <a:schemeClr val="dk1"/>
+    </dgm:txFillClrLst>
+    <dgm:txEffectClrLst/>
+  </dgm:styleLbl>
+  <dgm:styleLbl name="alignAccFollowNode1">
+    <dgm:fillClrLst meth="repeat">
+      <a:schemeClr val="accent1">
+        <a:alpha val="90000"/>
+        <a:tint val="40000"/>
+      </a:schemeClr>
+    </dgm:fillClrLst>
+    <dgm:linClrLst meth="repeat">
+      <a:schemeClr val="accent1">
+        <a:alpha val="90000"/>
+        <a:tint val="40000"/>
+      </a:schemeClr>
+    </dgm:linClrLst>
+    <dgm:effectClrLst/>
+    <dgm:txLinClrLst/>
+    <dgm:txFillClrLst meth="repeat">
+      <a:schemeClr val="dk1"/>
+    </dgm:txFillClrLst>
+    <dgm:txEffectClrLst/>
+  </dgm:styleLbl>
+  <dgm:styleLbl name="bgAccFollowNode1">
+    <dgm:fillClrLst meth="repeat">
+      <a:schemeClr val="accent1">
+        <a:alpha val="90000"/>
+        <a:tint val="40000"/>
+      </a:schemeClr>
+    </dgm:fillClrLst>
+    <dgm:linClrLst meth="repeat">
+      <a:schemeClr val="accent1">
+        <a:alpha val="90000"/>
+        <a:tint val="40000"/>
+      </a:schemeClr>
+    </dgm:linClrLst>
+    <dgm:effectClrLst/>
+    <dgm:txLinClrLst/>
+    <dgm:txFillClrLst meth="repeat">
+      <a:schemeClr val="dk1"/>
+    </dgm:txFillClrLst>
+    <dgm:txEffectClrLst/>
+  </dgm:styleLbl>
+  <dgm:styleLbl name="fgAcc0">
+    <dgm:fillClrLst meth="repeat">
+      <a:schemeClr val="lt1">
+        <a:alpha val="90000"/>
+      </a:schemeClr>
+    </dgm:fillClrLst>
+    <dgm:linClrLst meth="repeat">
+      <a:schemeClr val="accent1"/>
+    </dgm:linClrLst>
+    <dgm:effectClrLst/>
+    <dgm:txLinClrLst/>
+    <dgm:txFillClrLst meth="repeat">
+      <a:schemeClr val="dk1"/>
+    </dgm:txFillClrLst>
+    <dgm:txEffectClrLst/>
+  </dgm:styleLbl>
+  <dgm:styleLbl name="fgAcc2">
+    <dgm:fillClrLst meth="repeat">
+      <a:schemeClr val="lt1">
+        <a:alpha val="90000"/>
+      </a:schemeClr>
+    </dgm:fillClrLst>
+    <dgm:linClrLst meth="repeat">
+      <a:schemeClr val="accent1"/>
+    </dgm:linClrLst>
+    <dgm:effectClrLst/>
+    <dgm:txLinClrLst/>
+    <dgm:txFillClrLst meth="repeat">
+      <a:schemeClr val="dk1"/>
+    </dgm:txFillClrLst>
+    <dgm:txEffectClrLst/>
+  </dgm:styleLbl>
+  <dgm:styleLbl name="fgAcc3">
+    <dgm:fillClrLst meth="repeat">
+      <a:schemeClr val="lt1">
+        <a:alpha val="90000"/>
+      </a:schemeClr>
+    </dgm:fillClrLst>
+    <dgm:linClrLst meth="repeat">
+      <a:schemeClr val="accent1"/>
+    </dgm:linClrLst>
+    <dgm:effectClrLst/>
+    <dgm:txLinClrLst/>
+    <dgm:txFillClrLst meth="repeat">
+      <a:schemeClr val="dk1"/>
+    </dgm:txFillClrLst>
+    <dgm:txEffectClrLst/>
+  </dgm:styleLbl>
+  <dgm:styleLbl name="fgAcc4">
+    <dgm:fillClrLst meth="repeat">
+      <a:schemeClr val="lt1">
+        <a:alpha val="90000"/>
+      </a:schemeClr>
+    </dgm:fillClrLst>
+    <dgm:linClrLst meth="repeat">
+      <a:schemeClr val="accent1"/>
+    </dgm:linClrLst>
+    <dgm:effectClrLst/>
+    <dgm:txLinClrLst/>
+    <dgm:txFillClrLst meth="repeat">
+      <a:schemeClr val="dk1"/>
+    </dgm:txFillClrLst>
+    <dgm:txEffectClrLst/>
+  </dgm:styleLbl>
+  <dgm:styleLbl name="bgShp">
+    <dgm:fillClrLst meth="repeat">
+      <a:schemeClr val="accent1">
+        <a:tint val="40000"/>
+      </a:schemeClr>
+    </dgm:fillClrLst>
+    <dgm:linClrLst meth="repeat">
+      <a:schemeClr val="accent1"/>
+    </dgm:linClrLst>
+    <dgm:effectClrLst/>
+    <dgm:txLinClrLst/>
+    <dgm:txFillClrLst meth="repeat">
+      <a:schemeClr val="dk1"/>
+    </dgm:txFillClrLst>
+    <dgm:txEffectClrLst/>
+  </dgm:styleLbl>
+  <dgm:styleLbl name="dkBgShp">
+    <dgm:fillClrLst meth="repeat">
+      <a:schemeClr val="accent1">
+        <a:shade val="80000"/>
+      </a:schemeClr>
+    </dgm:fillClrLst>
+    <dgm:linClrLst meth="repeat">
+      <a:schemeClr val="accent1"/>
+    </dgm:linClrLst>
+    <dgm:effectClrLst/>
+    <dgm:txLinClrLst/>
+    <dgm:txFillClrLst meth="repeat">
+      <a:schemeClr val="lt1"/>
+    </dgm:txFillClrLst>
+    <dgm:txEffectClrLst/>
+  </dgm:styleLbl>
+  <dgm:styleLbl name="trBgShp">
+    <dgm:fillClrLst meth="repeat">
+      <a:schemeClr val="accent1">
+        <a:tint val="50000"/>
+        <a:alpha val="40000"/>
+      </a:schemeClr>
+    </dgm:fillClrLst>
+    <dgm:linClrLst meth="repeat">
+      <a:schemeClr val="accent1"/>
+    </dgm:linClrLst>
+    <dgm:effectClrLst/>
+    <dgm:txLinClrLst/>
+    <dgm:txFillClrLst meth="repeat">
+      <a:schemeClr val="lt1"/>
+    </dgm:txFillClrLst>
+    <dgm:txEffectClrLst/>
+  </dgm:styleLbl>
+  <dgm:styleLbl name="fgShp">
+    <dgm:fillClrLst meth="repeat">
+      <a:schemeClr val="accent1">
+        <a:tint val="60000"/>
+      </a:schemeClr>
+    </dgm:fillClrLst>
+    <dgm:linClrLst meth="repeat">
+      <a:schemeClr val="lt1"/>
+    </dgm:linClrLst>
+    <dgm:effectClrLst/>
+    <dgm:txLinClrLst/>
+    <dgm:txFillClrLst meth="repeat">
+      <a:schemeClr val="dk1"/>
+    </dgm:txFillClrLst>
+    <dgm:txEffectClrLst/>
+  </dgm:styleLbl>
+  <dgm:styleLbl name="revTx">
+    <dgm:fillClrLst meth="repeat">
+      <a:schemeClr val="lt1">
+        <a:alpha val="0"/>
+      </a:schemeClr>
+    </dgm:fillClrLst>
+    <dgm:linClrLst meth="repeat">
+      <a:schemeClr val="dk1">
+        <a:alpha val="0"/>
+      </a:schemeClr>
+    </dgm:linClrLst>
+    <dgm:effectClrLst/>
+    <dgm:txLinClrLst/>
+    <dgm:txFillClrLst meth="repeat">
+      <a:schemeClr val="tx1"/>
+    </dgm:txFillClrLst>
+    <dgm:txEffectClrLst/>
+  </dgm:styleLbl>
+</dgm:colorsDef>
+</file>
+
+<file path=ppt/diagrams/data1.xml><?xml version="1.0" encoding="utf-8"?>
+<dgm:dataModel xmlns:dgm="http://schemas.openxmlformats.org/drawingml/2006/diagram" xmlns:a="http://schemas.openxmlformats.org/drawingml/2006/main">
+  <dgm:ptLst>
+    <dgm:pt modelId="{3A09A603-8D3B-2244-86F9-2CD4250B5E52}" type="doc">
+      <dgm:prSet loTypeId="urn:microsoft.com/office/officeart/2008/layout/VerticalCurvedList" loCatId="" qsTypeId="urn:microsoft.com/office/officeart/2005/8/quickstyle/simple4" qsCatId="simple" csTypeId="urn:microsoft.com/office/officeart/2005/8/colors/accent1_2" csCatId="accent1" phldr="1"/>
+      <dgm:spPr/>
+      <dgm:t>
+        <a:bodyPr/>
+        <a:lstStyle/>
+        <a:p>
+          <a:endParaRPr lang="en-US"/>
+        </a:p>
+      </dgm:t>
+    </dgm:pt>
+    <dgm:pt modelId="{A53F98B5-89B2-5A49-8CBF-DABAD5FB6526}">
+      <dgm:prSet phldrT="[Text]"/>
+      <dgm:spPr>
+        <a:solidFill>
+          <a:schemeClr val="bg2"/>
+        </a:solidFill>
+      </dgm:spPr>
+      <dgm:t>
+        <a:bodyPr/>
+        <a:lstStyle/>
+        <a:p>
+          <a:r>
+            <a:rPr lang="en-US" dirty="0" smtClean="0">
+              <a:solidFill>
+                <a:schemeClr val="tx1">
+                  <a:lumMod val="50000"/>
+                  <a:lumOff val="50000"/>
+                </a:schemeClr>
+              </a:solidFill>
+            </a:rPr>
+            <a:t>For Users</a:t>
+          </a:r>
+          <a:endParaRPr lang="en-US" dirty="0">
+            <a:solidFill>
+              <a:schemeClr val="tx1">
+                <a:lumMod val="50000"/>
+                <a:lumOff val="50000"/>
+              </a:schemeClr>
+            </a:solidFill>
+          </a:endParaRPr>
+        </a:p>
+      </dgm:t>
+    </dgm:pt>
+    <dgm:pt modelId="{9CA8820F-A882-FD4B-A4A6-933E43C570D6}" type="parTrans" cxnId="{F38AFA31-0A10-0743-B9DD-2C2829A8E6F1}">
+      <dgm:prSet/>
+      <dgm:spPr/>
+      <dgm:t>
+        <a:bodyPr/>
+        <a:lstStyle/>
+        <a:p>
+          <a:endParaRPr lang="en-US"/>
+        </a:p>
+      </dgm:t>
+    </dgm:pt>
+    <dgm:pt modelId="{C7BB38E1-EDB3-D142-A5A1-480E9B1F26EB}" type="sibTrans" cxnId="{F38AFA31-0A10-0743-B9DD-2C2829A8E6F1}">
+      <dgm:prSet/>
+      <dgm:spPr>
+        <a:ln>
+          <a:solidFill>
+            <a:schemeClr val="tx1">
+              <a:lumMod val="50000"/>
+              <a:lumOff val="50000"/>
+            </a:schemeClr>
+          </a:solidFill>
+        </a:ln>
+      </dgm:spPr>
+      <dgm:t>
+        <a:bodyPr/>
+        <a:lstStyle/>
+        <a:p>
+          <a:endParaRPr lang="en-US"/>
+        </a:p>
+      </dgm:t>
+    </dgm:pt>
+    <dgm:pt modelId="{BBE447D1-F62C-954B-BFA8-926DE7C1998E}">
+      <dgm:prSet phldrT="[Text]"/>
+      <dgm:spPr>
+        <a:solidFill>
+          <a:schemeClr val="bg2"/>
+        </a:solidFill>
+      </dgm:spPr>
+      <dgm:t>
+        <a:bodyPr/>
+        <a:lstStyle/>
+        <a:p>
+          <a:r>
+            <a:rPr lang="en-US" dirty="0" smtClean="0">
+              <a:solidFill>
+                <a:schemeClr val="tx1">
+                  <a:lumMod val="50000"/>
+                  <a:lumOff val="50000"/>
+                </a:schemeClr>
+              </a:solidFill>
+            </a:rPr>
+            <a:t>For Business</a:t>
+          </a:r>
+          <a:endParaRPr lang="en-US" dirty="0">
+            <a:solidFill>
+              <a:schemeClr val="tx1">
+                <a:lumMod val="50000"/>
+                <a:lumOff val="50000"/>
+              </a:schemeClr>
+            </a:solidFill>
+          </a:endParaRPr>
+        </a:p>
+      </dgm:t>
+    </dgm:pt>
+    <dgm:pt modelId="{B1132A43-320B-0740-BC80-825E016EFE0A}" type="parTrans" cxnId="{3A4EAC3B-D3F3-874D-A075-A8682961FBC6}">
+      <dgm:prSet/>
+      <dgm:spPr/>
+      <dgm:t>
+        <a:bodyPr/>
+        <a:lstStyle/>
+        <a:p>
+          <a:endParaRPr lang="en-US"/>
+        </a:p>
+      </dgm:t>
+    </dgm:pt>
+    <dgm:pt modelId="{D06459F6-703F-2F44-B7AC-A6FD115A3AB0}" type="sibTrans" cxnId="{3A4EAC3B-D3F3-874D-A075-A8682961FBC6}">
+      <dgm:prSet/>
+      <dgm:spPr/>
+      <dgm:t>
+        <a:bodyPr/>
+        <a:lstStyle/>
+        <a:p>
+          <a:endParaRPr lang="en-US"/>
+        </a:p>
+      </dgm:t>
+    </dgm:pt>
+    <dgm:pt modelId="{E7AE9B39-CDCE-9341-993D-014530D7E909}">
+      <dgm:prSet phldrT="[Text]"/>
+      <dgm:spPr>
+        <a:solidFill>
+          <a:schemeClr val="bg2"/>
+        </a:solidFill>
+      </dgm:spPr>
+      <dgm:t>
+        <a:bodyPr/>
+        <a:lstStyle/>
+        <a:p>
+          <a:r>
+            <a:rPr lang="en-US" dirty="0" smtClean="0">
+              <a:solidFill>
+                <a:schemeClr val="tx1">
+                  <a:lumMod val="50000"/>
+                  <a:lumOff val="50000"/>
+                </a:schemeClr>
+              </a:solidFill>
+            </a:rPr>
+            <a:t>For Education</a:t>
+          </a:r>
+          <a:endParaRPr lang="en-US" dirty="0">
+            <a:solidFill>
+              <a:schemeClr val="tx1">
+                <a:lumMod val="50000"/>
+                <a:lumOff val="50000"/>
+              </a:schemeClr>
+            </a:solidFill>
+          </a:endParaRPr>
+        </a:p>
+      </dgm:t>
+    </dgm:pt>
+    <dgm:pt modelId="{577ED4CD-B0FD-0F48-8F50-3303CF4B3ED0}" type="parTrans" cxnId="{DF8AB4E6-3B82-E64D-966F-E5BD4E7A073F}">
+      <dgm:prSet/>
+      <dgm:spPr/>
+      <dgm:t>
+        <a:bodyPr/>
+        <a:lstStyle/>
+        <a:p>
+          <a:endParaRPr lang="en-US"/>
+        </a:p>
+      </dgm:t>
+    </dgm:pt>
+    <dgm:pt modelId="{C54D54D8-5CB2-2646-BDC0-D0FA923EEAA2}" type="sibTrans" cxnId="{DF8AB4E6-3B82-E64D-966F-E5BD4E7A073F}">
+      <dgm:prSet/>
+      <dgm:spPr/>
+      <dgm:t>
+        <a:bodyPr/>
+        <a:lstStyle/>
+        <a:p>
+          <a:endParaRPr lang="en-US"/>
+        </a:p>
+      </dgm:t>
+    </dgm:pt>
+    <dgm:pt modelId="{B89B5F76-E15D-C54E-8811-F5409DF1C0F4}" type="pres">
+      <dgm:prSet presAssocID="{3A09A603-8D3B-2244-86F9-2CD4250B5E52}" presName="Name0" presStyleCnt="0">
+        <dgm:presLayoutVars>
+          <dgm:chMax val="7"/>
+          <dgm:chPref val="7"/>
+          <dgm:dir/>
+        </dgm:presLayoutVars>
+      </dgm:prSet>
+      <dgm:spPr/>
+    </dgm:pt>
+    <dgm:pt modelId="{25182B5F-5118-5941-B4C1-7EEBC06D049A}" type="pres">
+      <dgm:prSet presAssocID="{3A09A603-8D3B-2244-86F9-2CD4250B5E52}" presName="Name1" presStyleCnt="0"/>
+      <dgm:spPr/>
+    </dgm:pt>
+    <dgm:pt modelId="{E063C56D-0836-2143-A5B0-AA4107387175}" type="pres">
+      <dgm:prSet presAssocID="{3A09A603-8D3B-2244-86F9-2CD4250B5E52}" presName="cycle" presStyleCnt="0"/>
+      <dgm:spPr/>
+    </dgm:pt>
+    <dgm:pt modelId="{66044A55-C011-9648-AE44-6853DAF6E8A2}" type="pres">
+      <dgm:prSet presAssocID="{3A09A603-8D3B-2244-86F9-2CD4250B5E52}" presName="srcNode" presStyleLbl="node1" presStyleIdx="0" presStyleCnt="3"/>
+      <dgm:spPr/>
+    </dgm:pt>
+    <dgm:pt modelId="{21B7C9CE-05D0-BF46-9252-D9F6AB88597A}" type="pres">
+      <dgm:prSet presAssocID="{3A09A603-8D3B-2244-86F9-2CD4250B5E52}" presName="conn" presStyleLbl="parChTrans1D2" presStyleIdx="0" presStyleCnt="1"/>
+      <dgm:spPr/>
+    </dgm:pt>
+    <dgm:pt modelId="{E392AE19-B50D-A745-868D-846E72583B1C}" type="pres">
+      <dgm:prSet presAssocID="{3A09A603-8D3B-2244-86F9-2CD4250B5E52}" presName="extraNode" presStyleLbl="node1" presStyleIdx="0" presStyleCnt="3"/>
+      <dgm:spPr/>
+    </dgm:pt>
+    <dgm:pt modelId="{47BA6890-ED50-984F-BEC7-8FBDBE6DF1C0}" type="pres">
+      <dgm:prSet presAssocID="{3A09A603-8D3B-2244-86F9-2CD4250B5E52}" presName="dstNode" presStyleLbl="node1" presStyleIdx="0" presStyleCnt="3"/>
+      <dgm:spPr/>
+    </dgm:pt>
+    <dgm:pt modelId="{EACC7144-414D-8F43-8477-67CF94ADC2C5}" type="pres">
+      <dgm:prSet presAssocID="{A53F98B5-89B2-5A49-8CBF-DABAD5FB6526}" presName="text_1" presStyleLbl="node1" presStyleIdx="0" presStyleCnt="3">
+        <dgm:presLayoutVars>
+          <dgm:bulletEnabled val="1"/>
+        </dgm:presLayoutVars>
+      </dgm:prSet>
+      <dgm:spPr/>
+      <dgm:t>
+        <a:bodyPr/>
+        <a:lstStyle/>
+        <a:p>
+          <a:endParaRPr lang="en-US"/>
+        </a:p>
+      </dgm:t>
+    </dgm:pt>
+    <dgm:pt modelId="{CCDCADEA-A2F2-2944-86CF-90B9260CDBD1}" type="pres">
+      <dgm:prSet presAssocID="{A53F98B5-89B2-5A49-8CBF-DABAD5FB6526}" presName="accent_1" presStyleCnt="0"/>
+      <dgm:spPr/>
+    </dgm:pt>
+    <dgm:pt modelId="{7C2B2FE9-6BB9-E540-BA45-76BD1D2818CD}" type="pres">
+      <dgm:prSet presAssocID="{A53F98B5-89B2-5A49-8CBF-DABAD5FB6526}" presName="accentRepeatNode" presStyleLbl="solidFgAcc1" presStyleIdx="0" presStyleCnt="3"/>
+      <dgm:spPr>
+        <a:solidFill>
+          <a:schemeClr val="bg1"/>
+        </a:solidFill>
+        <a:ln>
+          <a:solidFill>
+            <a:schemeClr val="tx1">
+              <a:lumMod val="50000"/>
+              <a:lumOff val="50000"/>
+            </a:schemeClr>
+          </a:solidFill>
+        </a:ln>
+      </dgm:spPr>
+    </dgm:pt>
+    <dgm:pt modelId="{7FADE0A0-17D6-B94C-BADC-938483C863BA}" type="pres">
+      <dgm:prSet presAssocID="{BBE447D1-F62C-954B-BFA8-926DE7C1998E}" presName="text_2" presStyleLbl="node1" presStyleIdx="1" presStyleCnt="3">
+        <dgm:presLayoutVars>
+          <dgm:bulletEnabled val="1"/>
+        </dgm:presLayoutVars>
+      </dgm:prSet>
+      <dgm:spPr/>
+      <dgm:t>
+        <a:bodyPr/>
+        <a:lstStyle/>
+        <a:p>
+          <a:endParaRPr lang="en-US"/>
+        </a:p>
+      </dgm:t>
+    </dgm:pt>
+    <dgm:pt modelId="{3BEF2A0F-9113-D34D-9590-D9E6D7B9426F}" type="pres">
+      <dgm:prSet presAssocID="{BBE447D1-F62C-954B-BFA8-926DE7C1998E}" presName="accent_2" presStyleCnt="0"/>
+      <dgm:spPr/>
+    </dgm:pt>
+    <dgm:pt modelId="{453753C9-BF26-F947-A7CA-5134F3FB6653}" type="pres">
+      <dgm:prSet presAssocID="{BBE447D1-F62C-954B-BFA8-926DE7C1998E}" presName="accentRepeatNode" presStyleLbl="solidFgAcc1" presStyleIdx="1" presStyleCnt="3"/>
+      <dgm:spPr>
+        <a:solidFill>
+          <a:schemeClr val="bg1"/>
+        </a:solidFill>
+        <a:ln>
+          <a:solidFill>
+            <a:schemeClr val="tx1">
+              <a:lumMod val="50000"/>
+              <a:lumOff val="50000"/>
+            </a:schemeClr>
+          </a:solidFill>
+        </a:ln>
+      </dgm:spPr>
+    </dgm:pt>
+    <dgm:pt modelId="{9DD2EA0E-C0B1-D34B-BDCB-F6D2AA16FD8A}" type="pres">
+      <dgm:prSet presAssocID="{E7AE9B39-CDCE-9341-993D-014530D7E909}" presName="text_3" presStyleLbl="node1" presStyleIdx="2" presStyleCnt="3">
+        <dgm:presLayoutVars>
+          <dgm:bulletEnabled val="1"/>
+        </dgm:presLayoutVars>
+      </dgm:prSet>
+      <dgm:spPr/>
+    </dgm:pt>
+    <dgm:pt modelId="{AE902C51-DD20-4E47-9E61-ECA93844173A}" type="pres">
+      <dgm:prSet presAssocID="{E7AE9B39-CDCE-9341-993D-014530D7E909}" presName="accent_3" presStyleCnt="0"/>
+      <dgm:spPr/>
+    </dgm:pt>
+    <dgm:pt modelId="{59C9F87F-4C66-4D4B-95C3-2DC030FD17AE}" type="pres">
+      <dgm:prSet presAssocID="{E7AE9B39-CDCE-9341-993D-014530D7E909}" presName="accentRepeatNode" presStyleLbl="solidFgAcc1" presStyleIdx="2" presStyleCnt="3"/>
+      <dgm:spPr>
+        <a:solidFill>
+          <a:schemeClr val="bg1"/>
+        </a:solidFill>
+        <a:ln>
+          <a:solidFill>
+            <a:schemeClr val="tx1">
+              <a:lumMod val="50000"/>
+              <a:lumOff val="50000"/>
+            </a:schemeClr>
+          </a:solidFill>
+        </a:ln>
+      </dgm:spPr>
+    </dgm:pt>
+  </dgm:ptLst>
+  <dgm:cxnLst>
+    <dgm:cxn modelId="{150B29CE-C541-3B47-A6D6-15E335FDA435}" type="presOf" srcId="{A53F98B5-89B2-5A49-8CBF-DABAD5FB6526}" destId="{EACC7144-414D-8F43-8477-67CF94ADC2C5}" srcOrd="0" destOrd="0" presId="urn:microsoft.com/office/officeart/2008/layout/VerticalCurvedList"/>
+    <dgm:cxn modelId="{F38AFA31-0A10-0743-B9DD-2C2829A8E6F1}" srcId="{3A09A603-8D3B-2244-86F9-2CD4250B5E52}" destId="{A53F98B5-89B2-5A49-8CBF-DABAD5FB6526}" srcOrd="0" destOrd="0" parTransId="{9CA8820F-A882-FD4B-A4A6-933E43C570D6}" sibTransId="{C7BB38E1-EDB3-D142-A5A1-480E9B1F26EB}"/>
+    <dgm:cxn modelId="{C1660906-0E72-F64B-A2EE-5744958DD225}" type="presOf" srcId="{E7AE9B39-CDCE-9341-993D-014530D7E909}" destId="{9DD2EA0E-C0B1-D34B-BDCB-F6D2AA16FD8A}" srcOrd="0" destOrd="0" presId="urn:microsoft.com/office/officeart/2008/layout/VerticalCurvedList"/>
+    <dgm:cxn modelId="{DF8AB4E6-3B82-E64D-966F-E5BD4E7A073F}" srcId="{3A09A603-8D3B-2244-86F9-2CD4250B5E52}" destId="{E7AE9B39-CDCE-9341-993D-014530D7E909}" srcOrd="2" destOrd="0" parTransId="{577ED4CD-B0FD-0F48-8F50-3303CF4B3ED0}" sibTransId="{C54D54D8-5CB2-2646-BDC0-D0FA923EEAA2}"/>
+    <dgm:cxn modelId="{3CBA155E-335B-9E40-A936-956D7F28E0C7}" type="presOf" srcId="{3A09A603-8D3B-2244-86F9-2CD4250B5E52}" destId="{B89B5F76-E15D-C54E-8811-F5409DF1C0F4}" srcOrd="0" destOrd="0" presId="urn:microsoft.com/office/officeart/2008/layout/VerticalCurvedList"/>
+    <dgm:cxn modelId="{D7585A15-94BD-4F49-B877-315E95572D39}" type="presOf" srcId="{C7BB38E1-EDB3-D142-A5A1-480E9B1F26EB}" destId="{21B7C9CE-05D0-BF46-9252-D9F6AB88597A}" srcOrd="0" destOrd="0" presId="urn:microsoft.com/office/officeart/2008/layout/VerticalCurvedList"/>
+    <dgm:cxn modelId="{3A4EAC3B-D3F3-874D-A075-A8682961FBC6}" srcId="{3A09A603-8D3B-2244-86F9-2CD4250B5E52}" destId="{BBE447D1-F62C-954B-BFA8-926DE7C1998E}" srcOrd="1" destOrd="0" parTransId="{B1132A43-320B-0740-BC80-825E016EFE0A}" sibTransId="{D06459F6-703F-2F44-B7AC-A6FD115A3AB0}"/>
+    <dgm:cxn modelId="{55075355-6609-1949-9D4A-FFAEC2166F7A}" type="presOf" srcId="{BBE447D1-F62C-954B-BFA8-926DE7C1998E}" destId="{7FADE0A0-17D6-B94C-BADC-938483C863BA}" srcOrd="0" destOrd="0" presId="urn:microsoft.com/office/officeart/2008/layout/VerticalCurvedList"/>
+    <dgm:cxn modelId="{A2B6A059-3FD3-DC49-9656-E93CF8710652}" type="presParOf" srcId="{B89B5F76-E15D-C54E-8811-F5409DF1C0F4}" destId="{25182B5F-5118-5941-B4C1-7EEBC06D049A}" srcOrd="0" destOrd="0" presId="urn:microsoft.com/office/officeart/2008/layout/VerticalCurvedList"/>
+    <dgm:cxn modelId="{5EC443DC-F5B1-324D-9918-99CA69CFE099}" type="presParOf" srcId="{25182B5F-5118-5941-B4C1-7EEBC06D049A}" destId="{E063C56D-0836-2143-A5B0-AA4107387175}" srcOrd="0" destOrd="0" presId="urn:microsoft.com/office/officeart/2008/layout/VerticalCurvedList"/>
+    <dgm:cxn modelId="{0EB146AE-4669-A74C-9375-E74FDC014F7C}" type="presParOf" srcId="{E063C56D-0836-2143-A5B0-AA4107387175}" destId="{66044A55-C011-9648-AE44-6853DAF6E8A2}" srcOrd="0" destOrd="0" presId="urn:microsoft.com/office/officeart/2008/layout/VerticalCurvedList"/>
+    <dgm:cxn modelId="{2E21D82A-A559-C548-925F-ABED0083F245}" type="presParOf" srcId="{E063C56D-0836-2143-A5B0-AA4107387175}" destId="{21B7C9CE-05D0-BF46-9252-D9F6AB88597A}" srcOrd="1" destOrd="0" presId="urn:microsoft.com/office/officeart/2008/layout/VerticalCurvedList"/>
+    <dgm:cxn modelId="{0FCCB2CA-6A9D-3A49-9B56-BED37D378695}" type="presParOf" srcId="{E063C56D-0836-2143-A5B0-AA4107387175}" destId="{E392AE19-B50D-A745-868D-846E72583B1C}" srcOrd="2" destOrd="0" presId="urn:microsoft.com/office/officeart/2008/layout/VerticalCurvedList"/>
+    <dgm:cxn modelId="{9C80338E-116C-B943-84BB-1D2F0740F9B9}" type="presParOf" srcId="{E063C56D-0836-2143-A5B0-AA4107387175}" destId="{47BA6890-ED50-984F-BEC7-8FBDBE6DF1C0}" srcOrd="3" destOrd="0" presId="urn:microsoft.com/office/officeart/2008/layout/VerticalCurvedList"/>
+    <dgm:cxn modelId="{F835064A-80C8-FC47-BD2F-CDD54CD369B0}" type="presParOf" srcId="{25182B5F-5118-5941-B4C1-7EEBC06D049A}" destId="{EACC7144-414D-8F43-8477-67CF94ADC2C5}" srcOrd="1" destOrd="0" presId="urn:microsoft.com/office/officeart/2008/layout/VerticalCurvedList"/>
+    <dgm:cxn modelId="{86402201-BB5F-7B4A-B2F1-BC86829E0AB3}" type="presParOf" srcId="{25182B5F-5118-5941-B4C1-7EEBC06D049A}" destId="{CCDCADEA-A2F2-2944-86CF-90B9260CDBD1}" srcOrd="2" destOrd="0" presId="urn:microsoft.com/office/officeart/2008/layout/VerticalCurvedList"/>
+    <dgm:cxn modelId="{6BCD5E13-8F52-154B-88CE-8791E18E4E68}" type="presParOf" srcId="{CCDCADEA-A2F2-2944-86CF-90B9260CDBD1}" destId="{7C2B2FE9-6BB9-E540-BA45-76BD1D2818CD}" srcOrd="0" destOrd="0" presId="urn:microsoft.com/office/officeart/2008/layout/VerticalCurvedList"/>
+    <dgm:cxn modelId="{C2C58E72-79D3-594E-AA2E-551707B91B65}" type="presParOf" srcId="{25182B5F-5118-5941-B4C1-7EEBC06D049A}" destId="{7FADE0A0-17D6-B94C-BADC-938483C863BA}" srcOrd="3" destOrd="0" presId="urn:microsoft.com/office/officeart/2008/layout/VerticalCurvedList"/>
+    <dgm:cxn modelId="{150B04FC-C20E-A745-A422-AC717D4095B0}" type="presParOf" srcId="{25182B5F-5118-5941-B4C1-7EEBC06D049A}" destId="{3BEF2A0F-9113-D34D-9590-D9E6D7B9426F}" srcOrd="4" destOrd="0" presId="urn:microsoft.com/office/officeart/2008/layout/VerticalCurvedList"/>
+    <dgm:cxn modelId="{2EBD0FCE-1112-524C-A0B5-43C887E87D9A}" type="presParOf" srcId="{3BEF2A0F-9113-D34D-9590-D9E6D7B9426F}" destId="{453753C9-BF26-F947-A7CA-5134F3FB6653}" srcOrd="0" destOrd="0" presId="urn:microsoft.com/office/officeart/2008/layout/VerticalCurvedList"/>
+    <dgm:cxn modelId="{0F2D56BC-64AC-2A43-82D7-BCCC789C762D}" type="presParOf" srcId="{25182B5F-5118-5941-B4C1-7EEBC06D049A}" destId="{9DD2EA0E-C0B1-D34B-BDCB-F6D2AA16FD8A}" srcOrd="5" destOrd="0" presId="urn:microsoft.com/office/officeart/2008/layout/VerticalCurvedList"/>
+    <dgm:cxn modelId="{4EDE278E-780F-DF4F-8CBA-FB1A33B2F48C}" type="presParOf" srcId="{25182B5F-5118-5941-B4C1-7EEBC06D049A}" destId="{AE902C51-DD20-4E47-9E61-ECA93844173A}" srcOrd="6" destOrd="0" presId="urn:microsoft.com/office/officeart/2008/layout/VerticalCurvedList"/>
+    <dgm:cxn modelId="{27257EB7-DDCE-A54A-BCE2-2A48A4795CCF}" type="presParOf" srcId="{AE902C51-DD20-4E47-9E61-ECA93844173A}" destId="{59C9F87F-4C66-4D4B-95C3-2DC030FD17AE}" srcOrd="0" destOrd="0" presId="urn:microsoft.com/office/officeart/2008/layout/VerticalCurvedList"/>
+  </dgm:cxnLst>
+  <dgm:bg/>
+  <dgm:whole>
+    <a:ln>
+      <a:noFill/>
+    </a:ln>
+  </dgm:whole>
+  <dgm:extLst>
+    <a:ext uri="http://schemas.microsoft.com/office/drawing/2008/diagram">
+      <dsp:dataModelExt xmlns:dsp="http://schemas.microsoft.com/office/drawing/2008/diagram" relId="rId6" minVer="http://schemas.openxmlformats.org/drawingml/2006/diagram"/>
+    </a:ext>
+  </dgm:extLst>
+</dgm:dataModel>
+</file>
+
+<file path=ppt/diagrams/drawing1.xml><?xml version="1.0" encoding="utf-8"?>
+<dsp:drawing xmlns:dgm="http://schemas.openxmlformats.org/drawingml/2006/diagram" xmlns:dsp="http://schemas.microsoft.com/office/drawing/2008/diagram" xmlns:a="http://schemas.openxmlformats.org/drawingml/2006/main">
+  <dsp:spTree>
+    <dsp:nvGrpSpPr>
+      <dsp:cNvPr id="0" name=""/>
+      <dsp:cNvGrpSpPr/>
+    </dsp:nvGrpSpPr>
+    <dsp:grpSpPr/>
+    <dsp:sp modelId="{21B7C9CE-05D0-BF46-9252-D9F6AB88597A}">
+      <dsp:nvSpPr>
+        <dsp:cNvPr id="0" name=""/>
+        <dsp:cNvSpPr/>
+      </dsp:nvSpPr>
+      <dsp:spPr>
+        <a:xfrm>
+          <a:off x="-4919424" y="-753830"/>
+          <a:ext cx="5858998" cy="5858998"/>
+        </a:xfrm>
+        <a:prstGeom prst="blockArc">
+          <a:avLst>
+            <a:gd name="adj1" fmla="val 18900000"/>
+            <a:gd name="adj2" fmla="val 2700000"/>
+            <a:gd name="adj3" fmla="val 369"/>
+          </a:avLst>
+        </a:prstGeom>
+        <a:noFill/>
+        <a:ln w="6350" cap="flat" cmpd="sng" algn="ctr">
+          <a:solidFill>
+            <a:schemeClr val="tx1">
+              <a:lumMod val="50000"/>
+              <a:lumOff val="50000"/>
+            </a:schemeClr>
+          </a:solidFill>
+          <a:prstDash val="solid"/>
+          <a:miter lim="800000"/>
+        </a:ln>
+        <a:effectLst/>
+      </dsp:spPr>
+      <dsp:style>
+        <a:lnRef idx="1">
+          <a:scrgbClr r="0" g="0" b="0"/>
+        </a:lnRef>
+        <a:fillRef idx="0">
+          <a:scrgbClr r="0" g="0" b="0"/>
+        </a:fillRef>
+        <a:effectRef idx="0">
+          <a:scrgbClr r="0" g="0" b="0"/>
+        </a:effectRef>
+        <a:fontRef idx="minor"/>
+      </dsp:style>
+    </dsp:sp>
+    <dsp:sp modelId="{EACC7144-414D-8F43-8477-67CF94ADC2C5}">
+      <dsp:nvSpPr>
+        <dsp:cNvPr id="0" name=""/>
+        <dsp:cNvSpPr/>
+      </dsp:nvSpPr>
+      <dsp:spPr>
+        <a:xfrm>
+          <a:off x="604289" y="435133"/>
+          <a:ext cx="6893896" cy="870267"/>
+        </a:xfrm>
+        <a:prstGeom prst="rect">
+          <a:avLst/>
+        </a:prstGeom>
+        <a:solidFill>
+          <a:schemeClr val="bg2"/>
+        </a:solidFill>
+        <a:ln>
+          <a:noFill/>
+        </a:ln>
+        <a:effectLst/>
+      </dsp:spPr>
+      <dsp:style>
+        <a:lnRef idx="0">
+          <a:scrgbClr r="0" g="0" b="0"/>
+        </a:lnRef>
+        <a:fillRef idx="3">
+          <a:scrgbClr r="0" g="0" b="0"/>
+        </a:fillRef>
+        <a:effectRef idx="2">
+          <a:scrgbClr r="0" g="0" b="0"/>
+        </a:effectRef>
+        <a:fontRef idx="minor">
+          <a:schemeClr val="lt1"/>
+        </a:fontRef>
+      </dsp:style>
+      <dsp:txBody>
+        <a:bodyPr spcFirstLastPara="0" vert="horz" wrap="square" lIns="690775" tIns="114300" rIns="114300" bIns="114300" numCol="1" spcCol="1270" anchor="ctr" anchorCtr="0">
+          <a:noAutofit/>
+        </a:bodyPr>
+        <a:lstStyle/>
+        <a:p>
+          <a:pPr lvl="0" algn="l" defTabSz="2000250">
+            <a:lnSpc>
+              <a:spcPct val="90000"/>
+            </a:lnSpc>
+            <a:spcBef>
+              <a:spcPct val="0"/>
+            </a:spcBef>
+            <a:spcAft>
+              <a:spcPct val="35000"/>
+            </a:spcAft>
+          </a:pPr>
+          <a:r>
+            <a:rPr lang="en-US" sz="4500" kern="1200" dirty="0" smtClean="0">
+              <a:solidFill>
+                <a:schemeClr val="tx1">
+                  <a:lumMod val="50000"/>
+                  <a:lumOff val="50000"/>
+                </a:schemeClr>
+              </a:solidFill>
+            </a:rPr>
+            <a:t>For Users</a:t>
+          </a:r>
+          <a:endParaRPr lang="en-US" sz="4500" kern="1200" dirty="0">
+            <a:solidFill>
+              <a:schemeClr val="tx1">
+                <a:lumMod val="50000"/>
+                <a:lumOff val="50000"/>
+              </a:schemeClr>
+            </a:solidFill>
+          </a:endParaRPr>
+        </a:p>
+      </dsp:txBody>
+      <dsp:txXfrm>
+        <a:off x="604289" y="435133"/>
+        <a:ext cx="6893896" cy="870267"/>
+      </dsp:txXfrm>
+    </dsp:sp>
+    <dsp:sp modelId="{7C2B2FE9-6BB9-E540-BA45-76BD1D2818CD}">
+      <dsp:nvSpPr>
+        <dsp:cNvPr id="0" name=""/>
+        <dsp:cNvSpPr/>
+      </dsp:nvSpPr>
+      <dsp:spPr>
+        <a:xfrm>
+          <a:off x="60372" y="326350"/>
+          <a:ext cx="1087834" cy="1087834"/>
+        </a:xfrm>
+        <a:prstGeom prst="ellipse">
+          <a:avLst/>
+        </a:prstGeom>
+        <a:solidFill>
+          <a:schemeClr val="bg1"/>
+        </a:solidFill>
+        <a:ln w="6350" cap="flat" cmpd="sng" algn="ctr">
+          <a:solidFill>
+            <a:schemeClr val="tx1">
+              <a:lumMod val="50000"/>
+              <a:lumOff val="50000"/>
+            </a:schemeClr>
+          </a:solidFill>
+          <a:prstDash val="solid"/>
+          <a:miter lim="800000"/>
+        </a:ln>
+        <a:effectLst/>
+      </dsp:spPr>
+      <dsp:style>
+        <a:lnRef idx="1">
+          <a:scrgbClr r="0" g="0" b="0"/>
+        </a:lnRef>
+        <a:fillRef idx="1">
+          <a:scrgbClr r="0" g="0" b="0"/>
+        </a:fillRef>
+        <a:effectRef idx="0">
+          <a:scrgbClr r="0" g="0" b="0"/>
+        </a:effectRef>
+        <a:fontRef idx="minor"/>
+      </dsp:style>
+    </dsp:sp>
+    <dsp:sp modelId="{7FADE0A0-17D6-B94C-BADC-938483C863BA}">
+      <dsp:nvSpPr>
+        <dsp:cNvPr id="0" name=""/>
+        <dsp:cNvSpPr/>
+      </dsp:nvSpPr>
+      <dsp:spPr>
+        <a:xfrm>
+          <a:off x="920631" y="1740535"/>
+          <a:ext cx="6577554" cy="870267"/>
+        </a:xfrm>
+        <a:prstGeom prst="rect">
+          <a:avLst/>
+        </a:prstGeom>
+        <a:solidFill>
+          <a:schemeClr val="bg2"/>
+        </a:solidFill>
+        <a:ln>
+          <a:noFill/>
+        </a:ln>
+        <a:effectLst/>
+      </dsp:spPr>
+      <dsp:style>
+        <a:lnRef idx="0">
+          <a:scrgbClr r="0" g="0" b="0"/>
+        </a:lnRef>
+        <a:fillRef idx="3">
+          <a:scrgbClr r="0" g="0" b="0"/>
+        </a:fillRef>
+        <a:effectRef idx="2">
+          <a:scrgbClr r="0" g="0" b="0"/>
+        </a:effectRef>
+        <a:fontRef idx="minor">
+          <a:schemeClr val="lt1"/>
+        </a:fontRef>
+      </dsp:style>
+      <dsp:txBody>
+        <a:bodyPr spcFirstLastPara="0" vert="horz" wrap="square" lIns="690775" tIns="114300" rIns="114300" bIns="114300" numCol="1" spcCol="1270" anchor="ctr" anchorCtr="0">
+          <a:noAutofit/>
+        </a:bodyPr>
+        <a:lstStyle/>
+        <a:p>
+          <a:pPr lvl="0" algn="l" defTabSz="2000250">
+            <a:lnSpc>
+              <a:spcPct val="90000"/>
+            </a:lnSpc>
+            <a:spcBef>
+              <a:spcPct val="0"/>
+            </a:spcBef>
+            <a:spcAft>
+              <a:spcPct val="35000"/>
+            </a:spcAft>
+          </a:pPr>
+          <a:r>
+            <a:rPr lang="en-US" sz="4500" kern="1200" dirty="0" smtClean="0">
+              <a:solidFill>
+                <a:schemeClr val="tx1">
+                  <a:lumMod val="50000"/>
+                  <a:lumOff val="50000"/>
+                </a:schemeClr>
+              </a:solidFill>
+            </a:rPr>
+            <a:t>For Business</a:t>
+          </a:r>
+          <a:endParaRPr lang="en-US" sz="4500" kern="1200" dirty="0">
+            <a:solidFill>
+              <a:schemeClr val="tx1">
+                <a:lumMod val="50000"/>
+                <a:lumOff val="50000"/>
+              </a:schemeClr>
+            </a:solidFill>
+          </a:endParaRPr>
+        </a:p>
+      </dsp:txBody>
+      <dsp:txXfrm>
+        <a:off x="920631" y="1740535"/>
+        <a:ext cx="6577554" cy="870267"/>
+      </dsp:txXfrm>
+    </dsp:sp>
+    <dsp:sp modelId="{453753C9-BF26-F947-A7CA-5134F3FB6653}">
+      <dsp:nvSpPr>
+        <dsp:cNvPr id="0" name=""/>
+        <dsp:cNvSpPr/>
+      </dsp:nvSpPr>
+      <dsp:spPr>
+        <a:xfrm>
+          <a:off x="376714" y="1631751"/>
+          <a:ext cx="1087834" cy="1087834"/>
+        </a:xfrm>
+        <a:prstGeom prst="ellipse">
+          <a:avLst/>
+        </a:prstGeom>
+        <a:solidFill>
+          <a:schemeClr val="bg1"/>
+        </a:solidFill>
+        <a:ln w="6350" cap="flat" cmpd="sng" algn="ctr">
+          <a:solidFill>
+            <a:schemeClr val="tx1">
+              <a:lumMod val="50000"/>
+              <a:lumOff val="50000"/>
+            </a:schemeClr>
+          </a:solidFill>
+          <a:prstDash val="solid"/>
+          <a:miter lim="800000"/>
+        </a:ln>
+        <a:effectLst/>
+      </dsp:spPr>
+      <dsp:style>
+        <a:lnRef idx="1">
+          <a:scrgbClr r="0" g="0" b="0"/>
+        </a:lnRef>
+        <a:fillRef idx="1">
+          <a:scrgbClr r="0" g="0" b="0"/>
+        </a:fillRef>
+        <a:effectRef idx="0">
+          <a:scrgbClr r="0" g="0" b="0"/>
+        </a:effectRef>
+        <a:fontRef idx="minor"/>
+      </dsp:style>
+    </dsp:sp>
+    <dsp:sp modelId="{9DD2EA0E-C0B1-D34B-BDCB-F6D2AA16FD8A}">
+      <dsp:nvSpPr>
+        <dsp:cNvPr id="0" name=""/>
+        <dsp:cNvSpPr/>
+      </dsp:nvSpPr>
+      <dsp:spPr>
+        <a:xfrm>
+          <a:off x="604289" y="3045936"/>
+          <a:ext cx="6893896" cy="870267"/>
+        </a:xfrm>
+        <a:prstGeom prst="rect">
+          <a:avLst/>
+        </a:prstGeom>
+        <a:solidFill>
+          <a:schemeClr val="bg2"/>
+        </a:solidFill>
+        <a:ln>
+          <a:noFill/>
+        </a:ln>
+        <a:effectLst/>
+      </dsp:spPr>
+      <dsp:style>
+        <a:lnRef idx="0">
+          <a:scrgbClr r="0" g="0" b="0"/>
+        </a:lnRef>
+        <a:fillRef idx="3">
+          <a:scrgbClr r="0" g="0" b="0"/>
+        </a:fillRef>
+        <a:effectRef idx="2">
+          <a:scrgbClr r="0" g="0" b="0"/>
+        </a:effectRef>
+        <a:fontRef idx="minor">
+          <a:schemeClr val="lt1"/>
+        </a:fontRef>
+      </dsp:style>
+      <dsp:txBody>
+        <a:bodyPr spcFirstLastPara="0" vert="horz" wrap="square" lIns="690775" tIns="114300" rIns="114300" bIns="114300" numCol="1" spcCol="1270" anchor="ctr" anchorCtr="0">
+          <a:noAutofit/>
+        </a:bodyPr>
+        <a:lstStyle/>
+        <a:p>
+          <a:pPr lvl="0" algn="l" defTabSz="2000250">
+            <a:lnSpc>
+              <a:spcPct val="90000"/>
+            </a:lnSpc>
+            <a:spcBef>
+              <a:spcPct val="0"/>
+            </a:spcBef>
+            <a:spcAft>
+              <a:spcPct val="35000"/>
+            </a:spcAft>
+          </a:pPr>
+          <a:r>
+            <a:rPr lang="en-US" sz="4500" kern="1200" dirty="0" smtClean="0">
+              <a:solidFill>
+                <a:schemeClr val="tx1">
+                  <a:lumMod val="50000"/>
+                  <a:lumOff val="50000"/>
+                </a:schemeClr>
+              </a:solidFill>
+            </a:rPr>
+            <a:t>For Education</a:t>
+          </a:r>
+          <a:endParaRPr lang="en-US" sz="4500" kern="1200" dirty="0">
+            <a:solidFill>
+              <a:schemeClr val="tx1">
+                <a:lumMod val="50000"/>
+                <a:lumOff val="50000"/>
+              </a:schemeClr>
+            </a:solidFill>
+          </a:endParaRPr>
+        </a:p>
+      </dsp:txBody>
+      <dsp:txXfrm>
+        <a:off x="604289" y="3045936"/>
+        <a:ext cx="6893896" cy="870267"/>
+      </dsp:txXfrm>
+    </dsp:sp>
+    <dsp:sp modelId="{59C9F87F-4C66-4D4B-95C3-2DC030FD17AE}">
+      <dsp:nvSpPr>
+        <dsp:cNvPr id="0" name=""/>
+        <dsp:cNvSpPr/>
+      </dsp:nvSpPr>
+      <dsp:spPr>
+        <a:xfrm>
+          <a:off x="60372" y="2937153"/>
+          <a:ext cx="1087834" cy="1087834"/>
+        </a:xfrm>
+        <a:prstGeom prst="ellipse">
+          <a:avLst/>
+        </a:prstGeom>
+        <a:solidFill>
+          <a:schemeClr val="bg1"/>
+        </a:solidFill>
+        <a:ln w="6350" cap="flat" cmpd="sng" algn="ctr">
+          <a:solidFill>
+            <a:schemeClr val="tx1">
+              <a:lumMod val="50000"/>
+              <a:lumOff val="50000"/>
+            </a:schemeClr>
+          </a:solidFill>
+          <a:prstDash val="solid"/>
+          <a:miter lim="800000"/>
+        </a:ln>
+        <a:effectLst/>
+      </dsp:spPr>
+      <dsp:style>
+        <a:lnRef idx="1">
+          <a:scrgbClr r="0" g="0" b="0"/>
+        </a:lnRef>
+        <a:fillRef idx="1">
+          <a:scrgbClr r="0" g="0" b="0"/>
+        </a:fillRef>
+        <a:effectRef idx="0">
+          <a:scrgbClr r="0" g="0" b="0"/>
+        </a:effectRef>
+        <a:fontRef idx="minor"/>
+      </dsp:style>
+    </dsp:sp>
+  </dsp:spTree>
+</dsp:drawing>
+</file>
+
+<file path=ppt/diagrams/layout1.xml><?xml version="1.0" encoding="utf-8"?>
+<dgm:layoutDef xmlns:dgm="http://schemas.openxmlformats.org/drawingml/2006/diagram" xmlns:a="http://schemas.openxmlformats.org/drawingml/2006/main" uniqueId="urn:microsoft.com/office/officeart/2008/layout/VerticalCurvedList">
+  <dgm:title val=""/>
+  <dgm:desc val=""/>
+  <dgm:catLst>
+    <dgm:cat type="list" pri="20000"/>
+  </dgm:catLst>
+  <dgm:sampData>
+    <dgm:dataModel>
+      <dgm:ptLst>
+        <dgm:pt modelId="0" type="doc"/>
+        <dgm:pt modelId="1">
+          <dgm:prSet phldr="1"/>
+        </dgm:pt>
+        <dgm:pt modelId="2">
+          <dgm:prSet phldr="1"/>
+        </dgm:pt>
+        <dgm:pt modelId="3">
+          <dgm:prSet phldr="1"/>
+        </dgm:pt>
+      </dgm:ptLst>
+      <dgm:cxnLst>
+        <dgm:cxn modelId="4" srcId="0" destId="1" srcOrd="0" destOrd="0"/>
+        <dgm:cxn modelId="5" srcId="0" destId="2" srcOrd="1" destOrd="0"/>
+        <dgm:cxn modelId="6" srcId="0" destId="3" srcOrd="2" destOrd="0"/>
+      </dgm:cxnLst>
+      <dgm:bg/>
+      <dgm:whole/>
+    </dgm:dataModel>
+  </dgm:sampData>
+  <dgm:styleData>
+    <dgm:dataModel>
+      <dgm:ptLst>
+        <dgm:pt modelId="0" type="doc"/>
+        <dgm:pt modelId="1">
+          <dgm:prSet phldr="1"/>
+        </dgm:pt>
+        <dgm:pt modelId="2">
+          <dgm:prSet phldr="1"/>
+        </dgm:pt>
+      </dgm:ptLst>
+      <dgm:cxnLst>
+        <dgm:cxn modelId="3" srcId="0" destId="1" srcOrd="0" destOrd="0"/>
+        <dgm:cxn modelId="4" srcId="0" destId="2" srcOrd="1" destOrd="0"/>
+      </dgm:cxnLst>
+      <dgm:bg/>
+      <dgm:whole/>
+    </dgm:dataModel>
+  </dgm:styleData>
+  <dgm:clrData>
+    <dgm:dataModel>
+      <dgm:ptLst>
+        <dgm:pt modelId="0" type="doc"/>
+        <dgm:pt modelId="1">
+          <dgm:prSet phldr="1"/>
+        </dgm:pt>
+        <dgm:pt modelId="2">
+          <dgm:prSet phldr="1"/>
+        </dgm:pt>
+        <dgm:pt modelId="3">
+          <dgm:prSet phldr="1"/>
+        </dgm:pt>
+        <dgm:pt modelId="4">
+          <dgm:prSet phldr="1"/>
+        </dgm:pt>
+      </dgm:ptLst>
+      <dgm:cxnLst>
+        <dgm:cxn modelId="5" srcId="0" destId="1" srcOrd="0" destOrd="0"/>
+        <dgm:cxn modelId="6" srcId="0" destId="2" srcOrd="1" destOrd="0"/>
+        <dgm:cxn modelId="7" srcId="0" destId="3" srcOrd="2" destOrd="0"/>
+        <dgm:cxn modelId="8" srcId="0" destId="4" srcOrd="3" destOrd="0"/>
+      </dgm:cxnLst>
+      <dgm:bg/>
+      <dgm:whole/>
+    </dgm:dataModel>
+  </dgm:clrData>
+  <dgm:layoutNode name="Name0">
+    <dgm:varLst>
+      <dgm:chMax val="7"/>
+      <dgm:chPref val="7"/>
+      <dgm:dir/>
+    </dgm:varLst>
+    <dgm:alg type="composite"/>
+    <dgm:shape xmlns:r="http://schemas.openxmlformats.org/officeDocument/2006/relationships" r:blip="">
+      <dgm:adjLst/>
+    </dgm:shape>
+    <dgm:constrLst>
+      <dgm:constr type="w" for="ch" refType="h" refFor="ch" op="gte" fact="0.8"/>
+    </dgm:constrLst>
+    <dgm:layoutNode name="Name1">
+      <dgm:alg type="composite"/>
+      <dgm:shape xmlns:r="http://schemas.openxmlformats.org/officeDocument/2006/relationships" r:blip="">
+        <dgm:adjLst/>
+      </dgm:shape>
+      <dgm:choose name="Name2">
+        <dgm:if name="Name3" func="var" arg="dir" op="equ" val="norm">
+          <dgm:choose name="Name4">
+            <dgm:if name="Name5" axis="ch" ptType="node" func="cnt" op="equ" val="1">
+              <dgm:constrLst>
+                <dgm:constr type="h" for="ch" forName="cycle" refType="h"/>
+                <dgm:constr type="w" for="ch" forName="cycle" refType="h" refFor="ch" refForName="cycle" fact="0.26"/>
+                <dgm:constr type="l" for="ch" forName="cycle"/>
+                <dgm:constr type="ctrY" for="ch" forName="cycle" refType="h" fact="0.5"/>
+                <dgm:constr type="diam" for="ch" forName="cycle" refType="h" fact="1.344"/>
+                <dgm:constr type="h" for="ch" forName="accent_1" refType="h" fact="0.625"/>
+                <dgm:constr type="w" for="ch" forName="accent_1" refType="h" refFor="ch" refForName="accent_1" op="equ"/>
+                <dgm:constr type="ctrY" for="ch" forName="accent_1" refType="h" fact="0.5"/>
+                <dgm:constr type="ctrX" for="ch" forName="accent_1" refType="h" fact="0.2253"/>
+                <dgm:constr type="l" for="ch" forName="text_1" refType="ctrX" refFor="ch" refForName="accent_1"/>
+                <dgm:constr type="r" for="ch" forName="text_1" refType="w"/>
+                <dgm:constr type="w" for="ch" forName="text_1" refType="h" refFor="ch" refForName="text_1" op="gte"/>
+                <dgm:constr type="h" for="ch" forName="text_1" refType="h" refFor="ch" refForName="accent_1" fact="0.8"/>
+                <dgm:constr type="ctrY" for="ch" forName="text_1" refType="ctrY" refFor="ch" refForName="accent_1"/>
+                <dgm:constr type="lMarg" for="ch" forName="text_1" refType="w" refFor="ch" refForName="accent_1" fact="1.8"/>
+                <dgm:constr type="primFontSz" for="ch" ptType="node" op="equ" val="65"/>
+              </dgm:constrLst>
+            </dgm:if>
+            <dgm:if name="Name6" axis="ch" ptType="node" func="cnt" op="equ" val="2">
+              <dgm:constrLst>
+                <dgm:constr type="h" for="ch" forName="cycle" refType="h"/>
+                <dgm:constr type="w" for="ch" forName="cycle" refType="h" refFor="ch" refForName="cycle" fact="0.26"/>
+                <dgm:constr type="l" for="ch" forName="cycle"/>
+                <dgm:constr type="ctrY" for="ch" forName="cycle" refType="h" fact="0.5"/>
+                <dgm:constr type="diam" for="ch" forName="cycle" refType="h" fact="1.344"/>
+                <dgm:constr type="h" for="ch" forName="accent_1" refType="h" fact="0.3571"/>
+                <dgm:constr type="w" for="ch" forName="accent_1" refType="h" refFor="ch" refForName="accent_1" op="equ"/>
+                <dgm:constr type="ctrY" for="ch" forName="accent_1" refType="h" fact="0.2857"/>
+                <dgm:constr type="ctrX" for="ch" forName="accent_1" refType="h" fact="0.1891"/>
+                <dgm:constr type="l" for="ch" forName="text_1" refType="ctrX" refFor="ch" refForName="accent_1"/>
+                <dgm:constr type="r" for="ch" forName="text_1" refType="w"/>
+                <dgm:constr type="w" for="ch" forName="text_1" refType="h" refFor="ch" refForName="text_1" op="gte"/>
+                <dgm:constr type="h" for="ch" forName="text_1" refType="h" refFor="ch" refForName="accent_1" fact="0.8"/>
+                <dgm:constr type="ctrY" for="ch" forName="text_1" refType="ctrY" refFor="ch" refForName="accent_1"/>
+                <dgm:constr type="lMarg" for="ch" forName="text_1" refType="w" refFor="ch" refForName="accent_1" fact="1.8"/>
+                <dgm:constr type="h" for="ch" forName="accent_2" refType="h" fact="0.3571"/>
+                <dgm:constr type="w" for="ch" forName="accent_2" refType="h" refFor="ch" refForName="accent_2" op="equ"/>
+                <dgm:constr type="ctrY" for="ch" forName="accent_2" refType="h" fact="0.7143"/>
+                <dgm:constr type="ctrX" for="ch" forName="accent_2" refType="h" fact="0.1891"/>
+                <dgm:constr type="l" for="ch" forName="text_2" refType="ctrX" refFor="ch" refForName="accent_2"/>
+                <dgm:constr type="r" for="ch" forName="text_2" refType="w"/>
+                <dgm:constr type="w" for="ch" forName="text_2" refType="h" refFor="ch" refForName="text_2" op="gte"/>
+                <dgm:constr type="h" for="ch" forName="text_2" refType="h" refFor="ch" refForName="accent_2" fact="0.8"/>
+                <dgm:constr type="ctrY" for="ch" forName="text_2" refType="ctrY" refFor="ch" refForName="accent_2"/>
+                <dgm:constr type="lMarg" for="ch" forName="text_2" refType="w" refFor="ch" refForName="accent_2" fact="1.8"/>
+                <dgm:constr type="primFontSz" for="ch" ptType="node" op="equ" val="65"/>
+              </dgm:constrLst>
+            </dgm:if>
+            <dgm:if name="Name7" axis="ch" ptType="node" func="cnt" op="equ" val="3">
+              <dgm:constrLst>
+                <dgm:constr type="h" for="ch" forName="cycle" refType="h"/>
+                <dgm:constr type="w" for="ch" forName="cycle" refType="h" refFor="ch" refForName="cycle" fact="0.26"/>
+                <dgm:constr type="l" for="ch" forName="cycle"/>
+                <dgm:constr type="ctrY" for="ch" forName="cycle" refType="h" fact="0.5"/>
+                <dgm:constr type="diam" for="ch" forName="cycle" refType="h" fact="1.344"/>
+                <dgm:constr type="h" for="ch" forName="accent_1" refType="h" fact="0.25"/>
+                <dgm:constr type="w" for="ch" forName="accent_1" refType="h" refFor="ch" refForName="accent_1" op="equ"/>
+                <dgm:constr type="ctrY" for="ch" forName="accent_1" refType="h" fact="0.2"/>
+                <dgm:constr type="ctrX" for="ch" forName="accent_1" refType="h" fact="0.1526"/>
+                <dgm:constr type="l" for="ch" forName="text_1" refType="ctrX" refFor="ch" refForName="accent_1"/>
+                <dgm:constr type="r" for="ch" forName="text_1" refType="w"/>
+                <dgm:constr type="w" for="ch" forName="text_1" refType="h" refFor="ch" refForName="text_1" op="gte"/>
+                <dgm:constr type="h" for="ch" forName="text_1" refType="h" refFor="ch" refForName="accent_1" fact="0.8"/>
+                <dgm:constr type="ctrY" for="ch" forName="text_1" refType="ctrY" refFor="ch" refForName="accent_1"/>
+                <dgm:constr type="lMarg" for="ch" forName="text_1" refType="w" refFor="ch" refForName="accent_1" fact="1.8"/>
+                <dgm:constr type="h" for="ch" forName="accent_2" refType="h" fact="0.25"/>
+                <dgm:constr type="w" for="ch" forName="accent_2" refType="h" refFor="ch" refForName="accent_2" op="equ"/>
+                <dgm:constr type="ctrY" for="ch" forName="accent_2" refType="h" fact="0.5"/>
+                <dgm:constr type="ctrX" for="ch" forName="accent_2" refType="h" fact="0.2253"/>
+                <dgm:constr type="l" for="ch" forName="text_2" refType="ctrX" refFor="ch" refForName="accent_2"/>
+                <dgm:constr type="r" for="ch" forName="text_2" refType="w"/>
+                <dgm:constr type="w" for="ch" forName="text_2" refType="h" refFor="ch" refForName="text_2" op="gte"/>
+                <dgm:constr type="h" for="ch" forName="text_2" refType="h" refFor="ch" refForName="accent_2" fact="0.8"/>
+                <dgm:constr type="ctrY" for="ch" forName="text_2" refType="ctrY" refFor="ch" refForName="accent_2"/>
+                <dgm:constr type="lMarg" for="ch" forName="text_2" refType="w" refFor="ch" refForName="accent_2" fact="1.8"/>
+                <dgm:constr type="h" for="ch" forName="accent_3" refType="h" fact="0.25"/>
+                <dgm:constr type="w" for="ch" forName="accent_3" refType="h" refFor="ch" refForName="accent_3" op="equ"/>
+                <dgm:constr type="ctrY" for="ch" forName="accent_3" refType="h" fact="0.8"/>
+                <dgm:constr type="ctrX" for="ch" forName="accent_3" refType="h" fact="0.1526"/>
+                <dgm:constr type="l" for="ch" forName="text_3" refType="ctrX" refFor="ch" refForName="accent_3"/>
+                <dgm:constr type="r" for="ch" forName="text_3" refType="w"/>
+                <dgm:constr type="w" for="ch" forName="text_3" refType="h" refFor="ch" refForName="text_3" op="gte"/>
+                <dgm:constr type="h" for="ch" forName="text_3" refType="h" refFor="ch" refForName="accent_3" fact="0.8"/>
+                <dgm:constr type="ctrY" for="ch" forName="text_3" refType="ctrY" refFor="ch" refForName="accent_3"/>
+                <dgm:constr type="lMarg" for="ch" forName="text_3" refType="w" refFor="ch" refForName="accent_3" fact="1.8"/>
+                <dgm:constr type="primFontSz" for="ch" ptType="node" op="equ" val="65"/>
+              </dgm:constrLst>
+            </dgm:if>
+            <dgm:if name="Name8" axis="ch" ptType="node" func="cnt" op="equ" val="4">
+              <dgm:constrLst>
+                <dgm:constr type="h" for="ch" forName="cycle" refType="h"/>
+                <dgm:constr type="w" for="ch" forName="cycle" refType="h" refFor="ch" refForName="cycle" fact="0.26"/>
+                <dgm:constr type="l" for="ch" forName="cycle"/>
+                <dgm:constr type="ctrY" for="ch" forName="cycle" refType="h" fact="0.5"/>
+                <dgm:constr type="diam" for="ch" forName="cycle" refType="h" fact="1.344"/>
+                <dgm:constr type="h" for="ch" forName="accent_1" refType="h" fact="0.1923"/>
+                <dgm:constr type="w" for="ch" forName="accent_1" refType="h" refFor="ch" refForName="accent_1" op="equ"/>
+                <dgm:constr type="ctrY" for="ch" forName="accent_1" refType="h" fact="0.1538"/>
+                <dgm:constr type="ctrX" for="ch" forName="accent_1" refType="h" fact="0.1268"/>
+                <dgm:constr type="l" for="ch" forName="text_1" refType="ctrX" refFor="ch" refForName="accent_1"/>
+                <dgm:constr type="r" for="ch" forName="text_1" refType="w"/>
+                <dgm:constr type="w" for="ch" forName="text_1" refType="h" refFor="ch" refForName="text_1" op="gte"/>
+                <dgm:constr type="h" for="ch" forName="text_1" refType="h" refFor="ch" refForName="accent_1" fact="0.8"/>
+                <dgm:constr type="ctrY" for="ch" forName="text_1" refType="ctrY" refFor="ch" refForName="accent_1"/>
+                <dgm:constr type="lMarg" for="ch" forName="text_1" refType="w" refFor="ch" refForName="accent_1" fact="1.8"/>
+                <dgm:constr type="h" for="ch" forName="accent_2" refType="h" fact="0.1923"/>
+                <dgm:constr type="w" for="ch" forName="accent_2" refType="h" refFor="ch" refForName="accent_2" op="equ"/>
+                <dgm:constr type="ctrY" for="ch" forName="accent_2" refType="h" fact="0.3846"/>
+                <dgm:constr type="ctrX" for="ch" forName="accent_2" refType="h" fact="0.215"/>
+                <dgm:constr type="l" for="ch" forName="text_2" refType="ctrX" refFor="ch" refForName="accent_2"/>
+                <dgm:constr type="r" for="ch" forName="text_2" refType="w"/>
+                <dgm:constr type="w" for="ch" forName="text_2" refType="h" refFor="ch" refForName="text_2" op="gte"/>
+                <dgm:constr type="h" for="ch" forName="text_2" refType="h" refFor="ch" refForName="accent_2" fact="0.8"/>
+                <dgm:constr type="ctrY" for="ch" forName="text_2" refType="ctrY" refFor="ch" refForName="accent_2"/>
+                <dgm:constr type="lMarg" for="ch" forName="text_2" refType="w" refFor="ch" refForName="accent_2" fact="1.8"/>
+                <dgm:constr type="h" for="ch" forName="accent_3" refType="h" fact="0.1923"/>
+                <dgm:constr type="w" for="ch" forName="accent_3" refType="h" refFor="ch" refForName="accent_3" op="equ"/>
+                <dgm:constr type="ctrY" for="ch" forName="accent_3" refType="h" fact="0.6154"/>
+                <dgm:constr type="ctrX" for="ch" forName="accent_3" refType="h" fact="0.215"/>
+                <dgm:constr type="l" for="ch" forName="text_3" refType="ctrX" refFor="ch" refForName="accent_3"/>
+                <dgm:constr type="r" for="ch" forName="text_3" refType="w"/>
+                <dgm:constr type="w" for="ch" forName="text_3" refType="h" refFor="ch" refForName="text_3" op="gte"/>
+                <dgm:constr type="h" for="ch" forName="text_3" refType="h" refFor="ch" refForName="accent_3" fact="0.8"/>
+                <dgm:constr type="ctrY" for="ch" forName="text_3" refType="ctrY" refFor="ch" refForName="accent_3"/>
+                <dgm:constr type="lMarg" for="ch" forName="text_3" refType="w" refFor="ch" refForName="accent_3" fact="1.8"/>
+                <dgm:constr type="h" for="ch" forName="accent_4" refType="h" fact="0.1923"/>
+                <dgm:constr type="w" for="ch" forName="accent_4" refType="h" refFor="ch" refForName="accent_4" op="equ"/>
+                <dgm:constr type="ctrY" for="ch" forName="accent_4" refType="h" fact="0.8462"/>
+                <dgm:constr type="ctrX" for="ch" forName="accent_4" refType="h" fact="0.1268"/>
+                <dgm:constr type="l" for="ch" forName="text_4" refType="ctrX" refFor="ch" refForName="accent_4"/>
+                <dgm:constr type="r" for="ch" forName="text_4" refType="w"/>
+                <dgm:constr type="w" for="ch" forName="text_4" refType="h" refFor="ch" refForName="text_4" op="gte"/>
+                <dgm:constr type="h" for="ch" forName="text_4" refType="h" refFor="ch" refForName="accent_4" fact="0.8"/>
+                <dgm:constr type="ctrY" for="ch" forName="text_4" refType="ctrY" refFor="ch" refForName="accent_4"/>
+                <dgm:constr type="lMarg" for="ch" forName="text_4" refType="w" refFor="ch" refForName="accent_4" fact="1.8"/>
+                <dgm:constr type="primFontSz" for="ch" ptType="node" op="equ" val="65"/>
+              </dgm:constrLst>
+            </dgm:if>
+            <dgm:if name="Name9" axis="ch" ptType="node" func="cnt" op="equ" val="5">
+              <dgm:constrLst>
+                <dgm:constr type="h" for="ch" forName="cycle" refType="h"/>
+                <dgm:constr type="w" for="ch" forName="cycle" refType="h" refFor="ch" refForName="cycle" fact="0.26"/>
+                <dgm:constr type="l" for="ch" forName="cycle"/>
+                <dgm:constr type="ctrY" for="ch" forName="cycle" refType="h" fact="0.5"/>
+                <dgm:constr type="diam" for="ch" forName="cycle" refType="h" fact="1.344"/>
+                <dgm:constr type="h" for="ch" forName="accent_1" refType="h" fact="0.1563"/>
+                <dgm:constr type="w" for="ch" forName="accent_1" refType="h" refFor="ch" refForName="accent_1" op="equ"/>
+                <dgm:constr type="ctrY" for="ch" forName="accent_1" refType="h" fact="0.125"/>
+                <dgm:constr type="ctrX" for="ch" forName="accent_1" refType="h" fact="0.1082"/>
+                <dgm:constr type="l" for="ch" forName="text_1" refType="ctrX" refFor="ch" refForName="accent_1"/>
+                <dgm:constr type="r" for="ch" forName="text_1" refType="w"/>
+                <dgm:constr type="w" for="ch" forName="text_1" refType="h" refFor="ch" refForName="text_1" op="gte"/>
+                <dgm:constr type="h" for="ch" forName="text_1" refType="h" refFor="ch" refForName="accent_1" fact="0.8"/>
+                <dgm:constr type="ctrY" for="ch" forName="text_1" refType="ctrY" refFor="ch" refForName="accent_1"/>
+                <dgm:constr type="lMarg" for="ch" forName="text_1" refType="w" refFor="ch" refForName="accent_1" fact="1.8"/>
+                <dgm:constr type="h" for="ch" forName="accent_2" refType="h" fact="0.1563"/>
+                <dgm:constr type="w" for="ch" forName="accent_2" refType="h" refFor="ch" refForName="accent_2" op="equ"/>
+                <dgm:constr type="ctrY" for="ch" forName="accent_2" refType="h" fact="0.3125"/>
+                <dgm:constr type="ctrX" for="ch" forName="accent_2" refType="h" fact="0.1978"/>
+                <dgm:constr type="l" for="ch" forName="text_2" refType="ctrX" refFor="ch" refForName="accent_2"/>
+                <dgm:constr type="r" for="ch" forName="text_2" refType="w"/>
+                <dgm:constr type="w" for="ch" forName="text_2" refType="h" refFor="ch" refForName="text_2" op="gte"/>
+                <dgm:constr type="h" for="ch" forName="text_2" refType="h" refFor="ch" refForName="accent_2" fact="0.8"/>
+                <dgm:constr type="ctrY" for="ch" forName="text_2" refType="ctrY" refFor="ch" refForName="accent_2"/>
+                <dgm:constr type="lMarg" for="ch" forName="text_2" refType="w" refFor="ch" refForName="accent_2" fact="1.8"/>
+                <dgm:constr type="h" for="ch" forName="accent_3" refType="h" fact="0.1563"/>
+                <dgm:constr type="w" for="ch" forName="accent_3" refType="h" refFor="ch" refForName="accent_3" op="equ"/>
+                <dgm:constr type="ctrY" for="ch" forName="accent_3" refType="h" fact="0.5"/>
+                <dgm:constr type="ctrX" for="ch" forName="accent_3" refType="h" fact="0.2253"/>
+                <dgm:constr type="l" for="ch" forName="text_3" refType="ctrX" refFor="ch" refForName="accent_3"/>
+                <dgm:constr type="r" for="ch" forName="text_3" refType="w"/>
+                <dgm:constr type="w" for="ch" forName="text_3" refType="h" refFor="ch" refForName="text_3" op="gte"/>
+                <dgm:constr type="h" for="ch" forName="text_3" refType="h" refFor="ch" refForName="accent_3" fact="0.8"/>
+                <dgm:constr type="ctrY" for="ch" forName="text_3" refType="ctrY" refFor="ch" refForName="accent_3"/>
+                <dgm:constr type="lMarg" for="ch" forName="text_3" refType="w" refFor="ch" refForName="accent_3" fact="1.8"/>
+                <dgm:constr type="h" for="ch" forName="accent_4" refType="h" fact="0.1563"/>
+                <dgm:constr type="w" for="ch" forName="accent_4" refType="h" refFor="ch" refForName="accent_4" op="equ"/>
+                <dgm:constr type="ctrY" for="ch" forName="accent_4" refType="h" fact="0.6875"/>
+                <dgm:constr type="ctrX" for="ch" forName="accent_4" refType="h" fact="0.1978"/>
+                <dgm:constr type="l" for="ch" forName="text_4" refType="ctrX" refFor="ch" refForName="accent_4"/>
+                <dgm:constr type="r" for="ch" forName="text_4" refType="w"/>
+                <dgm:constr type="w" for="ch" forName="text_4" refType="h" refFor="ch" refForName="text_4" op="gte"/>
+                <dgm:constr type="h" for="ch" forName="text_4" refType="h" refFor="ch" refForName="accent_4" fact="0.8"/>
+                <dgm:constr type="ctrY" for="ch" forName="text_4" refType="ctrY" refFor="ch" refForName="accent_4"/>
+                <dgm:constr type="lMarg" for="ch" forName="text_4" refType="w" refFor="ch" refForName="accent_4" fact="1.8"/>
+                <dgm:constr type="h" for="ch" forName="accent_5" refType="h" fact="0.1563"/>
+                <dgm:constr type="w" for="ch" forName="accent_5" refType="h" refFor="ch" refForName="accent_5" op="equ"/>
+                <dgm:constr type="ctrY" for="ch" forName="accent_5" refType="h" fact="0.875"/>
+                <dgm:constr type="ctrX" for="ch" forName="accent_5" refType="h" fact="0.1082"/>
+                <dgm:constr type="l" for="ch" forName="text_5" refType="ctrX" refFor="ch" refForName="accent_5"/>
+                <dgm:constr type="r" for="ch" forName="text_5" refType="w"/>
+                <dgm:constr type="w" for="ch" forName="text_5" refType="h" refFor="ch" refForName="text_5" op="gte"/>
+                <dgm:constr type="h" for="ch" forName="text_5" refType="h" refFor="ch" refForName="accent_5" fact="0.8"/>
+                <dgm:constr type="ctrY" for="ch" forName="text_5" refType="ctrY" refFor="ch" refForName="accent_5"/>
+                <dgm:constr type="lMarg" for="ch" forName="text_5" refType="w" refFor="ch" refForName="accent_5" fact="1.8"/>
+                <dgm:constr type="primFontSz" for="ch" ptType="node" op="equ" val="65"/>
+              </dgm:constrLst>
+            </dgm:if>
+            <dgm:if name="Name10" axis="ch" ptType="node" func="cnt" op="equ" val="6">
+              <dgm:constrLst>
+                <dgm:constr type="h" for="ch" forName="cycle" refType="h"/>
+                <dgm:constr type="w" for="ch" forName="cycle" refType="h" refFor="ch" refForName="cycle" fact="0.26"/>
+                <dgm:constr type="l" for="ch" forName="cycle"/>
+                <dgm:constr type="ctrY" for="ch" forName="cycle" refType="h" fact="0.5"/>
+                <dgm:constr type="diam" for="ch" forName="cycle" refType="h" fact="1.344"/>
+                <dgm:constr type="h" for="ch" forName="accent_1" refType="h" fact="0.1316"/>
+                <dgm:constr type="w" for="ch" forName="accent_1" refType="h" refFor="ch" refForName="accent_1" op="equ"/>
+                <dgm:constr type="ctrY" for="ch" forName="accent_1" refType="h" fact="0.1053"/>
+                <dgm:constr type="ctrX" for="ch" forName="accent_1" refType="h" fact="0.0943"/>
+                <dgm:constr type="l" for="ch" forName="text_1" refType="ctrX" refFor="ch" refForName="accent_1"/>
+                <dgm:constr type="r" for="ch" forName="text_1" refType="w"/>
+                <dgm:constr type="w" for="ch" forName="text_1" refType="h" refFor="ch" refForName="text_1" op="gte"/>
+                <dgm:constr type="h" for="ch" forName="text_1" refType="h" refFor="ch" refForName="accent_1" fact="0.8"/>
+                <dgm:constr type="ctrY" for="ch" forName="text_1" refType="ctrY" refFor="ch" refForName="accent_1"/>
+                <dgm:constr type="lMarg" for="ch" forName="text_1" refType="w" refFor="ch" refForName="accent_1" fact="1.8"/>
+                <dgm:constr type="h" for="ch" forName="accent_2" refType="h" fact="0.1316"/>
+                <dgm:constr type="w" for="ch" forName="accent_2" refType="h" refFor="ch" refForName="accent_2" op="equ"/>
+                <dgm:constr type="ctrY" for="ch" forName="accent_2" refType="h" fact="0.2632"/>
+                <dgm:constr type="ctrX" for="ch" forName="accent_2" refType="h" fact="0.1809"/>
+                <dgm:constr type="l" for="ch" forName="text_2" refType="ctrX" refFor="ch" refForName="accent_2"/>
+                <dgm:constr type="r" for="ch" forName="text_2" refType="w"/>
+                <dgm:constr type="w" for="ch" forName="text_2" refType="h" refFor="ch" refForName="text_2" op="gte"/>
+                <dgm:constr type="h" for="ch" forName="text_2" refType="h" refFor="ch" refForName="accent_2" fact="0.8"/>
+                <dgm:constr type="ctrY" for="ch" forName="text_2" refType="ctrY" refFor="ch" refForName="accent_2"/>
+                <dgm:constr type="lMarg" for="ch" forName="text_2" refType="w" refFor="ch" refForName="accent_2" fact="1.8"/>
+                <dgm:constr type="h" for="ch" forName="accent_3" refType="h" fact="0.1316"/>
+                <dgm:constr type="w" for="ch" forName="accent_3" refType="h" refFor="ch" refForName="accent_3" op="equ"/>
+                <dgm:constr type="ctrY" for="ch" forName="accent_3" refType="h" fact="0.4211"/>
+                <dgm:constr type="ctrX" for="ch" forName="accent_3" refType="h" fact="0.2205"/>
+                <dgm:constr type="l" for="ch" forName="text_3" refType="ctrX" refFor="ch" refForName="accent_3"/>
+                <dgm:constr type="r" for="ch" forName="text_3" refType="w"/>
+                <dgm:constr type="w" for="ch" forName="text_3" refType="h" refFor="ch" refForName="text_3" op="gte"/>
+                <dgm:constr type="h" for="ch" forName="text_3" refType="h" refFor="ch" refForName="accent_3" fact="0.8"/>
+                <dgm:constr type="ctrY" for="ch" forName="text_3" refType="ctrY" refFor="ch" refForName="accent_3"/>
+                <dgm:constr type="lMarg" for="ch" forName="text_3" refType="w" refFor="ch" refForName="accent_3" fact="1.8"/>
+                <dgm:constr type="h" for="ch" forName="accent_4" refType="h" fact="0.1316"/>
+                <dgm:constr type="w" for="ch" forName="accent_4" refType="h" refFor="ch" refForName="accent_4" op="equ"/>
+                <dgm:constr type="ctrY" for="ch" forName="accent_4" refType="h" fact="0.5789"/>
+                <dgm:constr type="ctrX" for="ch" forName="accent_4" refType="h" fact="0.2205"/>
+                <dgm:constr type="l" for="ch" forName="text_4" refType="ctrX" refFor="ch" refForName="accent_4"/>
+                <dgm:constr type="r" for="ch" forName="text_4" refType="w"/>
+                <dgm:constr type="w" for="ch" forName="text_4" refType="h" refFor="ch" refForName="text_4" op="gte"/>
+                <dgm:constr type="h" for="ch" forName="text_4" refType="h" refFor="ch" refForName="accent_4" fact="0.8"/>
+                <dgm:constr type="ctrY" for="ch" forName="text_4" refType="ctrY" refFor="ch" refForName="accent_4"/>
+                <dgm:constr type="lMarg" for="ch" forName="text_4" refType="w" refFor="ch" refForName="accent_4" fact="1.8"/>
+                <dgm:constr type="h" for="ch" forName="accent_5" refType="h" fact="0.1316"/>
+                <dgm:constr type="w" for="ch" forName="accent_5" refType="h" refFor="ch" refForName="accent_5" op="equ"/>
+                <dgm:constr type="ctrY" for="ch" forName="accent_5" refType="h" fact="0.7368"/>
+                <dgm:constr type="ctrX" for="ch" forName="accent_5" refType="h" fact="0.1809"/>
+                <dgm:constr type="l" for="ch" forName="text_5" refType="ctrX" refFor="ch" refForName="accent_5"/>
+                <dgm:constr type="r" for="ch" forName="text_5" refType="w"/>
+                <dgm:constr type="w" for="ch" forName="text_5" refType="h" refFor="ch" refForName="text_5" op="gte"/>
+                <dgm:constr type="h" for="ch" forName="text_5" refType="h" refFor="ch" refForName="accent_5" fact="0.8"/>
+                <dgm:constr type="ctrY" for="ch" forName="text_5" refType="ctrY" refFor="ch" refForName="accent_5"/>
+                <dgm:constr type="lMarg" for="ch" forName="text_5" refType="w" refFor="ch" refForName="accent_5" fact="1.8"/>
+                <dgm:constr type="h" for="ch" forName="accent_6" refType="h" fact="0.1316"/>
+                <dgm:constr type="w" for="ch" forName="accent_6" refType="h" refFor="ch" refForName="accent_6" op="equ"/>
+                <dgm:constr type="ctrY" for="ch" forName="accent_6" refType="h" fact="0.8947"/>
+                <dgm:constr type="ctrX" for="ch" forName="accent_6" refType="h" fact="0.0943"/>
+                <dgm:constr type="l" for="ch" forName="text_6" refType="ctrX" refFor="ch" refForName="accent_6"/>
+                <dgm:constr type="r" for="ch" forName="text_6" refType="w"/>
+                <dgm:constr type="w" for="ch" forName="text_6" refType="h" refFor="ch" refForName="text_6" op="gte"/>
+                <dgm:constr type="h" for="ch" forName="text_6" refType="h" refFor="ch" refForName="accent_6" fact="0.8"/>
+                <dgm:constr type="ctrY" for="ch" forName="text_6" refType="ctrY" refFor="ch" refForName="accent_6"/>
+                <dgm:constr type="lMarg" for="ch" forName="text_6" refType="w" refFor="ch" refForName="accent_6" fact="1.8"/>
+                <dgm:constr type="primFontSz" for="ch" ptType="node" op="equ" val="65"/>
+              </dgm:constrLst>
+            </dgm:if>
+            <dgm:else name="Name11">
+              <dgm:constrLst>
+                <dgm:constr type="h" for="ch" forName="cycle" refType="h"/>
+                <dgm:constr type="w" for="ch" forName="cycle" refType="h" refFor="ch" refForName="cycle" fact="0.26"/>
+                <dgm:constr type="l" for="ch" forName="cycle"/>
+                <dgm:constr type="ctrY" for="ch" forName="cycle" refType="h" fact="0.5"/>
+                <dgm:constr type="diam" for="ch" forName="cycle" refType="h" fact="1.344"/>
+                <dgm:constr type="h" for="ch" forName="accent_1" refType="h" fact="0.1136"/>
+                <dgm:constr type="w" for="ch" forName="accent_1" refType="h" refFor="ch" refForName="accent_1" op="equ"/>
+                <dgm:constr type="ctrY" for="ch" forName="accent_1" refType="h" fact="0.0909"/>
+                <dgm:constr type="ctrX" for="ch" forName="accent_1" refType="h" fact="0.0835"/>
+                <dgm:constr type="l" for="ch" forName="text_1" refType="ctrX" refFor="ch" refForName="accent_1"/>
+                <dgm:constr type="r" for="ch" forName="text_1" refType="w"/>
+                <dgm:constr type="w" for="ch" forName="text_1" refType="h" refFor="ch" refForName="text_1" op="gte"/>
+                <dgm:constr type="h" for="ch" forName="text_1" refType="h" refFor="ch" refForName="accent_1" fact="0.8"/>
+                <dgm:constr type="ctrY" for="ch" forName="text_1" refType="ctrY" refFor="ch" refForName="accent_1"/>
+                <dgm:constr type="lMarg" for="ch" forName="text_1" refType="w" refFor="ch" refForName="accent_1" fact="1.8"/>
+                <dgm:constr type="h" for="ch" forName="accent_2" refType="h" fact="0.1136"/>
+                <dgm:constr type="w" for="ch" forName="accent_2" refType="h" refFor="ch" refForName="accent_2" op="equ"/>
+                <dgm:constr type="ctrY" for="ch" forName="accent_2" refType="h" fact="0.2273"/>
+                <dgm:constr type="ctrX" for="ch" forName="accent_2" refType="h" fact="0.1658"/>
+                <dgm:constr type="l" for="ch" forName="text_2" refType="ctrX" refFor="ch" refForName="accent_2"/>
+                <dgm:constr type="r" for="ch" forName="text_2" refType="w"/>
+                <dgm:constr type="w" for="ch" forName="text_2" refType="h" refFor="ch" refForName="text_2" op="gte"/>
+                <dgm:constr type="h" for="ch" forName="text_2" refType="h" refFor="ch" refForName="accent_2" fact="0.8"/>
+                <dgm:constr type="ctrY" for="ch" forName="text_2" refType="ctrY" refFor="ch" refForName="accent_2"/>
+                <dgm:constr type="lMarg" for="ch" forName="text_2" refType="w" refFor="ch" refForName="accent_2" fact="1.8"/>
+                <dgm:constr type="h" for="ch" forName="accent_3" refType="h" fact="0.1136"/>
+                <dgm:constr type="w" for="ch" forName="accent_3" refType="h" refFor="ch" refForName="accent_3" op="equ"/>
+                <dgm:constr type="ctrY" for="ch" forName="accent_3" refType="h" fact="0.3636"/>
+                <dgm:constr type="ctrX" for="ch" forName="accent_3" refType="h" fact="0.2109"/>
+                <dgm:constr type="l" for="ch" forName="text_3" refType="ctrX" refFor="ch" refForName="accent_3"/>
+                <dgm:constr type="r" for="ch" forName="text_3" refType="w"/>
+                <dgm:constr type="w" for="ch" forName="text_3" refType="h" refFor="ch" refForName="text_3" op="gte"/>
+                <dgm:constr type="h" for="ch" forName="text_3" refType="h" refFor="ch" refForName="accent_3" fact="0.8"/>
+                <dgm:constr type="ctrY" for="ch" forName="text_3" refType="ctrY" refFor="ch" refForName="accent_3"/>
+                <dgm:constr type="lMarg" for="ch" forName="text_3" refType="w" refFor="ch" refForName="accent_3" fact="1.8"/>
+                <dgm:constr type="h" for="ch" forName="accent_4" refType="h" fact="0.1136"/>
+                <dgm:constr type="w" for="ch" forName="accent_4" refType="h" refFor="ch" refForName="accent_4" op="equ"/>
+                <dgm:constr type="ctrY" for="ch" forName="accent_4" refType="h" fact="0.5"/>
+                <dgm:constr type="ctrX" for="ch" forName="accent_4" refType="h" fact="0.2253"/>
+                <dgm:constr type="l" for="ch" forName="text_4" refType="ctrX" refFor="ch" refForName="accent_4"/>
+                <dgm:constr type="r" for="ch" forName="text_4" refType="w"/>
+                <dgm:constr type="w" for="ch" forName="text_4" refType="h" refFor="ch" refForName="text_4" op="gte"/>
+                <dgm:constr type="h" for="ch" forName="text_4" refType="h" refFor="ch" refForName="accent_4" fact="0.8"/>
+                <dgm:constr type="ctrY" for="ch" forName="text_4" refType="ctrY" refFor="ch" refForName="accent_4"/>
+                <dgm:constr type="lMarg" for="ch" forName="text_4" refType="w" refFor="ch" refForName="accent_4" fact="1.8"/>
+                <dgm:constr type="h" for="ch" forName="accent_5" refType="h" fact="0.1136"/>
+                <dgm:constr type="w" for="ch" forName="accent_5" refType="h" refFor="ch" refForName="accent_5" op="equ"/>
+                <dgm:constr type="ctrY" for="ch" forName="accent_5" refType="h" fact="0.6364"/>
+                <dgm:constr type="ctrX" for="ch" forName="accent_5" refType="h" fact="0.2109"/>
+                <dgm:constr type="l" for="ch" forName="text_5" refType="ctrX" refFor="ch" refForName="accent_5"/>
+                <dgm:constr type="r" for="ch" forName="text_5" refType="w"/>
+                <dgm:constr type="w" for="ch" forName="text_5" refType="h" refFor="ch" refForName="text_5" op="gte"/>
+                <dgm:constr type="h" for="ch" forName="text_5" refType="h" refFor="ch" refForName="accent_5" fact="0.8"/>
+                <dgm:constr type="ctrY" for="ch" forName="text_5" refType="ctrY" refFor="ch" refForName="accent_5"/>
+                <dgm:constr type="lMarg" for="ch" forName="text_5" refType="w" refFor="ch" refForName="accent_5" fact="1.8"/>
+                <dgm:constr type="h" for="ch" forName="accent_6" refType="h" fact="0.1136"/>
+                <dgm:constr type="w" for="ch" forName="accent_6" refType="h" refFor="ch" refForName="accent_6" op="equ"/>
+                <dgm:constr type="ctrY" for="ch" forName="accent_6" refType="h" fact="0.7727"/>
+                <dgm:constr type="ctrX" for="ch" forName="accent_6" refType="h" fact="0.1658"/>
+                <dgm:constr type="l" for="ch" forName="text_6" refType="ctrX" refFor="ch" refForName="accent_6"/>
+                <dgm:constr type="r" for="ch" forName="text_6" refType="w"/>
+                <dgm:constr type="w" for="ch" forName="text_6" refType="h" refFor="ch" refForName="text_6" op="gte"/>
+                <dgm:constr type="h" for="ch" forName="text_6" refType="h" refFor="ch" refForName="accent_6" fact="0.8"/>
+                <dgm:constr type="ctrY" for="ch" forName="text_6" refType="ctrY" refFor="ch" refForName="accent_6"/>
+                <dgm:constr type="lMarg" for="ch" forName="text_6" refType="w" refFor="ch" refForName="accent_6" fact="1.8"/>
+                <dgm:constr type="h" for="ch" forName="accent_7" refType="h" fact="0.1136"/>
+                <dgm:constr type="w" for="ch" forName="accent_7" refType="h" refFor="ch" refForName="accent_7" op="equ"/>
+                <dgm:constr type="ctrY" for="ch" forName="accent_7" refType="h" fact="0.9091"/>
+                <dgm:constr type="ctrX" for="ch" forName="accent_7" refType="h" fact="0.0835"/>
+                <dgm:constr type="l" for="ch" forName="text_7" refType="ctrX" refFor="ch" refForName="accent_7"/>
+                <dgm:constr type="r" for="ch" forName="text_7" refType="w"/>
+                <dgm:constr type="w" for="ch" forName="text_7" refType="h" refFor="ch" refForName="text_7" op="gte"/>
+                <dgm:constr type="h" for="ch" forName="text_7" refType="h" refFor="ch" refForName="accent_7" fact="0.8"/>
+                <dgm:constr type="ctrY" for="ch" forName="text_7" refType="ctrY" refFor="ch" refForName="accent_7"/>
+                <dgm:constr type="lMarg" for="ch" forName="text_7" refType="w" refFor="ch" refForName="accent_7" fact="1.8"/>
+                <dgm:constr type="primFontSz" for="ch" ptType="node" op="equ" val="65"/>
+              </dgm:constrLst>
+            </dgm:else>
+          </dgm:choose>
+        </dgm:if>
+        <dgm:else name="Name12">
+          <dgm:choose name="Name13">
+            <dgm:if name="Name14" axis="ch" ptType="node" func="cnt" op="equ" val="1">
+              <dgm:constrLst>
+                <dgm:constr type="h" for="ch" forName="cycle" refType="h"/>
+                <dgm:constr type="w" for="ch" forName="cycle" refType="h" refFor="ch" refForName="cycle" fact="0.26"/>
+                <dgm:constr type="r" for="ch" forName="cycle" refType="w"/>
+                <dgm:constr type="ctrY" for="ch" forName="cycle" refType="h" fact="0.5"/>
+                <dgm:constr type="diam" for="ch" forName="cycle" refType="h" fact="1.344"/>
+                <dgm:constr type="h" for="ch" forName="accent_1" refType="h" fact="0.625"/>
+                <dgm:constr type="w" for="ch" forName="accent_1" refType="h" refFor="ch" refForName="accent_1" op="equ"/>
+                <dgm:constr type="ctrY" for="ch" forName="accent_1" refType="h" fact="0.5"/>
+                <dgm:constr type="ctrX" for="ch" forName="accent_1" refType="w"/>
+                <dgm:constr type="ctrXOff" for="ch" forName="accent_1" refType="h" fact="-0.2253"/>
+                <dgm:constr type="r" for="ch" forName="text_1" refType="ctrX" refFor="ch" refForName="accent_1"/>
+                <dgm:constr type="rOff" for="ch" forName="text_1" refType="ctrXOff" refFor="ch" refForName="accent_1"/>
+                <dgm:constr type="l" for="ch" forName="text_1"/>
+                <dgm:constr type="w" for="ch" forName="text_1" refType="h" refFor="ch" refForName="text_1" op="gte"/>
+                <dgm:constr type="h" for="ch" forName="text_1" refType="h" refFor="ch" refForName="accent_1" fact="0.8"/>
+                <dgm:constr type="ctrY" for="ch" forName="text_1" refType="ctrY" refFor="ch" refForName="accent_1"/>
+                <dgm:constr type="rMarg" for="ch" forName="text_1" refType="w" refFor="ch" refForName="accent_1" fact="1.8"/>
+                <dgm:constr type="primFontSz" for="ch" ptType="node" op="equ" val="65"/>
+              </dgm:constrLst>
+            </dgm:if>
+            <dgm:if name="Name15" axis="ch" ptType="node" func="cnt" op="equ" val="2">
+              <dgm:constrLst>
+                <dgm:constr type="h" for="ch" forName="cycle" refType="h"/>
+                <dgm:constr type="w" for="ch" forName="cycle" refType="h" refFor="ch" refForName="cycle" fact="0.26"/>
+                <dgm:constr type="r" for="ch" forName="cycle" refType="w"/>
+                <dgm:constr type="ctrY" for="ch" forName="cycle" refType="h" fact="0.5"/>
+                <dgm:constr type="diam" for="ch" forName="cycle" refType="h" fact="1.344"/>
+                <dgm:constr type="h" for="ch" forName="accent_1" refType="h" fact="0.3571"/>
+                <dgm:constr type="w" for="ch" forName="accent_1" refType="h" refFor="ch" refForName="accent_1" op="equ"/>
+                <dgm:constr type="ctrY" for="ch" forName="accent_1" refType="h" fact="0.2857"/>
+                <dgm:constr type="ctrX" for="ch" forName="accent_1" refType="w"/>
+                <dgm:constr type="ctrXOff" for="ch" forName="accent_1" refType="h" fact="-0.1891"/>
+                <dgm:constr type="r" for="ch" forName="text_1" refType="ctrX" refFor="ch" refForName="accent_1"/>
+                <dgm:constr type="rOff" for="ch" forName="text_1" refType="ctrXOff" refFor="ch" refForName="accent_1"/>
+                <dgm:constr type="l" for="ch" forName="text_1"/>
+                <dgm:constr type="w" for="ch" forName="text_1" refType="h" refFor="ch" refForName="text_1" op="gte"/>
+                <dgm:constr type="h" for="ch" forName="text_1" refType="h" refFor="ch" refForName="accent_1" fact="0.8"/>
+                <dgm:constr type="ctrY" for="ch" forName="text_1" refType="ctrY" refFor="ch" refForName="accent_1"/>
+                <dgm:constr type="rMarg" for="ch" forName="text_1" refType="w" refFor="ch" refForName="accent_1" fact="1.8"/>
+                <dgm:constr type="h" for="ch" forName="accent_2" refType="h" fact="0.3571"/>
+                <dgm:constr type="w" for="ch" forName="accent_2" refType="h" refFor="ch" refForName="accent_2" op="equ"/>
+                <dgm:constr type="ctrY" for="ch" forName="accent_2" refType="h" fact="0.7143"/>
+                <dgm:constr type="ctrX" for="ch" forName="accent_2" refType="w"/>
+                <dgm:constr type="ctrXOff" for="ch" forName="accent_2" refType="h" fact="-0.1891"/>
+                <dgm:constr type="r" for="ch" forName="text_2" refType="ctrX" refFor="ch" refForName="accent_2"/>
+                <dgm:constr type="rOff" for="ch" forName="text_2" refType="ctrXOff" refFor="ch" refForName="accent_2"/>
+                <dgm:constr type="l" for="ch" forName="text_2"/>
+                <dgm:constr type="w" for="ch" forName="text_2" refType="h" refFor="ch" refForName="text_2" op="gte"/>
+                <dgm:constr type="h" for="ch" forName="text_2" refType="h" refFor="ch" refForName="accent_2" fact="0.8"/>
+                <dgm:constr type="ctrY" for="ch" forName="text_2" refType="ctrY" refFor="ch" refForName="accent_2"/>
+                <dgm:constr type="rMarg" for="ch" forName="text_2" refType="w" refFor="ch" refForName="accent_2" fact="1.8"/>
+                <dgm:constr type="primFontSz" for="ch" ptType="node" op="equ" val="65"/>
+              </dgm:constrLst>
+            </dgm:if>
+            <dgm:if name="Name16" axis="ch" ptType="node" func="cnt" op="equ" val="3">
+              <dgm:constrLst>
+                <dgm:constr type="h" for="ch" forName="cycle" refType="h"/>
+                <dgm:constr type="w" for="ch" forName="cycle" refType="h" refFor="ch" refForName="cycle" fact="0.26"/>
+                <dgm:constr type="r" for="ch" forName="cycle" refType="w"/>
+                <dgm:constr type="ctrY" for="ch" forName="cycle" refType="h" fact="0.5"/>
+                <dgm:constr type="diam" for="ch" forName="cycle" refType="h" fact="1.344"/>
+                <dgm:constr type="h" for="ch" forName="accent_1" refType="h" fact="0.25"/>
+                <dgm:constr type="w" for="ch" forName="accent_1" refType="h" refFor="ch" refForName="accent_1" op="equ"/>
+                <dgm:constr type="ctrY" for="ch" forName="accent_1" refType="h" fact="0.2"/>
+                <dgm:constr type="ctrX" for="ch" forName="accent_1" refType="w"/>
+                <dgm:constr type="ctrXOff" for="ch" forName="accent_1" refType="h" fact="-0.1526"/>
+                <dgm:constr type="r" for="ch" forName="text_1" refType="ctrX" refFor="ch" refForName="accent_1"/>
+                <dgm:constr type="rOff" for="ch" forName="text_1" refType="ctrXOff" refFor="ch" refForName="accent_1"/>
+                <dgm:constr type="l" for="ch" forName="text_1"/>
+                <dgm:constr type="w" for="ch" forName="text_1" refType="h" refFor="ch" refForName="text_1" op="gte"/>
+                <dgm:constr type="h" for="ch" forName="text_1" refType="h" refFor="ch" refForName="accent_1" fact="0.8"/>
+                <dgm:constr type="ctrY" for="ch" forName="text_1" refType="ctrY" refFor="ch" refForName="accent_1"/>
+                <dgm:constr type="rMarg" for="ch" forName="text_1" refType="w" refFor="ch" refForName="accent_1" fact="1.8"/>
+                <dgm:constr type="h" for="ch" forName="accent_2" refType="h" fact="0.25"/>
+                <dgm:constr type="w" for="ch" forName="accent_2" refType="h" refFor="ch" refForName="accent_2" op="equ"/>
+                <dgm:constr type="ctrY" for="ch" forName="accent_2" refType="h" fact="0.5"/>
+                <dgm:constr type="ctrX" for="ch" forName="accent_2" refType="w"/>
+                <dgm:constr type="ctrXOff" for="ch" forName="accent_2" refType="h" fact="-0.2253"/>
+                <dgm:constr type="r" for="ch" forName="text_2" refType="ctrX" refFor="ch" refForName="accent_2"/>
+                <dgm:constr type="rOff" for="ch" forName="text_2" refType="ctrXOff" refFor="ch" refForName="accent_2"/>
+                <dgm:constr type="l" for="ch" forName="text_2"/>
+                <dgm:constr type="w" for="ch" forName="text_2" refType="h" refFor="ch" refForName="text_2" op="gte"/>
+                <dgm:constr type="h" for="ch" forName="text_2" refType="h" refFor="ch" refForName="accent_2" fact="0.8"/>
+                <dgm:constr type="ctrY" for="ch" forName="text_2" refType="ctrY" refFor="ch" refForName="accent_2"/>
+                <dgm:constr type="rMarg" for="ch" forName="text_2" refType="w" refFor="ch" refForName="accent_2" fact="1.8"/>
+                <dgm:constr type="h" for="ch" forName="accent_3" refType="h" fact="0.25"/>
+                <dgm:constr type="w" for="ch" forName="accent_3" refType="h" refFor="ch" refForName="accent_3" op="equ"/>
+                <dgm:constr type="ctrY" for="ch" forName="accent_3" refType="h" fact="0.8"/>
+                <dgm:constr type="ctrX" for="ch" forName="accent_3" refType="w"/>
+                <dgm:constr type="ctrXOff" for="ch" forName="accent_3" refType="h" fact="-0.1526"/>
+                <dgm:constr type="r" for="ch" forName="text_3" refType="ctrX" refFor="ch" refForName="accent_3"/>
+                <dgm:constr type="rOff" for="ch" forName="text_3" refType="ctrXOff" refFor="ch" refForName="accent_3"/>
+                <dgm:constr type="l" for="ch" forName="text_3"/>
+                <dgm:constr type="w" for="ch" forName="text_3" refType="h" refFor="ch" refForName="text_3" op="gte"/>
+                <dgm:constr type="h" for="ch" forName="text_3" refType="h" refFor="ch" refForName="accent_3" fact="0.8"/>
+                <dgm:constr type="ctrY" for="ch" forName="text_3" refType="ctrY" refFor="ch" refForName="accent_3"/>
+                <dgm:constr type="rMarg" for="ch" forName="text_3" refType="w" refFor="ch" refForName="accent_3" fact="1.8"/>
+                <dgm:constr type="primFontSz" for="ch" ptType="node" op="equ" val="65"/>
+              </dgm:constrLst>
+            </dgm:if>
+            <dgm:if name="Name17" axis="ch" ptType="node" func="cnt" op="equ" val="4">
+              <dgm:constrLst>
+                <dgm:constr type="h" for="ch" forName="cycle" refType="h"/>
+                <dgm:constr type="w" for="ch" forName="cycle" refType="h" refFor="ch" refForName="cycle" fact="0.26"/>
+                <dgm:constr type="r" for="ch" forName="cycle" refType="w"/>
+                <dgm:constr type="ctrY" for="ch" forName="cycle" refType="h" fact="0.5"/>
+                <dgm:constr type="diam" for="ch" forName="cycle" refType="h" fact="1.344"/>
+                <dgm:constr type="h" for="ch" forName="accent_1" refType="h" fact="0.1923"/>
+                <dgm:constr type="w" for="ch" forName="accent_1" refType="h" refFor="ch" refForName="accent_1" op="equ"/>
+                <dgm:constr type="ctrY" for="ch" forName="accent_1" refType="h" fact="0.1538"/>
+                <dgm:constr type="ctrX" for="ch" forName="accent_1" refType="w"/>
+                <dgm:constr type="ctrXOff" for="ch" forName="accent_1" refType="h" fact="-0.1268"/>
+                <dgm:constr type="r" for="ch" forName="text_1" refType="ctrX" refFor="ch" refForName="accent_1"/>
+                <dgm:constr type="rOff" for="ch" forName="text_1" refType="ctrXOff" refFor="ch" refForName="accent_1"/>
+                <dgm:constr type="l" for="ch" forName="text_1"/>
+                <dgm:constr type="w" for="ch" forName="text_1" refType="h" refFor="ch" refForName="text_1" op="gte"/>
+                <dgm:constr type="h" for="ch" forName="text_1" refType="h" refFor="ch" refForName="accent_1" fact="0.8"/>
+                <dgm:constr type="ctrY" for="ch" forName="text_1" refType="ctrY" refFor="ch" refForName="accent_1"/>
+                <dgm:constr type="rMarg" for="ch" forName="text_1" refType="w" refFor="ch" refForName="accent_1" fact="1.8"/>
+                <dgm:constr type="h" for="ch" forName="accent_2" refType="h" fact="0.1923"/>
+                <dgm:constr type="w" for="ch" forName="accent_2" refType="h" refFor="ch" refForName="accent_2" op="equ"/>
+                <dgm:constr type="ctrY" for="ch" forName="accent_2" refType="h" fact="0.3846"/>
+                <dgm:constr type="ctrX" for="ch" forName="accent_2" refType="w"/>
+                <dgm:constr type="ctrXOff" for="ch" forName="accent_2" refType="h" fact="-0.215"/>
+                <dgm:constr type="r" for="ch" forName="text_2" refType="ctrX" refFor="ch" refForName="accent_2"/>
+                <dgm:constr type="rOff" for="ch" forName="text_2" refType="ctrXOff" refFor="ch" refForName="accent_2"/>
+                <dgm:constr type="l" for="ch" forName="text_2"/>
+                <dgm:constr type="w" for="ch" forName="text_2" refType="h" refFor="ch" refForName="text_2" op="gte"/>
+                <dgm:constr type="h" for="ch" forName="text_2" refType="h" refFor="ch" refForName="accent_2" fact="0.8"/>
+                <dgm:constr type="ctrY" for="ch" forName="text_2" refType="ctrY" refFor="ch" refForName="accent_2"/>
+                <dgm:constr type="rMarg" for="ch" forName="text_2" refType="w" refFor="ch" refForName="accent_2" fact="1.8"/>
+                <dgm:constr type="h" for="ch" forName="accent_3" refType="h" fact="0.1923"/>
+                <dgm:constr type="w" for="ch" forName="accent_3" refType="h" refFor="ch" refForName="accent_3" op="equ"/>
+                <dgm:constr type="ctrY" for="ch" forName="accent_3" refType="h" fact="0.6154"/>
+                <dgm:constr type="ctrX" for="ch" forName="accent_3" refType="w"/>
+                <dgm:constr type="ctrXOff" for="ch" forName="accent_3" refType="h" fact="-0.215"/>
+                <dgm:constr type="r" for="ch" forName="text_3" refType="ctrX" refFor="ch" refForName="accent_3"/>
+                <dgm:constr type="rOff" for="ch" forName="text_3" refType="ctrXOff" refFor="ch" refForName="accent_3"/>
+                <dgm:constr type="l" for="ch" forName="text_3"/>
+                <dgm:constr type="w" for="ch" forName="text_3" refType="h" refFor="ch" refForName="text_3" op="gte"/>
+                <dgm:constr type="h" for="ch" forName="text_3" refType="h" refFor="ch" refForName="accent_3" fact="0.8"/>
+                <dgm:constr type="ctrY" for="ch" forName="text_3" refType="ctrY" refFor="ch" refForName="accent_3"/>
+                <dgm:constr type="rMarg" for="ch" forName="text_3" refType="w" refFor="ch" refForName="accent_3" fact="1.8"/>
+                <dgm:constr type="h" for="ch" forName="accent_4" refType="h" fact="0.1923"/>
+                <dgm:constr type="w" for="ch" forName="accent_4" refType="h" refFor="ch" refForName="accent_4" op="equ"/>
+                <dgm:constr type="ctrY" for="ch" forName="accent_4" refType="h" fact="0.8462"/>
+                <dgm:constr type="ctrX" for="ch" forName="accent_4" refType="w"/>
+                <dgm:constr type="ctrXOff" for="ch" forName="accent_4" refType="h" fact="-0.1268"/>
+                <dgm:constr type="r" for="ch" forName="text_4" refType="ctrX" refFor="ch" refForName="accent_4"/>
+                <dgm:constr type="rOff" for="ch" forName="text_4" refType="ctrXOff" refFor="ch" refForName="accent_4"/>
+                <dgm:constr type="l" for="ch" forName="text_4"/>
+                <dgm:constr type="w" for="ch" forName="text_4" refType="h" refFor="ch" refForName="text_4" op="gte"/>
+                <dgm:constr type="h" for="ch" forName="text_4" refType="h" refFor="ch" refForName="accent_4" fact="0.8"/>
+                <dgm:constr type="ctrY" for="ch" forName="text_4" refType="ctrY" refFor="ch" refForName="accent_4"/>
+                <dgm:constr type="rMarg" for="ch" forName="text_4" refType="w" refFor="ch" refForName="accent_4" fact="1.8"/>
+                <dgm:constr type="primFontSz" for="ch" ptType="node" op="equ" val="65"/>
+              </dgm:constrLst>
+            </dgm:if>
+            <dgm:if name="Name18" axis="ch" ptType="node" func="cnt" op="equ" val="5">
+              <dgm:constrLst>
+                <dgm:constr type="h" for="ch" forName="cycle" refType="h"/>
+                <dgm:constr type="w" for="ch" forName="cycle" refType="h" refFor="ch" refForName="cycle" fact="0.26"/>
+                <dgm:constr type="r" for="ch" forName="cycle" refType="w"/>
+                <dgm:constr type="ctrY" for="ch" forName="cycle" refType="h" fact="0.5"/>
+                <dgm:constr type="diam" for="ch" forName="cycle" refType="h" fact="1.344"/>
+                <dgm:constr type="h" for="ch" forName="accent_1" refType="h" fact="0.1563"/>
+                <dgm:constr type="w" for="ch" forName="accent_1" refType="h" refFor="ch" refForName="accent_1" op="equ"/>
+                <dgm:constr type="ctrY" for="ch" forName="accent_1" refType="h" fact="0.125"/>
+                <dgm:constr type="ctrX" for="ch" forName="accent_1" refType="w"/>
+                <dgm:constr type="ctrXOff" for="ch" forName="accent_1" refType="h" fact="-0.1082"/>
+                <dgm:constr type="r" for="ch" forName="text_1" refType="ctrX" refFor="ch" refForName="accent_1"/>
+                <dgm:constr type="rOff" for="ch" forName="text_1" refType="ctrXOff" refFor="ch" refForName="accent_1"/>
+                <dgm:constr type="l" for="ch" forName="text_1"/>
+                <dgm:constr type="w" for="ch" forName="text_1" refType="h" refFor="ch" refForName="text_1" op="gte"/>
+                <dgm:constr type="h" for="ch" forName="text_1" refType="h" refFor="ch" refForName="accent_1" fact="0.8"/>
+                <dgm:constr type="ctrY" for="ch" forName="text_1" refType="ctrY" refFor="ch" refForName="accent_1"/>
+                <dgm:constr type="rMarg" for="ch" forName="text_1" refType="w" refFor="ch" refForName="accent_1" fact="1.8"/>
+                <dgm:constr type="h" for="ch" forName="accent_2" refType="h" fact="0.1563"/>
+                <dgm:constr type="w" for="ch" forName="accent_2" refType="h" refFor="ch" refForName="accent_2" op="equ"/>
+                <dgm:constr type="ctrY" for="ch" forName="accent_2" refType="h" fact="0.3125"/>
+                <dgm:constr type="ctrX" for="ch" forName="accent_2" refType="w"/>
+                <dgm:constr type="ctrXOff" for="ch" forName="accent_2" refType="h" fact="-0.1978"/>
+                <dgm:constr type="r" for="ch" forName="text_2" refType="ctrX" refFor="ch" refForName="accent_2"/>
+                <dgm:constr type="rOff" for="ch" forName="text_2" refType="ctrXOff" refFor="ch" refForName="accent_2"/>
+                <dgm:constr type="l" for="ch" forName="text_2"/>
+                <dgm:constr type="w" for="ch" forName="text_2" refType="h" refFor="ch" refForName="text_2" op="gte"/>
+                <dgm:constr type="h" for="ch" forName="text_2" refType="h" refFor="ch" refForName="accent_2" fact="0.8"/>
+                <dgm:constr type="ctrY" for="ch" forName="text_2" refType="ctrY" refFor="ch" refForName="accent_2"/>
+                <dgm:constr type="rMarg" for="ch" forName="text_2" refType="w" refFor="ch" refForName="accent_2" fact="1.8"/>
+                <dgm:constr type="h" for="ch" forName="accent_3" refType="h" fact="0.1563"/>
+                <dgm:constr type="w" for="ch" forName="accent_3" refType="h" refFor="ch" refForName="accent_3" op="equ"/>
+                <dgm:constr type="ctrY" for="ch" forName="accent_3" refType="h" fact="0.5"/>
+                <dgm:constr type="ctrX" for="ch" forName="accent_3" refType="w"/>
+                <dgm:constr type="ctrXOff" for="ch" forName="accent_3" refType="h" fact="-0.2253"/>
+                <dgm:constr type="r" for="ch" forName="text_3" refType="ctrX" refFor="ch" refForName="accent_3"/>
+                <dgm:constr type="rOff" for="ch" forName="text_3" refType="ctrXOff" refFor="ch" refForName="accent_3"/>
+                <dgm:constr type="l" for="ch" forName="text_3"/>
+                <dgm:constr type="w" for="ch" forName="text_3" refType="h" refFor="ch" refForName="text_3" op="gte"/>
+                <dgm:constr type="h" for="ch" forName="text_3" refType="h" refFor="ch" refForName="accent_3" fact="0.8"/>
+                <dgm:constr type="ctrY" for="ch" forName="text_3" refType="ctrY" refFor="ch" refForName="accent_3"/>
+                <dgm:constr type="rMarg" for="ch" forName="text_3" refType="w" refFor="ch" refForName="accent_3" fact="1.8"/>
+                <dgm:constr type="h" for="ch" forName="accent_4" refType="h" fact="0.1563"/>
+                <dgm:constr type="w" for="ch" forName="accent_4" refType="h" refFor="ch" refForName="accent_4" op="equ"/>
+                <dgm:constr type="ctrY" for="ch" forName="accent_4" refType="h" fact="0.6875"/>
+                <dgm:constr type="ctrX" for="ch" forName="accent_4" refType="w"/>
+                <dgm:constr type="ctrXOff" for="ch" forName="accent_4" refType="h" fact="-0.1978"/>
+                <dgm:constr type="r" for="ch" forName="text_4" refType="ctrX" refFor="ch" refForName="accent_4"/>
+                <dgm:constr type="rOff" for="ch" forName="text_4" refType="ctrXOff" refFor="ch" refForName="accent_4"/>
+                <dgm:constr type="l" for="ch" forName="text_4"/>
+                <dgm:constr type="w" for="ch" forName="text_4" refType="h" refFor="ch" refForName="text_4" op="gte"/>
+                <dgm:constr type="h" for="ch" forName="text_4" refType="h" refFor="ch" refForName="accent_4" fact="0.8"/>
+                <dgm:constr type="ctrY" for="ch" forName="text_4" refType="ctrY" refFor="ch" refForName="accent_4"/>
+                <dgm:constr type="rMarg" for="ch" forName="text_4" refType="w" refFor="ch" refForName="accent_4" fact="1.8"/>
+                <dgm:constr type="h" for="ch" forName="accent_5" refType="h" fact="0.1563"/>
+                <dgm:constr type="w" for="ch" forName="accent_5" refType="h" refFor="ch" refForName="accent_5" op="equ"/>
+                <dgm:constr type="ctrY" for="ch" forName="accent_5" refType="h" fact="0.875"/>
+                <dgm:constr type="ctrX" for="ch" forName="accent_5" refType="w"/>
+                <dgm:constr type="ctrXOff" for="ch" forName="accent_5" refType="h" fact="-0.1082"/>
+                <dgm:constr type="r" for="ch" forName="text_5" refType="ctrX" refFor="ch" refForName="accent_5"/>
+                <dgm:constr type="rOff" for="ch" forName="text_5" refType="ctrXOff" refFor="ch" refForName="accent_5"/>
+                <dgm:constr type="l" for="ch" forName="text_5"/>
+                <dgm:constr type="w" for="ch" forName="text_5" refType="h" refFor="ch" refForName="text_5" op="gte"/>
+                <dgm:constr type="h" for="ch" forName="text_5" refType="h" refFor="ch" refForName="accent_5" fact="0.8"/>
+                <dgm:constr type="ctrY" for="ch" forName="text_5" refType="ctrY" refFor="ch" refForName="accent_5"/>
+                <dgm:constr type="rMarg" for="ch" forName="text_5" refType="w" refFor="ch" refForName="accent_5" fact="1.8"/>
+                <dgm:constr type="primFontSz" for="ch" ptType="node" op="equ" val="65"/>
+              </dgm:constrLst>
+            </dgm:if>
+            <dgm:if name="Name19" axis="ch" ptType="node" func="cnt" op="equ" val="6">
+              <dgm:constrLst>
+                <dgm:constr type="h" for="ch" forName="cycle" refType="h"/>
+                <dgm:constr type="w" for="ch" forName="cycle" refType="h" refFor="ch" refForName="cycle" fact="0.26"/>
+                <dgm:constr type="r" for="ch" forName="cycle" refType="w"/>
+                <dgm:constr type="ctrY" for="ch" forName="cycle" refType="h" fact="0.5"/>
+                <dgm:constr type="diam" for="ch" forName="cycle" refType="h" fact="1.344"/>
+                <dgm:constr type="h" for="ch" forName="accent_1" refType="h" fact="0.1316"/>
+                <dgm:constr type="w" for="ch" forName="accent_1" refType="h" refFor="ch" refForName="accent_1" op="equ"/>
+                <dgm:constr type="ctrY" for="ch" forName="accent_1" refType="h" fact="0.1053"/>
+                <dgm:constr type="ctrX" for="ch" forName="accent_1" refType="w"/>
+                <dgm:constr type="ctrXOff" for="ch" forName="accent_1" refType="h" fact="-0.0943"/>
+                <dgm:constr type="r" for="ch" forName="text_1" refType="ctrX" refFor="ch" refForName="accent_1"/>
+                <dgm:constr type="rOff" for="ch" forName="text_1" refType="ctrXOff" refFor="ch" refForName="accent_1"/>
+                <dgm:constr type="l" for="ch" forName="text_1"/>
+                <dgm:constr type="w" for="ch" forName="text_1" refType="h" refFor="ch" refForName="text_1" op="gte"/>
+                <dgm:constr type="h" for="ch" forName="text_1" refType="h" refFor="ch" refForName="accent_1" fact="0.8"/>
+                <dgm:constr type="ctrY" for="ch" forName="text_1" refType="ctrY" refFor="ch" refForName="accent_1"/>
+                <dgm:constr type="rMarg" for="ch" forName="text_1" refType="w" refFor="ch" refForName="accent_1" fact="1.8"/>
+                <dgm:constr type="h" for="ch" forName="accent_2" refType="h" fact="0.1316"/>
+                <dgm:constr type="w" for="ch" forName="accent_2" refType="h" refFor="ch" refForName="accent_2" op="equ"/>
+                <dgm:constr type="ctrY" for="ch" forName="accent_2" refType="h" fact="0.2632"/>
+                <dgm:constr type="ctrX" for="ch" forName="accent_2" refType="w"/>
+                <dgm:constr type="ctrXOff" for="ch" forName="accent_2" refType="h" fact="-0.1809"/>
+                <dgm:constr type="r" for="ch" forName="text_2" refType="ctrX" refFor="ch" refForName="accent_2"/>
+                <dgm:constr type="rOff" for="ch" forName="text_2" refType="ctrXOff" refFor="ch" refForName="accent_2"/>
+                <dgm:constr type="l" for="ch" forName="text_2"/>
+                <dgm:constr type="w" for="ch" forName="text_2" refType="h" refFor="ch" refForName="text_2" op="gte"/>
+                <dgm:constr type="h" for="ch" forName="text_2" refType="h" refFor="ch" refForName="accent_2" fact="0.8"/>
+                <dgm:constr type="ctrY" for="ch" forName="text_2" refType="ctrY" refFor="ch" refForName="accent_2"/>
+                <dgm:constr type="rMarg" for="ch" forName="text_2" refType="w" refFor="ch" refForName="accent_2" fact="1.8"/>
+                <dgm:constr type="h" for="ch" forName="accent_3" refType="h" fact="0.1316"/>
+                <dgm:constr type="w" for="ch" forName="accent_3" refType="h" refFor="ch" refForName="accent_3" op="equ"/>
+                <dgm:constr type="ctrY" for="ch" forName="accent_3" refType="h" fact="0.4211"/>
+                <dgm:constr type="ctrX" for="ch" forName="accent_3" refType="w"/>
+                <dgm:constr type="ctrXOff" for="ch" forName="accent_3" refType="h" fact="-0.2205"/>
+                <dgm:constr type="r" for="ch" forName="text_3" refType="ctrX" refFor="ch" refForName="accent_3"/>
+                <dgm:constr type="rOff" for="ch" forName="text_3" refType="ctrXOff" refFor="ch" refForName="accent_3"/>
+                <dgm:constr type="l" for="ch" forName="text_3"/>
+                <dgm:constr type="w" for="ch" forName="text_3" refType="h" refFor="ch" refForName="text_3" op="gte"/>
+                <dgm:constr type="h" for="ch" forName="text_3" refType="h" refFor="ch" refForName="accent_3" fact="0.8"/>
+                <dgm:constr type="ctrY" for="ch" forName="text_3" refType="ctrY" refFor="ch" refForName="accent_3"/>
+                <dgm:constr type="rMarg" for="ch" forName="text_3" refType="w" refFor="ch" refForName="accent_3" fact="1.8"/>
+                <dgm:constr type="h" for="ch" forName="accent_4" refType="h" fact="0.1316"/>
+                <dgm:constr type="w" for="ch" forName="accent_4" refType="h" refFor="ch" refForName="accent_4" op="equ"/>
+                <dgm:constr type="ctrY" for="ch" forName="accent_4" refType="h" fact="0.5789"/>
+                <dgm:constr type="ctrX" for="ch" forName="accent_4" refType="w"/>
+                <dgm:constr type="ctrXOff" for="ch" forName="accent_4" refType="h" fact="-0.2205"/>
+                <dgm:constr type="r" for="ch" forName="text_4" refType="ctrX" refFor="ch" refForName="accent_4"/>
+                <dgm:constr type="rOff" for="ch" forName="text_4" refType="ctrXOff" refFor="ch" refForName="accent_4"/>
+                <dgm:constr type="l" for="ch" forName="text_4"/>
+                <dgm:constr type="w" for="ch" forName="text_4" refType="h" refFor="ch" refForName="text_4" op="gte"/>
+                <dgm:constr type="h" for="ch" forName="text_4" refType="h" refFor="ch" refForName="accent_4" fact="0.8"/>
+                <dgm:constr type="ctrY" for="ch" forName="text_4" refType="ctrY" refFor="ch" refForName="accent_4"/>
+                <dgm:constr type="rMarg" for="ch" forName="text_4" refType="w" refFor="ch" refForName="accent_4" fact="1.8"/>
+                <dgm:constr type="h" for="ch" forName="accent_5" refType="h" fact="0.1316"/>
+                <dgm:constr type="w" for="ch" forName="accent_5" refType="h" refFor="ch" refForName="accent_5" op="equ"/>
+                <dgm:constr type="ctrY" for="ch" forName="accent_5" refType="h" fact="0.7368"/>
+                <dgm:constr type="ctrX" for="ch" forName="accent_5" refType="w"/>
+                <dgm:constr type="ctrXOff" for="ch" forName="accent_5" refType="h" fact="-0.1809"/>
+                <dgm:constr type="r" for="ch" forName="text_5" refType="ctrX" refFor="ch" refForName="accent_5"/>
+                <dgm:constr type="rOff" for="ch" forName="text_5" refType="ctrXOff" refFor="ch" refForName="accent_5"/>
+                <dgm:constr type="l" for="ch" forName="text_5"/>
+                <dgm:constr type="w" for="ch" forName="text_5" refType="h" refFor="ch" refForName="text_5" op="gte"/>
+                <dgm:constr type="h" for="ch" forName="text_5" refType="h" refFor="ch" refForName="accent_5" fact="0.8"/>
+                <dgm:constr type="ctrY" for="ch" forName="text_5" refType="ctrY" refFor="ch" refForName="accent_5"/>
+                <dgm:constr type="rMarg" for="ch" forName="text_5" refType="w" refFor="ch" refForName="accent_5" fact="1.8"/>
+                <dgm:constr type="h" for="ch" forName="accent_6" refType="h" fact="0.1316"/>
+                <dgm:constr type="w" for="ch" forName="accent_6" refType="h" refFor="ch" refForName="accent_6" op="equ"/>
+                <dgm:constr type="ctrY" for="ch" forName="accent_6" refType="h" fact="0.8947"/>
+                <dgm:constr type="ctrX" for="ch" forName="accent_6" refType="w"/>
+                <dgm:constr type="ctrXOff" for="ch" forName="accent_6" refType="h" fact="-0.0943"/>
+                <dgm:constr type="r" for="ch" forName="text_6" refType="ctrX" refFor="ch" refForName="accent_6"/>
+                <dgm:constr type="rOff" for="ch" forName="text_6" refType="ctrXOff" refFor="ch" refForName="accent_6"/>
+                <dgm:constr type="l" for="ch" forName="text_6"/>
+                <dgm:constr type="w" for="ch" forName="text_6" refType="h" refFor="ch" refForName="text_6" op="gte"/>
+                <dgm:constr type="h" for="ch" forName="text_6" refType="h" refFor="ch" refForName="accent_6" fact="0.8"/>
+                <dgm:constr type="ctrY" for="ch" forName="text_6" refType="ctrY" refFor="ch" refForName="accent_6"/>
+                <dgm:constr type="rMarg" for="ch" forName="text_6" refType="w" refFor="ch" refForName="accent_6" fact="1.8"/>
+                <dgm:constr type="primFontSz" for="ch" ptType="node" op="equ" val="65"/>
+              </dgm:constrLst>
+            </dgm:if>
+            <dgm:else name="Name20">
+              <dgm:constrLst>
+                <dgm:constr type="h" for="ch" forName="cycle" refType="h"/>
+                <dgm:constr type="w" for="ch" forName="cycle" refType="h" refFor="ch" refForName="cycle" fact="0.26"/>
+                <dgm:constr type="r" for="ch" forName="cycle" refType="w"/>
+                <dgm:constr type="ctrY" for="ch" forName="cycle" refType="h" fact="0.5"/>
+                <dgm:constr type="diam" for="ch" forName="cycle" refType="h" fact="1.344"/>
+                <dgm:constr type="h" for="ch" forName="accent_1" refType="h" fact="0.1136"/>
+                <dgm:constr type="w" for="ch" forName="accent_1" refType="h" refFor="ch" refForName="accent_1" op="equ"/>
+                <dgm:constr type="ctrY" for="ch" forName="accent_1" refType="h" fact="0.0909"/>
+                <dgm:constr type="ctrX" for="ch" forName="accent_1" refType="w"/>
+                <dgm:constr type="ctrXOff" for="ch" forName="accent_1" refType="h" fact="-0.0835"/>
+                <dgm:constr type="r" for="ch" forName="text_1" refType="ctrX" refFor="ch" refForName="accent_1"/>
+                <dgm:constr type="rOff" for="ch" forName="text_1" refType="ctrXOff" refFor="ch" refForName="accent_1"/>
+                <dgm:constr type="l" for="ch" forName="text_1"/>
+                <dgm:constr type="w" for="ch" forName="text_1" refType="h" refFor="ch" refForName="text_1" op="gte"/>
+                <dgm:constr type="h" for="ch" forName="text_1" refType="h" refFor="ch" refForName="accent_1" fact="0.8"/>
+                <dgm:constr type="ctrY" for="ch" forName="text_1" refType="ctrY" refFor="ch" refForName="accent_1"/>
+                <dgm:constr type="rMarg" for="ch" forName="text_1" refType="w" refFor="ch" refForName="accent_1" fact="1.8"/>
+                <dgm:constr type="h" for="ch" forName="accent_2" refType="h" fact="0.1136"/>
+                <dgm:constr type="w" for="ch" forName="accent_2" refType="h" refFor="ch" refForName="accent_2" op="equ"/>
+                <dgm:constr type="ctrY" for="ch" forName="accent_2" refType="h" fact="0.2273"/>
+                <dgm:constr type="ctrX" for="ch" forName="accent_2" refType="w"/>
+                <dgm:constr type="ctrXOff" for="ch" forName="accent_2" refType="h" fact="-0.1658"/>
+                <dgm:constr type="r" for="ch" forName="text_2" refType="ctrX" refFor="ch" refForName="accent_2"/>
+                <dgm:constr type="rOff" for="ch" forName="text_2" refType="ctrXOff" refFor="ch" refForName="accent_2"/>
+                <dgm:constr type="l" for="ch" forName="text_2"/>
+                <dgm:constr type="w" for="ch" forName="text_2" refType="h" refFor="ch" refForName="text_2" op="gte"/>
+                <dgm:constr type="h" for="ch" forName="text_2" refType="h" refFor="ch" refForName="accent_2" fact="0.8"/>
+                <dgm:constr type="ctrY" for="ch" forName="text_2" refType="ctrY" refFor="ch" refForName="accent_2"/>
+                <dgm:constr type="rMarg" for="ch" forName="text_2" refType="w" refFor="ch" refForName="accent_2" fact="1.8"/>
+                <dgm:constr type="h" for="ch" forName="accent_3" refType="h" fact="0.1136"/>
+                <dgm:constr type="w" for="ch" forName="accent_3" refType="h" refFor="ch" refForName="accent_3" op="equ"/>
+                <dgm:constr type="ctrY" for="ch" forName="accent_3" refType="h" fact="0.3636"/>
+                <dgm:constr type="ctrX" for="ch" forName="accent_3" refType="w"/>
+                <dgm:constr type="ctrXOff" for="ch" forName="accent_3" refType="h" fact="-0.2109"/>
+                <dgm:constr type="r" for="ch" forName="text_3" refType="ctrX" refFor="ch" refForName="accent_3"/>
+                <dgm:constr type="rOff" for="ch" forName="text_3" refType="ctrXOff" refFor="ch" refForName="accent_3"/>
+                <dgm:constr type="l" for="ch" forName="text_3"/>
+                <dgm:constr type="w" for="ch" forName="text_3" refType="h" refFor="ch" refForName="text_3" op="gte"/>
+                <dgm:constr type="h" for="ch" forName="text_3" refType="h" refFor="ch" refForName="accent_3" fact="0.8"/>
+                <dgm:constr type="ctrY" for="ch" forName="text_3" refType="ctrY" refFor="ch" refForName="accent_3"/>
+                <dgm:constr type="rMarg" for="ch" forName="text_3" refType="w" refFor="ch" refForName="accent_3" fact="1.8"/>
+                <dgm:constr type="h" for="ch" forName="accent_4" refType="h" fact="0.1136"/>
+                <dgm:constr type="w" for="ch" forName="accent_4" refType="h" refFor="ch" refForName="accent_4" op="equ"/>
+                <dgm:constr type="ctrY" for="ch" forName="accent_4" refType="h" fact="0.5"/>
+                <dgm:constr type="ctrX" for="ch" forName="accent_4" refType="w"/>
+                <dgm:constr type="ctrXOff" for="ch" forName="accent_4" refType="h" fact="-0.2253"/>
+                <dgm:constr type="r" for="ch" forName="text_4" refType="ctrX" refFor="ch" refForName="accent_4"/>
+                <dgm:constr type="rOff" for="ch" forName="text_4" refType="ctrXOff" refFor="ch" refForName="accent_4"/>
+                <dgm:constr type="l" for="ch" forName="text_4"/>
+                <dgm:constr type="w" for="ch" forName="text_4" refType="h" refFor="ch" refForName="text_4" op="gte"/>
+                <dgm:constr type="h" for="ch" forName="text_4" refType="h" refFor="ch" refForName="accent_4" fact="0.8"/>
+                <dgm:constr type="ctrY" for="ch" forName="text_4" refType="ctrY" refFor="ch" refForName="accent_4"/>
+                <dgm:constr type="rMarg" for="ch" forName="text_4" refType="w" refFor="ch" refForName="accent_4" fact="1.8"/>
+                <dgm:constr type="h" for="ch" forName="accent_5" refType="h" fact="0.1136"/>
+                <dgm:constr type="w" for="ch" forName="accent_5" refType="h" refFor="ch" refForName="accent_5" op="equ"/>
+                <dgm:constr type="ctrY" for="ch" forName="accent_5" refType="h" fact="0.6364"/>
+                <dgm:constr type="ctrX" for="ch" forName="accent_5" refType="w"/>
+                <dgm:constr type="ctrXOff" for="ch" forName="accent_5" refType="h" fact="-0.2109"/>
+                <dgm:constr type="r" for="ch" forName="text_5" refType="ctrX" refFor="ch" refForName="accent_5"/>
+                <dgm:constr type="rOff" for="ch" forName="text_5" refType="ctrXOff" refFor="ch" refForName="accent_5"/>
+                <dgm:constr type="l" for="ch" forName="text_5"/>
+                <dgm:constr type="w" for="ch" forName="text_5" refType="h" refFor="ch" refForName="text_5" op="gte"/>
+                <dgm:constr type="h" for="ch" forName="text_5" refType="h" refFor="ch" refForName="accent_5" fact="0.8"/>
+                <dgm:constr type="ctrY" for="ch" forName="text_5" refType="ctrY" refFor="ch" refForName="accent_5"/>
+                <dgm:constr type="rMarg" for="ch" forName="text_5" refType="w" refFor="ch" refForName="accent_5" fact="1.8"/>
+                <dgm:constr type="h" for="ch" forName="accent_6" refType="h" fact="0.1136"/>
+                <dgm:constr type="w" for="ch" forName="accent_6" refType="h" refFor="ch" refForName="accent_6" op="equ"/>
+                <dgm:constr type="ctrY" for="ch" forName="accent_6" refType="h" fact="0.7727"/>
+                <dgm:constr type="ctrX" for="ch" forName="accent_6" refType="w"/>
+                <dgm:constr type="ctrXOff" for="ch" forName="accent_6" refType="h" fact="-0.1658"/>
+                <dgm:constr type="r" for="ch" forName="text_6" refType="ctrX" refFor="ch" refForName="accent_6"/>
+                <dgm:constr type="rOff" for="ch" forName="text_6" refType="ctrXOff" refFor="ch" refForName="accent_6"/>
+                <dgm:constr type="l" for="ch" forName="text_6"/>
+                <dgm:constr type="w" for="ch" forName="text_6" refType="h" refFor="ch" refForName="text_6" op="gte"/>
+                <dgm:constr type="h" for="ch" forName="text_6" refType="h" refFor="ch" refForName="accent_6" fact="0.8"/>
+                <dgm:constr type="ctrY" for="ch" forName="text_6" refType="ctrY" refFor="ch" refForName="accent_6"/>
+                <dgm:constr type="rMarg" for="ch" forName="text_6" refType="w" refFor="ch" refForName="accent_6" fact="1.8"/>
+                <dgm:constr type="h" for="ch" forName="accent_7" refType="h" fact="0.1136"/>
+                <dgm:constr type="w" for="ch" forName="accent_7" refType="h" refFor="ch" refForName="accent_7" op="equ"/>
+                <dgm:constr type="ctrY" for="ch" forName="accent_7" refType="h" fact="0.9091"/>
+                <dgm:constr type="ctrX" for="ch" forName="accent_7" refType="w"/>
+                <dgm:constr type="ctrXOff" for="ch" forName="accent_7" refType="h" fact="-0.0835"/>
+                <dgm:constr type="r" for="ch" forName="text_7" refType="ctrX" refFor="ch" refForName="accent_7"/>
+                <dgm:constr type="rOff" for="ch" forName="text_7" refType="ctrXOff" refFor="ch" refForName="accent_7"/>
+                <dgm:constr type="l" for="ch" forName="text_7"/>
+                <dgm:constr type="w" for="ch" forName="text_7" refType="h" refFor="ch" refForName="text_7" op="gte"/>
+                <dgm:constr type="h" for="ch" forName="text_7" refType="h" refFor="ch" refForName="accent_7" fact="0.8"/>
+                <dgm:constr type="ctrY" for="ch" forName="text_7" refType="ctrY" refFor="ch" refForName="accent_7"/>
+                <dgm:constr type="rMarg" for="ch" forName="text_7" refType="w" refFor="ch" refForName="accent_7" fact="1.8"/>
+                <dgm:constr type="primFontSz" for="ch" ptType="node" op="equ" val="65"/>
+              </dgm:constrLst>
+            </dgm:else>
+          </dgm:choose>
+        </dgm:else>
+      </dgm:choose>
+      <dgm:layoutNode name="cycle">
+        <dgm:choose name="Name21">
+          <dgm:if name="Name22" func="var" arg="dir" op="equ" val="norm">
+            <dgm:alg type="cycle">
+              <dgm:param type="stAng" val="45"/>
+              <dgm:param type="spanAng" val="90"/>
+            </dgm:alg>
+          </dgm:if>
+          <dgm:else name="Name23">
+            <dgm:alg type="cycle">
+              <dgm:param type="stAng" val="225"/>
+              <dgm:param type="spanAng" val="90"/>
+            </dgm:alg>
+          </dgm:else>
+        </dgm:choose>
+        <dgm:shape xmlns:r="http://schemas.openxmlformats.org/officeDocument/2006/relationships" r:blip="">
+          <dgm:adjLst/>
+        </dgm:shape>
+        <dgm:presOf/>
+        <dgm:constrLst>
+          <dgm:constr type="w" for="ch" val="1"/>
+          <dgm:constr type="h" for="ch" val="1"/>
+          <dgm:constr type="diam" for="ch" forName="conn" refType="diam"/>
+        </dgm:constrLst>
+        <dgm:layoutNode name="srcNode">
+          <dgm:alg type="sp"/>
+          <dgm:shape xmlns:r="http://schemas.openxmlformats.org/officeDocument/2006/relationships" type="rect" r:blip="" hideGeom="1">
+            <dgm:adjLst/>
+          </dgm:shape>
+          <dgm:presOf/>
+        </dgm:layoutNode>
+        <dgm:layoutNode name="conn" styleLbl="parChTrans1D2">
+          <dgm:alg type="conn">
+            <dgm:param type="connRout" val="curve"/>
+            <dgm:param type="srcNode" val="srcNode"/>
+            <dgm:param type="dstNode" val="dstNode"/>
+            <dgm:param type="begPts" val="ctr"/>
+            <dgm:param type="endPts" val="ctr"/>
+            <dgm:param type="endSty" val="noArr"/>
+          </dgm:alg>
+          <dgm:shape xmlns:r="http://schemas.openxmlformats.org/officeDocument/2006/relationships" type="conn" r:blip="">
+            <dgm:adjLst/>
+          </dgm:shape>
+          <dgm:presOf axis="desOrSelf" ptType="sibTrans" hideLastTrans="0" st="0" cnt="1"/>
+          <dgm:constrLst>
+            <dgm:constr type="begPad"/>
+            <dgm:constr type="endPad"/>
+          </dgm:constrLst>
+        </dgm:layoutNode>
+        <dgm:layoutNode name="extraNode">
+          <dgm:alg type="sp"/>
+          <dgm:shape xmlns:r="http://schemas.openxmlformats.org/officeDocument/2006/relationships" type="rect" r:blip="" hideGeom="1">
+            <dgm:adjLst/>
+          </dgm:shape>
+          <dgm:presOf/>
+        </dgm:layoutNode>
+        <dgm:layoutNode name="dstNode">
+          <dgm:alg type="sp"/>
+          <dgm:shape xmlns:r="http://schemas.openxmlformats.org/officeDocument/2006/relationships" type="rect" r:blip="" hideGeom="1">
+            <dgm:adjLst/>
+          </dgm:shape>
+          <dgm:presOf/>
+        </dgm:layoutNode>
+      </dgm:layoutNode>
+      <dgm:forEach name="wrapper" axis="self" ptType="parTrans">
+        <dgm:forEach name="wrapper2" axis="self" ptType="sibTrans" st="2">
+          <dgm:forEach name="accentRepeat" axis="self">
+            <dgm:layoutNode name="accentRepeatNode" styleLbl="solidFgAcc1">
+              <dgm:alg type="sp"/>
+              <dgm:shape xmlns:r="http://schemas.openxmlformats.org/officeDocument/2006/relationships" type="ellipse" r:blip="">
+                <dgm:adjLst/>
+              </dgm:shape>
+              <dgm:presOf/>
+            </dgm:layoutNode>
+          </dgm:forEach>
+        </dgm:forEach>
+      </dgm:forEach>
+      <dgm:forEach name="Name24" axis="ch" ptType="node" cnt="1">
+        <dgm:layoutNode name="text_1" styleLbl="node1">
+          <dgm:varLst>
+            <dgm:bulletEnabled val="1"/>
+          </dgm:varLst>
+          <dgm:choose name="Name25">
+            <dgm:if name="Name26" func="var" arg="dir" op="equ" val="norm">
+              <dgm:alg type="tx">
+                <dgm:param type="parTxLTRAlign" val="l"/>
+                <dgm:param type="shpTxLTRAlignCh" val="l"/>
+                <dgm:param type="parTxRTLAlign" val="l"/>
+                <dgm:param type="shpTxRTLAlignCh" val="l"/>
+              </dgm:alg>
+            </dgm:if>
+            <dgm:else name="Name27">
+              <dgm:alg type="tx">
+                <dgm:param type="parTxLTRAlign" val="r"/>
+                <dgm:param type="shpTxLTRAlignCh" val="r"/>
+                <dgm:param type="parTxRTLAlign" val="r"/>
+                <dgm:param type="shpTxRTLAlignCh" val="r"/>
+              </dgm:alg>
+            </dgm:else>
+          </dgm:choose>
+          <dgm:shape xmlns:r="http://schemas.openxmlformats.org/officeDocument/2006/relationships" type="rect" r:blip="">
+            <dgm:adjLst/>
+          </dgm:shape>
+          <dgm:presOf axis="desOrSelf" ptType="node"/>
+          <dgm:constrLst>
+            <dgm:constr type="primFontSz" val="65"/>
+            <dgm:constr type="lMarg" refType="primFontSz" fact="0.2"/>
+            <dgm:constr type="rMarg" refType="primFontSz" fact="0.2"/>
+            <dgm:constr type="tMarg" refType="primFontSz" fact="0.2"/>
+            <dgm:constr type="bMarg" refType="primFontSz" fact="0.2"/>
+          </dgm:constrLst>
+          <dgm:ruleLst>
+            <dgm:rule type="primFontSz" val="5" fact="NaN" max="NaN"/>
+          </dgm:ruleLst>
+        </dgm:layoutNode>
+        <dgm:layoutNode name="accent_1">
+          <dgm:alg type="sp"/>
+          <dgm:shape xmlns:r="http://schemas.openxmlformats.org/officeDocument/2006/relationships" r:blip="">
+            <dgm:adjLst/>
+          </dgm:shape>
+          <dgm:presOf/>
+          <dgm:constrLst/>
+          <dgm:forEach name="Name28" ref="accentRepeat"/>
+        </dgm:layoutNode>
+      </dgm:forEach>
+      <dgm:forEach name="Name29" axis="ch" ptType="node" st="2" cnt="1">
+        <dgm:layoutNode name="text_2" styleLbl="node1">
+          <dgm:varLst>
+            <dgm:bulletEnabled val="1"/>
+          </dgm:varLst>
+          <dgm:choose name="Name30">
+            <dgm:if name="Name31" func="var" arg="dir" op="equ" val="norm">
+              <dgm:alg type="tx">
+                <dgm:param type="parTxLTRAlign" val="l"/>
+                <dgm:param type="shpTxLTRAlignCh" val="l"/>
+                <dgm:param type="parTxRTLAlign" val="l"/>
+                <dgm:param type="shpTxRTLAlignCh" val="l"/>
+              </dgm:alg>
+            </dgm:if>
+            <dgm:else name="Name32">
+              <dgm:alg type="tx">
+                <dgm:param type="parTxLTRAlign" val="r"/>
+                <dgm:param type="shpTxLTRAlignCh" val="r"/>
+                <dgm:param type="parTxRTLAlign" val="r"/>
+                <dgm:param type="shpTxRTLAlignCh" val="r"/>
+              </dgm:alg>
+            </dgm:else>
+          </dgm:choose>
+          <dgm:shape xmlns:r="http://schemas.openxmlformats.org/officeDocument/2006/relationships" type="rect" r:blip="">
+            <dgm:adjLst/>
+          </dgm:shape>
+          <dgm:presOf axis="desOrSelf" ptType="node"/>
+          <dgm:constrLst>
+            <dgm:constr type="primFontSz" val="65"/>
+            <dgm:constr type="lMarg" refType="primFontSz" fact="0.2"/>
+            <dgm:constr type="rMarg" refType="primFontSz" fact="0.2"/>
+            <dgm:constr type="tMarg" refType="primFontSz" fact="0.2"/>
+            <dgm:constr type="bMarg" refType="primFontSz" fact="0.2"/>
+          </dgm:constrLst>
+          <dgm:ruleLst>
+            <dgm:rule type="primFontSz" val="5" fact="NaN" max="NaN"/>
+          </dgm:ruleLst>
+        </dgm:layoutNode>
+        <dgm:layoutNode name="accent_2">
+          <dgm:alg type="sp"/>
+          <dgm:shape xmlns:r="http://schemas.openxmlformats.org/officeDocument/2006/relationships" r:blip="">
+            <dgm:adjLst/>
+          </dgm:shape>
+          <dgm:presOf/>
+          <dgm:constrLst/>
+          <dgm:forEach name="Name33" ref="accentRepeat"/>
+        </dgm:layoutNode>
+      </dgm:forEach>
+      <dgm:forEach name="Name34" axis="ch" ptType="node" st="3" cnt="1">
+        <dgm:layoutNode name="text_3" styleLbl="node1">
+          <dgm:varLst>
+            <dgm:bulletEnabled val="1"/>
+          </dgm:varLst>
+          <dgm:choose name="Name35">
+            <dgm:if name="Name36" func="var" arg="dir" op="equ" val="norm">
+              <dgm:alg type="tx">
+                <dgm:param type="parTxLTRAlign" val="l"/>
+                <dgm:param type="shpTxLTRAlignCh" val="l"/>
+                <dgm:param type="parTxRTLAlign" val="l"/>
+                <dgm:param type="shpTxRTLAlignCh" val="l"/>
+              </dgm:alg>
+            </dgm:if>
+            <dgm:else name="Name37">
+              <dgm:alg type="tx">
+                <dgm:param type="parTxLTRAlign" val="r"/>
+                <dgm:param type="shpTxLTRAlignCh" val="r"/>
+                <dgm:param type="parTxRTLAlign" val="r"/>
+                <dgm:param type="shpTxRTLAlignCh" val="r"/>
+              </dgm:alg>
+            </dgm:else>
+          </dgm:choose>
+          <dgm:shape xmlns:r="http://schemas.openxmlformats.org/officeDocument/2006/relationships" type="rect" r:blip="">
+            <dgm:adjLst/>
+          </dgm:shape>
+          <dgm:presOf axis="desOrSelf" ptType="node"/>
+          <dgm:constrLst>
+            <dgm:constr type="primFontSz" val="65"/>
+            <dgm:constr type="lMarg" refType="primFontSz" fact="0.2"/>
+            <dgm:constr type="rMarg" refType="primFontSz" fact="0.2"/>
+            <dgm:constr type="tMarg" refType="primFontSz" fact="0.2"/>
+            <dgm:constr type="bMarg" refType="primFontSz" fact="0.2"/>
+          </dgm:constrLst>
+          <dgm:ruleLst>
+            <dgm:rule type="primFontSz" val="5" fact="NaN" max="NaN"/>
+          </dgm:ruleLst>
+        </dgm:layoutNode>
+        <dgm:layoutNode name="accent_3">
+          <dgm:alg type="sp"/>
+          <dgm:shape xmlns:r="http://schemas.openxmlformats.org/officeDocument/2006/relationships" r:blip="">
+            <dgm:adjLst/>
+          </dgm:shape>
+          <dgm:presOf/>
+          <dgm:constrLst/>
+          <dgm:forEach name="Name38" ref="accentRepeat"/>
+        </dgm:layoutNode>
+      </dgm:forEach>
+      <dgm:forEach name="Name39" axis="ch" ptType="node" st="4" cnt="1">
+        <dgm:layoutNode name="text_4" styleLbl="node1">
+          <dgm:varLst>
+            <dgm:bulletEnabled val="1"/>
+          </dgm:varLst>
+          <dgm:choose name="Name40">
+            <dgm:if name="Name41" func="var" arg="dir" op="equ" val="norm">
+              <dgm:alg type="tx">
+                <dgm:param type="parTxLTRAlign" val="l"/>
+                <dgm:param type="shpTxLTRAlignCh" val="l"/>
+                <dgm:param type="parTxRTLAlign" val="l"/>
+                <dgm:param type="shpTxRTLAlignCh" val="l"/>
+              </dgm:alg>
+            </dgm:if>
+            <dgm:else name="Name42">
+              <dgm:alg type="tx">
+                <dgm:param type="parTxLTRAlign" val="r"/>
+                <dgm:param type="shpTxLTRAlignCh" val="r"/>
+                <dgm:param type="parTxRTLAlign" val="r"/>
+                <dgm:param type="shpTxRTLAlignCh" val="r"/>
+              </dgm:alg>
+            </dgm:else>
+          </dgm:choose>
+          <dgm:shape xmlns:r="http://schemas.openxmlformats.org/officeDocument/2006/relationships" type="rect" r:blip="">
+            <dgm:adjLst/>
+          </dgm:shape>
+          <dgm:presOf axis="desOrSelf" ptType="node"/>
+          <dgm:constrLst>
+            <dgm:constr type="primFontSz" val="65"/>
+            <dgm:constr type="lMarg" refType="primFontSz" fact="0.2"/>
+            <dgm:constr type="rMarg" refType="primFontSz" fact="0.2"/>
+            <dgm:constr type="tMarg" refType="primFontSz" fact="0.2"/>
+            <dgm:constr type="bMarg" refType="primFontSz" fact="0.2"/>
+          </dgm:constrLst>
+          <dgm:ruleLst>
+            <dgm:rule type="primFontSz" val="5" fact="NaN" max="NaN"/>
+          </dgm:ruleLst>
+        </dgm:layoutNode>
+        <dgm:layoutNode name="accent_4">
+          <dgm:alg type="sp"/>
+          <dgm:shape xmlns:r="http://schemas.openxmlformats.org/officeDocument/2006/relationships" r:blip="">
+            <dgm:adjLst/>
+          </dgm:shape>
+          <dgm:presOf/>
+          <dgm:constrLst/>
+          <dgm:forEach name="Name43" ref="accentRepeat"/>
+        </dgm:layoutNode>
+      </dgm:forEach>
+      <dgm:forEach name="Name44" axis="ch" ptType="node" st="5" cnt="1">
+        <dgm:layoutNode name="text_5" styleLbl="node1">
+          <dgm:varLst>
+            <dgm:bulletEnabled val="1"/>
+          </dgm:varLst>
+          <dgm:choose name="Name45">
+            <dgm:if name="Name46" func="var" arg="dir" op="equ" val="norm">
+              <dgm:alg type="tx">
+                <dgm:param type="parTxLTRAlign" val="l"/>
+                <dgm:param type="shpTxLTRAlignCh" val="l"/>
+                <dgm:param type="parTxRTLAlign" val="l"/>
+                <dgm:param type="shpTxRTLAlignCh" val="l"/>
+              </dgm:alg>
+            </dgm:if>
+            <dgm:else name="Name47">
+              <dgm:alg type="tx">
+                <dgm:param type="parTxLTRAlign" val="r"/>
+                <dgm:param type="shpTxLTRAlignCh" val="r"/>
+                <dgm:param type="parTxRTLAlign" val="r"/>
+                <dgm:param type="shpTxRTLAlignCh" val="r"/>
+              </dgm:alg>
+            </dgm:else>
+          </dgm:choose>
+          <dgm:shape xmlns:r="http://schemas.openxmlformats.org/officeDocument/2006/relationships" type="rect" r:blip="">
+            <dgm:adjLst/>
+          </dgm:shape>
+          <dgm:presOf axis="desOrSelf" ptType="node"/>
+          <dgm:constrLst>
+            <dgm:constr type="primFontSz" val="65"/>
+            <dgm:constr type="lMarg" refType="primFontSz" fact="0.2"/>
+            <dgm:constr type="rMarg" refType="primFontSz" fact="0.2"/>
+            <dgm:constr type="tMarg" refType="primFontSz" fact="0.2"/>
+            <dgm:constr type="bMarg" refType="primFontSz" fact="0.2"/>
+          </dgm:constrLst>
+          <dgm:ruleLst>
+            <dgm:rule type="primFontSz" val="5" fact="NaN" max="NaN"/>
+          </dgm:ruleLst>
+        </dgm:layoutNode>
+        <dgm:layoutNode name="accent_5">
+          <dgm:alg type="sp"/>
+          <dgm:shape xmlns:r="http://schemas.openxmlformats.org/officeDocument/2006/relationships" r:blip="">
+            <dgm:adjLst/>
+          </dgm:shape>
+          <dgm:presOf/>
+          <dgm:constrLst/>
+          <dgm:forEach name="Name48" ref="accentRepeat"/>
+        </dgm:layoutNode>
+      </dgm:forEach>
+      <dgm:forEach name="Name49" axis="ch" ptType="node" st="6" cnt="1">
+        <dgm:layoutNode name="text_6" styleLbl="node1">
+          <dgm:varLst>
+            <dgm:bulletEnabled val="1"/>
+          </dgm:varLst>
+          <dgm:choose name="Name50">
+            <dgm:if name="Name51" func="var" arg="dir" op="equ" val="norm">
+              <dgm:alg type="tx">
+                <dgm:param type="parTxLTRAlign" val="l"/>
+                <dgm:param type="shpTxLTRAlignCh" val="l"/>
+                <dgm:param type="parTxRTLAlign" val="l"/>
+                <dgm:param type="shpTxRTLAlignCh" val="l"/>
+              </dgm:alg>
+            </dgm:if>
+            <dgm:else name="Name52">
+              <dgm:alg type="tx">
+                <dgm:param type="parTxLTRAlign" val="r"/>
+                <dgm:param type="shpTxLTRAlignCh" val="r"/>
+                <dgm:param type="parTxRTLAlign" val="r"/>
+                <dgm:param type="shpTxRTLAlignCh" val="r"/>
+              </dgm:alg>
+            </dgm:else>
+          </dgm:choose>
+          <dgm:shape xmlns:r="http://schemas.openxmlformats.org/officeDocument/2006/relationships" type="rect" r:blip="">
+            <dgm:adjLst/>
+          </dgm:shape>
+          <dgm:presOf axis="desOrSelf" ptType="node"/>
+          <dgm:constrLst>
+            <dgm:constr type="primFontSz" val="65"/>
+            <dgm:constr type="lMarg" refType="primFontSz" fact="0.2"/>
+            <dgm:constr type="rMarg" refType="primFontSz" fact="0.2"/>
+            <dgm:constr type="tMarg" refType="primFontSz" fact="0.2"/>
+            <dgm:constr type="bMarg" refType="primFontSz" fact="0.2"/>
+          </dgm:constrLst>
+          <dgm:ruleLst>
+            <dgm:rule type="primFontSz" val="5" fact="NaN" max="NaN"/>
+          </dgm:ruleLst>
+        </dgm:layoutNode>
+        <dgm:layoutNode name="accent_6">
+          <dgm:alg type="sp"/>
+          <dgm:shape xmlns:r="http://schemas.openxmlformats.org/officeDocument/2006/relationships" r:blip="">
+            <dgm:adjLst/>
+          </dgm:shape>
+          <dgm:presOf/>
+          <dgm:constrLst/>
+          <dgm:forEach name="Name53" ref="accentRepeat"/>
+        </dgm:layoutNode>
+      </dgm:forEach>
+      <dgm:forEach name="Name54" axis="ch" ptType="node" st="7" cnt="1">
+        <dgm:layoutNode name="text_7" styleLbl="node1">
+          <dgm:varLst>
+            <dgm:bulletEnabled val="1"/>
+          </dgm:varLst>
+          <dgm:choose name="Name55">
+            <dgm:if name="Name56" func="var" arg="dir" op="equ" val="norm">
+              <dgm:alg type="tx">
+                <dgm:param type="parTxLTRAlign" val="l"/>
+                <dgm:param type="shpTxLTRAlignCh" val="l"/>
+                <dgm:param type="parTxRTLAlign" val="l"/>
+                <dgm:param type="shpTxRTLAlignCh" val="l"/>
+              </dgm:alg>
+            </dgm:if>
+            <dgm:else name="Name57">
+              <dgm:alg type="tx">
+                <dgm:param type="parTxLTRAlign" val="r"/>
+                <dgm:param type="shpTxLTRAlignCh" val="r"/>
+                <dgm:param type="parTxRTLAlign" val="r"/>
+                <dgm:param type="shpTxRTLAlignCh" val="r"/>
+              </dgm:alg>
+            </dgm:else>
+          </dgm:choose>
+          <dgm:shape xmlns:r="http://schemas.openxmlformats.org/officeDocument/2006/relationships" type="rect" r:blip="">
+            <dgm:adjLst/>
+          </dgm:shape>
+          <dgm:presOf axis="desOrSelf" ptType="node"/>
+          <dgm:constrLst>
+            <dgm:constr type="primFontSz" val="65"/>
+            <dgm:constr type="lMarg" refType="primFontSz" fact="0.2"/>
+            <dgm:constr type="rMarg" refType="primFontSz" fact="0.2"/>
+            <dgm:constr type="tMarg" refType="primFontSz" fact="0.2"/>
+            <dgm:constr type="bMarg" refType="primFontSz" fact="0.2"/>
+          </dgm:constrLst>
+          <dgm:ruleLst>
+            <dgm:rule type="primFontSz" val="5" fact="NaN" max="NaN"/>
+          </dgm:ruleLst>
+        </dgm:layoutNode>
+        <dgm:layoutNode name="accent_7">
+          <dgm:alg type="sp"/>
+          <dgm:shape xmlns:r="http://schemas.openxmlformats.org/officeDocument/2006/relationships" r:blip="">
+            <dgm:adjLst/>
+          </dgm:shape>
+          <dgm:presOf/>
+          <dgm:constrLst/>
+          <dgm:forEach name="Name58" ref="accentRepeat"/>
+        </dgm:layoutNode>
+      </dgm:forEach>
+    </dgm:layoutNode>
+  </dgm:layoutNode>
+</dgm:layoutDef>
+</file>
+
+<file path=ppt/diagrams/quickStyle1.xml><?xml version="1.0" encoding="utf-8"?>
+<dgm:styleDef xmlns:dgm="http://schemas.openxmlformats.org/drawingml/2006/diagram" xmlns:a="http://schemas.openxmlformats.org/drawingml/2006/main" uniqueId="urn:microsoft.com/office/officeart/2005/8/quickstyle/simple4">
+  <dgm:title val=""/>
+  <dgm:desc val=""/>
+  <dgm:catLst>
+    <dgm:cat type="simple" pri="10400"/>
+  </dgm:catLst>
+  <dgm:scene3d>
+    <a:camera prst="orthographicFront"/>
+    <a:lightRig rig="threePt" dir="t"/>
+  </dgm:scene3d>
+  <dgm:styleLbl name="node0">
+    <dgm:scene3d>
+      <a:camera prst="orthographicFront"/>
+      <a:lightRig rig="threePt" dir="t"/>
+    </dgm:scene3d>
+    <dgm:sp3d/>
+    <dgm:txPr/>
+    <dgm:style>
+      <a:lnRef idx="0">
+        <a:scrgbClr r="0" g="0" b="0"/>
+      </a:lnRef>
+      <a:fillRef idx="3">
+        <a:scrgbClr r="0" g="0" b="0"/>
+      </a:fillRef>
+      <a:effectRef idx="2">
+        <a:scrgbClr r="0" g="0" b="0"/>
+      </a:effectRef>
+      <a:fontRef idx="minor">
+        <a:schemeClr val="lt1"/>
+      </a:fontRef>
+    </dgm:style>
+  </dgm:styleLbl>
+  <dgm:styleLbl name="lnNode1">
+    <dgm:scene3d>
+      <a:camera prst="orthographicFront"/>
+      <a:lightRig rig="threePt" dir="t"/>
+    </dgm:scene3d>
+    <dgm:sp3d/>
+    <dgm:txPr/>
+    <dgm:style>
+      <a:lnRef idx="1">
+        <a:scrgbClr r="0" g="0" b="0"/>
+      </a:lnRef>
+      <a:fillRef idx="3">
+        <a:scrgbClr r="0" g="0" b="0"/>
+      </a:fillRef>
+      <a:effectRef idx="2">
+        <a:scrgbClr r="0" g="0" b="0"/>
+      </a:effectRef>
+      <a:fontRef idx="minor">
+        <a:schemeClr val="lt1"/>
+      </a:fontRef>
+    </dgm:style>
+  </dgm:styleLbl>
+  <dgm:styleLbl name="vennNode1">
+    <dgm:scene3d>
+      <a:camera prst="orthographicFront"/>
+      <a:lightRig rig="threePt" dir="t"/>
+    </dgm:scene3d>
+    <dgm:sp3d/>
+    <dgm:txPr/>
+    <dgm:style>
+      <a:lnRef idx="0">
+        <a:scrgbClr r="0" g="0" b="0"/>
+      </a:lnRef>
+      <a:fillRef idx="3">
+        <a:scrgbClr r="0" g="0" b="0"/>
+      </a:fillRef>
+      <a:effectRef idx="0">
+        <a:scrgbClr r="0" g="0" b="0"/>
+      </a:effectRef>
+      <a:fontRef idx="minor">
+        <a:schemeClr val="tx1"/>
+      </a:fontRef>
+    </dgm:style>
+  </dgm:styleLbl>
+  <dgm:styleLbl name="alignNode1">
+    <dgm:scene3d>
+      <a:camera prst="orthographicFront"/>
+      <a:lightRig rig="threePt" dir="t"/>
+    </dgm:scene3d>
+    <dgm:sp3d/>
+    <dgm:txPr/>
+    <dgm:style>
+      <a:lnRef idx="1">
+        <a:scrgbClr r="0" g="0" b="0"/>
+      </a:lnRef>
+      <a:fillRef idx="3">
+        <a:scrgbClr r="0" g="0" b="0"/>
+      </a:fillRef>
+      <a:effectRef idx="2">
+        <a:scrgbClr r="0" g="0" b="0"/>
+      </a:effectRef>
+      <a:fontRef idx="minor">
+        <a:schemeClr val="lt1"/>
+      </a:fontRef>
+    </dgm:style>
+  </dgm:styleLbl>
+  <dgm:styleLbl name="node1">
+    <dgm:scene3d>
+      <a:camera prst="orthographicFront"/>
+      <a:lightRig rig="threePt" dir="t"/>
+    </dgm:scene3d>
+    <dgm:sp3d/>
+    <dgm:txPr/>
+    <dgm:style>
+      <a:lnRef idx="0">
+        <a:scrgbClr r="0" g="0" b="0"/>
+      </a:lnRef>
+      <a:fillRef idx="3">
+        <a:scrgbClr r="0" g="0" b="0"/>
+      </a:fillRef>
+      <a:effectRef idx="2">
+        <a:scrgbClr r="0" g="0" b="0"/>
+      </a:effectRef>
+      <a:fontRef idx="minor">
+        <a:schemeClr val="lt1"/>
+      </a:fontRef>
+    </dgm:style>
+  </dgm:styleLbl>
+  <dgm:styleLbl name="node2">
+    <dgm:scene3d>
+      <a:camera prst="orthographicFront"/>
+      <a:lightRig rig="threePt" dir="t"/>
+    </dgm:scene3d>
+    <dgm:sp3d/>
+    <dgm:txPr/>
+    <dgm:style>
+      <a:lnRef idx="0">
+        <a:scrgbClr r="0" g="0" b="0"/>
+      </a:lnRef>
+      <a:fillRef idx="3">
+        <a:scrgbClr r="0" g="0" b="0"/>
+      </a:fillRef>
+      <a:effectRef idx="2">
+        <a:scrgbClr r="0" g="0" b="0"/>
+      </a:effectRef>
+      <a:fontRef idx="minor">
+        <a:schemeClr val="lt1"/>
+      </a:fontRef>
+    </dgm:style>
+  </dgm:styleLbl>
+  <dgm:styleLbl name="node3">
+    <dgm:scene3d>
+      <a:camera prst="orthographicFront"/>
+      <a:lightRig rig="threePt" dir="t"/>
+    </dgm:scene3d>
+    <dgm:sp3d/>
+    <dgm:txPr/>
+    <dgm:style>
+      <a:lnRef idx="0">
+        <a:scrgbClr r="0" g="0" b="0"/>
+      </a:lnRef>
+      <a:fillRef idx="3">
+        <a:scrgbClr r="0" g="0" b="0"/>
+      </a:fillRef>
+      <a:effectRef idx="2">
+        <a:scrgbClr r="0" g="0" b="0"/>
+      </a:effectRef>
+      <a:fontRef idx="minor">
+        <a:schemeClr val="lt1"/>
+      </a:fontRef>
+    </dgm:style>
+  </dgm:styleLbl>
+  <dgm:styleLbl name="node4">
+    <dgm:scene3d>
+      <a:camera prst="orthographicFront"/>
+      <a:lightRig rig="threePt" dir="t"/>
+    </dgm:scene3d>
+    <dgm:sp3d/>
+    <dgm:txPr/>
+    <dgm:style>
+      <a:lnRef idx="0">
+        <a:scrgbClr r="0" g="0" b="0"/>
+      </a:lnRef>
+      <a:fillRef idx="3">
+        <a:scrgbClr r="0" g="0" b="0"/>
+      </a:fillRef>
+      <a:effectRef idx="2">
+        <a:scrgbClr r="0" g="0" b="0"/>
+      </a:effectRef>
+      <a:fontRef idx="minor">
+        <a:schemeClr val="lt1"/>
+      </a:fontRef>
+    </dgm:style>
+  </dgm:styleLbl>
+  <dgm:styleLbl name="fgImgPlace1">
+    <dgm:scene3d>
+      <a:camera prst="orthographicFront"/>
+      <a:lightRig rig="threePt" dir="t"/>
+    </dgm:scene3d>
+    <dgm:sp3d/>
+    <dgm:txPr/>
+    <dgm:style>
+      <a:lnRef idx="0">
+        <a:scrgbClr r="0" g="0" b="0"/>
+      </a:lnRef>
+      <a:fillRef idx="1">
+        <a:scrgbClr r="0" g="0" b="0"/>
+      </a:fillRef>
+      <a:effectRef idx="2">
+        <a:scrgbClr r="0" g="0" b="0"/>
+      </a:effectRef>
+      <a:fontRef idx="minor"/>
+    </dgm:style>
+  </dgm:styleLbl>
+  <dgm:styleLbl name="alignImgPlace1">
+    <dgm:scene3d>
+      <a:camera prst="orthographicFront"/>
+      <a:lightRig rig="threePt" dir="t"/>
+    </dgm:scene3d>
+    <dgm:sp3d/>
+    <dgm:txPr/>
+    <dgm:style>
+      <a:lnRef idx="0">
+        <a:scrgbClr r="0" g="0" b="0"/>
+      </a:lnRef>
+      <a:fillRef idx="1">
+        <a:scrgbClr r="0" g="0" b="0"/>
+      </a:fillRef>
+      <a:effectRef idx="2">
+        <a:scrgbClr r="0" g="0" b="0"/>
+      </a:effectRef>
+      <a:fontRef idx="minor"/>
+    </dgm:style>
+  </dgm:styleLbl>
+  <dgm:styleLbl name="bgImgPlace1">
+    <dgm:scene3d>
+      <a:camera prst="orthographicFront"/>
+      <a:lightRig rig="threePt" dir="t"/>
+    </dgm:scene3d>
+    <dgm:sp3d/>
+    <dgm:txPr/>
+    <dgm:style>
+      <a:lnRef idx="0">
+        <a:scrgbClr r="0" g="0" b="0"/>
+      </a:lnRef>
+      <a:fillRef idx="1">
+        <a:scrgbClr r="0" g="0" b="0"/>
+      </a:fillRef>
+      <a:effectRef idx="2">
+        <a:scrgbClr r="0" g="0" b="0"/>
+      </a:effectRef>
+      <a:fontRef idx="minor"/>
+    </dgm:style>
+  </dgm:styleLbl>
+  <dgm:styleLbl name="sibTrans2D1">
+    <dgm:scene3d>
+      <a:camera prst="orthographicFront"/>
+      <a:lightRig rig="threePt" dir="t"/>
+    </dgm:scene3d>
+    <dgm:sp3d/>
+    <dgm:txPr/>
+    <dgm:style>
+      <a:lnRef idx="0">
+        <a:scrgbClr r="0" g="0" b="0"/>
+      </a:lnRef>
+      <a:fillRef idx="3">
+        <a:scrgbClr r="0" g="0" b="0"/>
+      </a:fillRef>
+      <a:effectRef idx="2">
+        <a:scrgbClr r="0" g="0" b="0"/>
+      </a:effectRef>
+      <a:fontRef idx="minor">
+        <a:schemeClr val="lt1"/>
+      </a:fontRef>
+    </dgm:style>
+  </dgm:styleLbl>
+  <dgm:styleLbl name="fgSibTrans2D1">
+    <dgm:scene3d>
+      <a:camera prst="orthographicFront"/>
+      <a:lightRig rig="threePt" dir="t"/>
+    </dgm:scene3d>
+    <dgm:sp3d/>
+    <dgm:txPr/>
+    <dgm:style>
+      <a:lnRef idx="0">
+        <a:scrgbClr r="0" g="0" b="0"/>
+      </a:lnRef>
+      <a:fillRef idx="3">
+        <a:scrgbClr r="0" g="0" b="0"/>
+      </a:fillRef>
+      <a:effectRef idx="2">
+        <a:scrgbClr r="0" g="0" b="0"/>
+      </a:effectRef>
+      <a:fontRef idx="minor">
+        <a:schemeClr val="lt1"/>
+      </a:fontRef>
+    </dgm:style>
+  </dgm:styleLbl>
+  <dgm:styleLbl name="bgSibTrans2D1">
+    <dgm:scene3d>
+      <a:camera prst="orthographicFront"/>
+      <a:lightRig rig="threePt" dir="t"/>
+    </dgm:scene3d>
+    <dgm:sp3d/>
+    <dgm:txPr/>
+    <dgm:style>
+      <a:lnRef idx="0">
+        <a:scrgbClr r="0" g="0" b="0"/>
+      </a:lnRef>
+      <a:fillRef idx="3">
+        <a:scrgbClr r="0" g="0" b="0"/>
+      </a:fillRef>
+      <a:effectRef idx="2">
+        <a:scrgbClr r="0" g="0" b="0"/>
+      </a:effectRef>
+      <a:fontRef idx="minor">
+        <a:schemeClr val="lt1"/>
+      </a:fontRef>
+    </dgm:style>
+  </dgm:styleLbl>
+  <dgm:styleLbl name="sibTrans1D1">
+    <dgm:scene3d>
+      <a:camera prst="orthographicFront"/>
+      <a:lightRig rig="threePt" dir="t"/>
+    </dgm:scene3d>
+    <dgm:sp3d/>
+    <dgm:txPr/>
+    <dgm:style>
+      <a:lnRef idx="1">
+        <a:scrgbClr r="0" g="0" b="0"/>
+      </a:lnRef>
+      <a:fillRef idx="0">
+        <a:scrgbClr r="0" g="0" b="0"/>
+      </a:fillRef>
+      <a:effectRef idx="0">
+        <a:scrgbClr r="0" g="0" b="0"/>
+      </a:effectRef>
+      <a:fontRef idx="minor"/>
+    </dgm:style>
+  </dgm:styleLbl>
+  <dgm:styleLbl name="callout">
+    <dgm:scene3d>
+      <a:camera prst="orthographicFront"/>
+      <a:lightRig rig="threePt" dir="t"/>
+    </dgm:scene3d>
+    <dgm:sp3d/>
+    <dgm:txPr/>
+    <dgm:style>
+      <a:lnRef idx="2">
+        <a:scrgbClr r="0" g="0" b="0"/>
+      </a:lnRef>
+      <a:fillRef idx="1">
+        <a:scrgbClr r="0" g="0" b="0"/>
+      </a:fillRef>
+      <a:effectRef idx="1">
+        <a:scrgbClr r="0" g="0" b="0"/>
+      </a:effectRef>
+      <a:fontRef idx="minor"/>
+    </dgm:style>
+  </dgm:styleLbl>
+  <dgm:styleLbl name="asst0">
+    <dgm:scene3d>
+      <a:camera prst="orthographicFront"/>
+      <a:lightRig rig="threePt" dir="t"/>
+    </dgm:scene3d>
+    <dgm:sp3d/>
+    <dgm:txPr/>
+    <dgm:style>
+      <a:lnRef idx="0">
+        <a:scrgbClr r="0" g="0" b="0"/>
+      </a:lnRef>
+      <a:fillRef idx="3">
+        <a:scrgbClr r="0" g="0" b="0"/>
+      </a:fillRef>
+      <a:effectRef idx="2">
+        <a:scrgbClr r="0" g="0" b="0"/>
+      </a:effectRef>
+      <a:fontRef idx="minor">
+        <a:schemeClr val="lt1"/>
+      </a:fontRef>
+    </dgm:style>
+  </dgm:styleLbl>
+  <dgm:styleLbl name="asst1">
+    <dgm:scene3d>
+      <a:camera prst="orthographicFront"/>
+      <a:lightRig rig="threePt" dir="t"/>
+    </dgm:scene3d>
+    <dgm:sp3d/>
+    <dgm:txPr/>
+    <dgm:style>
+      <a:lnRef idx="0">
+        <a:scrgbClr r="0" g="0" b="0"/>
+      </a:lnRef>
+      <a:fillRef idx="3">
+        <a:scrgbClr r="0" g="0" b="0"/>
+      </a:fillRef>
+      <a:effectRef idx="2">
+        <a:scrgbClr r="0" g="0" b="0"/>
+      </a:effectRef>
+      <a:fontRef idx="minor">
+        <a:schemeClr val="lt1"/>
+      </a:fontRef>
+    </dgm:style>
+  </dgm:styleLbl>
+  <dgm:styleLbl name="asst2">
+    <dgm:scene3d>
+      <a:camera prst="orthographicFront"/>
+      <a:lightRig rig="threePt" dir="t"/>
+    </dgm:scene3d>
+    <dgm:sp3d/>
+    <dgm:txPr/>
+    <dgm:style>
+      <a:lnRef idx="0">
+        <a:scrgbClr r="0" g="0" b="0"/>
+      </a:lnRef>
+      <a:fillRef idx="3">
+        <a:scrgbClr r="0" g="0" b="0"/>
+      </a:fillRef>
+      <a:effectRef idx="2">
+        <a:scrgbClr r="0" g="0" b="0"/>
+      </a:effectRef>
+      <a:fontRef idx="minor">
+        <a:schemeClr val="lt1"/>
+      </a:fontRef>
+    </dgm:style>
+  </dgm:styleLbl>
+  <dgm:styleLbl name="asst3">
+    <dgm:scene3d>
+      <a:camera prst="orthographicFront"/>
+      <a:lightRig rig="threePt" dir="t"/>
+    </dgm:scene3d>
+    <dgm:sp3d/>
+    <dgm:txPr/>
+    <dgm:style>
+      <a:lnRef idx="0">
+        <a:scrgbClr r="0" g="0" b="0"/>
+      </a:lnRef>
+      <a:fillRef idx="3">
+        <a:scrgbClr r="0" g="0" b="0"/>
+      </a:fillRef>
+      <a:effectRef idx="2">
+        <a:scrgbClr r="0" g="0" b="0"/>
+      </a:effectRef>
+      <a:fontRef idx="minor">
+        <a:schemeClr val="lt1"/>
+      </a:fontRef>
+    </dgm:style>
+  </dgm:styleLbl>
+  <dgm:styleLbl name="asst4">
+    <dgm:scene3d>
+      <a:camera prst="orthographicFront"/>
+      <a:lightRig rig="threePt" dir="t"/>
+    </dgm:scene3d>
+    <dgm:sp3d/>
+    <dgm:txPr/>
+    <dgm:style>
+      <a:lnRef idx="0">
+        <a:scrgbClr r="0" g="0" b="0"/>
+      </a:lnRef>
+      <a:fillRef idx="3">
+        <a:scrgbClr r="0" g="0" b="0"/>
+      </a:fillRef>
+      <a:effectRef idx="2">
+        <a:scrgbClr r="0" g="0" b="0"/>
+      </a:effectRef>
+      <a:fontRef idx="minor">
+        <a:schemeClr val="lt1"/>
+      </a:fontRef>
+    </dgm:style>
+  </dgm:styleLbl>
+  <dgm:styleLbl name="parChTrans2D1">
+    <dgm:scene3d>
+      <a:camera prst="orthographicFront"/>
+      <a:lightRig rig="threePt" dir="t"/>
+    </dgm:scene3d>
+    <dgm:sp3d/>
+    <dgm:txPr/>
+    <dgm:style>
+      <a:lnRef idx="0">
+        <a:scrgbClr r="0" g="0" b="0"/>
+      </a:lnRef>
+      <a:fillRef idx="3">
+        <a:scrgbClr r="0" g="0" b="0"/>
+      </a:fillRef>
+      <a:effectRef idx="2">
+        <a:scrgbClr r="0" g="0" b="0"/>
+      </a:effectRef>
+      <a:fontRef idx="minor">
+        <a:schemeClr val="lt1"/>
+      </a:fontRef>
+    </dgm:style>
+  </dgm:styleLbl>
+  <dgm:styleLbl name="parChTrans2D2">
+    <dgm:scene3d>
+      <a:camera prst="orthographicFront"/>
+      <a:lightRig rig="threePt" dir="t"/>
+    </dgm:scene3d>
+    <dgm:sp3d/>
+    <dgm:txPr/>
+    <dgm:style>
+      <a:lnRef idx="0">
+        <a:scrgbClr r="0" g="0" b="0"/>
+      </a:lnRef>
+      <a:fillRef idx="3">
+        <a:scrgbClr r="0" g="0" b="0"/>
+      </a:fillRef>
+      <a:effectRef idx="2">
+        <a:scrgbClr r="0" g="0" b="0"/>
+      </a:effectRef>
+      <a:fontRef idx="minor">
+        <a:schemeClr val="lt1"/>
+      </a:fontRef>
+    </dgm:style>
+  </dgm:styleLbl>
+  <dgm:styleLbl name="parChTrans2D3">
+    <dgm:scene3d>
+      <a:camera prst="orthographicFront"/>
+      <a:lightRig rig="threePt" dir="t"/>
+    </dgm:scene3d>
+    <dgm:sp3d/>
+    <dgm:txPr/>
+    <dgm:style>
+      <a:lnRef idx="1">
+        <a:scrgbClr r="0" g="0" b="0"/>
+      </a:lnRef>
+      <a:fillRef idx="3">
+        <a:scrgbClr r="0" g="0" b="0"/>
+      </a:fillRef>
+      <a:effectRef idx="2">
+        <a:scrgbClr r="0" g="0" b="0"/>
+      </a:effectRef>
+      <a:fontRef idx="minor">
+        <a:schemeClr val="lt1"/>
+      </a:fontRef>
+    </dgm:style>
+  </dgm:styleLbl>
+  <dgm:styleLbl name="parChTrans2D4">
+    <dgm:scene3d>
+      <a:camera prst="orthographicFront"/>
+      <a:lightRig rig="threePt" dir="t"/>
+    </dgm:scene3d>
+    <dgm:sp3d/>
+    <dgm:txPr/>
+    <dgm:style>
+      <a:lnRef idx="1">
+        <a:scrgbClr r="0" g="0" b="0"/>
+      </a:lnRef>
+      <a:fillRef idx="3">
+        <a:scrgbClr r="0" g="0" b="0"/>
+      </a:fillRef>
+      <a:effectRef idx="2">
+        <a:scrgbClr r="0" g="0" b="0"/>
+      </a:effectRef>
+      <a:fontRef idx="minor">
+        <a:schemeClr val="lt1"/>
+      </a:fontRef>
+    </dgm:style>
+  </dgm:styleLbl>
+  <dgm:styleLbl name="parChTrans1D1">
+    <dgm:scene3d>
+      <a:camera prst="orthographicFront"/>
+      <a:lightRig rig="threePt" dir="t"/>
+    </dgm:scene3d>
+    <dgm:sp3d/>
+    <dgm:txPr/>
+    <dgm:style>
+      <a:lnRef idx="1">
+        <a:scrgbClr r="0" g="0" b="0"/>
+      </a:lnRef>
+      <a:fillRef idx="0">
+        <a:scrgbClr r="0" g="0" b="0"/>
+      </a:fillRef>
+      <a:effectRef idx="0">
+        <a:scrgbClr r="0" g="0" b="0"/>
+      </a:effectRef>
+      <a:fontRef idx="minor"/>
+    </dgm:style>
+  </dgm:styleLbl>
+  <dgm:styleLbl name="parChTrans1D2">
+    <dgm:scene3d>
+      <a:camera prst="orthographicFront"/>
+      <a:lightRig rig="threePt" dir="t"/>
+    </dgm:scene3d>
+    <dgm:sp3d/>
+    <dgm:txPr/>
+    <dgm:style>
+      <a:lnRef idx="1">
+        <a:scrgbClr r="0" g="0" b="0"/>
+      </a:lnRef>
+      <a:fillRef idx="0">
+        <a:scrgbClr r="0" g="0" b="0"/>
+      </a:fillRef>
+      <a:effectRef idx="0">
+        <a:scrgbClr r="0" g="0" b="0"/>
+      </a:effectRef>
+      <a:fontRef idx="minor"/>
+    </dgm:style>
+  </dgm:styleLbl>
+  <dgm:styleLbl name="parChTrans1D3">
+    <dgm:scene3d>
+      <a:camera prst="orthographicFront"/>
+      <a:lightRig rig="threePt" dir="t"/>
+    </dgm:scene3d>
+    <dgm:sp3d/>
+    <dgm:txPr/>
+    <dgm:style>
+      <a:lnRef idx="1">
+        <a:scrgbClr r="0" g="0" b="0"/>
+      </a:lnRef>
+      <a:fillRef idx="0">
+        <a:scrgbClr r="0" g="0" b="0"/>
+      </a:fillRef>
+      <a:effectRef idx="0">
+        <a:scrgbClr r="0" g="0" b="0"/>
+      </a:effectRef>
+      <a:fontRef idx="minor"/>
+    </dgm:style>
+  </dgm:styleLbl>
+  <dgm:styleLbl name="parChTrans1D4">
+    <dgm:scene3d>
+      <a:camera prst="orthographicFront"/>
+      <a:lightRig rig="threePt" dir="t"/>
+    </dgm:scene3d>
+    <dgm:sp3d/>
+    <dgm:txPr/>
+    <dgm:style>
+      <a:lnRef idx="1">
+        <a:scrgbClr r="0" g="0" b="0"/>
+      </a:lnRef>
+      <a:fillRef idx="0">
+        <a:scrgbClr r="0" g="0" b="0"/>
+      </a:fillRef>
+      <a:effectRef idx="0">
+        <a:scrgbClr r="0" g="0" b="0"/>
+      </a:effectRef>
+      <a:fontRef idx="minor"/>
+    </dgm:style>
+  </dgm:styleLbl>
+  <dgm:styleLbl name="fgAcc1">
+    <dgm:scene3d>
+      <a:camera prst="orthographicFront"/>
+      <a:lightRig rig="threePt" dir="t"/>
+    </dgm:scene3d>
+    <dgm:sp3d/>
+    <dgm:txPr/>
+    <dgm:style>
+      <a:lnRef idx="1">
+        <a:scrgbClr r="0" g="0" b="0"/>
+      </a:lnRef>
+      <a:fillRef idx="1">
+        <a:scrgbClr r="0" g="0" b="0"/>
+      </a:fillRef>
+      <a:effectRef idx="0">
+        <a:scrgbClr r="0" g="0" b="0"/>
+      </a:effectRef>
+      <a:fontRef idx="minor"/>
+    </dgm:style>
+  </dgm:styleLbl>
+  <dgm:styleLbl name="conFgAcc1">
+    <dgm:scene3d>
+      <a:camera prst="orthographicFront"/>
+      <a:lightRig rig="threePt" dir="t"/>
+    </dgm:scene3d>
+    <dgm:sp3d/>
+    <dgm:txPr/>
+    <dgm:style>
+      <a:lnRef idx="1">
+        <a:scrgbClr r="0" g="0" b="0"/>
+      </a:lnRef>
+      <a:fillRef idx="1">
+        <a:scrgbClr r="0" g="0" b="0"/>
+      </a:fillRef>
+      <a:effectRef idx="0">
+        <a:scrgbClr r="0" g="0" b="0"/>
+      </a:effectRef>
+      <a:fontRef idx="minor"/>
+    </dgm:style>
+  </dgm:styleLbl>
+  <dgm:styleLbl name="alignAcc1">
+    <dgm:scene3d>
+      <a:camera prst="orthographicFront"/>
+      <a:lightRig rig="threePt" dir="t"/>
+    </dgm:scene3d>
+    <dgm:sp3d/>
+    <dgm:txPr/>
+    <dgm:style>
+      <a:lnRef idx="1">
+        <a:scrgbClr r="0" g="0" b="0"/>
+      </a:lnRef>
+      <a:fillRef idx="1">
+        <a:scrgbClr r="0" g="0" b="0"/>
+      </a:fillRef>
+      <a:effectRef idx="0">
+        <a:scrgbClr r="0" g="0" b="0"/>
+      </a:effectRef>
+      <a:fontRef idx="minor"/>
+    </dgm:style>
+  </dgm:styleLbl>
+  <dgm:styleLbl name="trAlignAcc1">
+    <dgm:scene3d>
+      <a:camera prst="orthographicFront"/>
+      <a:lightRig rig="threePt" dir="t"/>
+    </dgm:scene3d>
+    <dgm:sp3d/>
+    <dgm:txPr/>
+    <dgm:style>
+      <a:lnRef idx="1">
+        <a:scrgbClr r="0" g="0" b="0"/>
+      </a:lnRef>
+      <a:fillRef idx="1">
+        <a:scrgbClr r="0" g="0" b="0"/>
+      </a:fillRef>
+      <a:effectRef idx="0">
+        <a:scrgbClr r="0" g="0" b="0"/>
+      </a:effectRef>
+      <a:fontRef idx="minor"/>
+    </dgm:style>
+  </dgm:styleLbl>
+  <dgm:styleLbl name="bgAcc1">
+    <dgm:scene3d>
+      <a:camera prst="orthographicFront"/>
+      <a:lightRig rig="threePt" dir="t"/>
+    </dgm:scene3d>
+    <dgm:sp3d/>
+    <dgm:txPr/>
+    <dgm:style>
+      <a:lnRef idx="1">
+        <a:scrgbClr r="0" g="0" b="0"/>
+      </a:lnRef>
+      <a:fillRef idx="1">
+        <a:scrgbClr r="0" g="0" b="0"/>
+      </a:fillRef>
+      <a:effectRef idx="0">
+        <a:scrgbClr r="0" g="0" b="0"/>
+      </a:effectRef>
+      <a:fontRef idx="minor"/>
+    </dgm:style>
+  </dgm:styleLbl>
+  <dgm:styleLbl name="solidFgAcc1">
+    <dgm:scene3d>
+      <a:camera prst="orthographicFront"/>
+      <a:lightRig rig="threePt" dir="t"/>
+    </dgm:scene3d>
+    <dgm:sp3d/>
+    <dgm:txPr/>
+    <dgm:style>
+      <a:lnRef idx="1">
+        <a:scrgbClr r="0" g="0" b="0"/>
+      </a:lnRef>
+      <a:fillRef idx="1">
+        <a:scrgbClr r="0" g="0" b="0"/>
+      </a:fillRef>
+      <a:effectRef idx="0">
+        <a:scrgbClr r="0" g="0" b="0"/>
+      </a:effectRef>
+      <a:fontRef idx="minor"/>
+    </dgm:style>
+  </dgm:styleLbl>
+  <dgm:styleLbl name="solidAlignAcc1">
+    <dgm:scene3d>
+      <a:camera prst="orthographicFront"/>
+      <a:lightRig rig="threePt" dir="t"/>
+    </dgm:scene3d>
+    <dgm:sp3d/>
+    <dgm:txPr/>
+    <dgm:style>
+      <a:lnRef idx="1">
+        <a:scrgbClr r="0" g="0" b="0"/>
+      </a:lnRef>
+      <a:fillRef idx="1">
+        <a:scrgbClr r="0" g="0" b="0"/>
+      </a:fillRef>
+      <a:effectRef idx="0">
+        <a:scrgbClr r="0" g="0" b="0"/>
+      </a:effectRef>
+      <a:fontRef idx="minor"/>
+    </dgm:style>
+  </dgm:styleLbl>
+  <dgm:styleLbl name="solidBgAcc1">
+    <dgm:scene3d>
+      <a:camera prst="orthographicFront"/>
+      <a:lightRig rig="threePt" dir="t"/>
+    </dgm:scene3d>
+    <dgm:sp3d/>
+    <dgm:txPr/>
+    <dgm:style>
+      <a:lnRef idx="1">
+        <a:scrgbClr r="0" g="0" b="0"/>
+      </a:lnRef>
+      <a:fillRef idx="1">
+        <a:scrgbClr r="0" g="0" b="0"/>
+      </a:fillRef>
+      <a:effectRef idx="0">
+        <a:scrgbClr r="0" g="0" b="0"/>
+      </a:effectRef>
+      <a:fontRef idx="minor"/>
+    </dgm:style>
+  </dgm:styleLbl>
+  <dgm:styleLbl name="fgAccFollowNode1">
+    <dgm:scene3d>
+      <a:camera prst="orthographicFront"/>
+      <a:lightRig rig="threePt" dir="t"/>
+    </dgm:scene3d>
+    <dgm:sp3d/>
+    <dgm:txPr/>
+    <dgm:style>
+      <a:lnRef idx="1">
+        <a:scrgbClr r="0" g="0" b="0"/>
+      </a:lnRef>
+      <a:fillRef idx="1">
+        <a:scrgbClr r="0" g="0" b="0"/>
+      </a:fillRef>
+      <a:effectRef idx="0">
+        <a:scrgbClr r="0" g="0" b="0"/>
+      </a:effectRef>
+      <a:fontRef idx="minor"/>
+    </dgm:style>
+  </dgm:styleLbl>
+  <dgm:styleLbl name="alignAccFollowNode1">
+    <dgm:scene3d>
+      <a:camera prst="orthographicFront"/>
+      <a:lightRig rig="threePt" dir="t"/>
+    </dgm:scene3d>
+    <dgm:sp3d/>
+    <dgm:txPr/>
+    <dgm:style>
+      <a:lnRef idx="1">
+        <a:scrgbClr r="0" g="0" b="0"/>
+      </a:lnRef>
+      <a:fillRef idx="1">
+        <a:scrgbClr r="0" g="0" b="0"/>
+      </a:fillRef>
+      <a:effectRef idx="0">
+        <a:scrgbClr r="0" g="0" b="0"/>
+      </a:effectRef>
+      <a:fontRef idx="minor"/>
+    </dgm:style>
+  </dgm:styleLbl>
+  <dgm:styleLbl name="bgAccFollowNode1">
+    <dgm:scene3d>
+      <a:camera prst="orthographicFront"/>
+      <a:lightRig rig="threePt" dir="t"/>
+    </dgm:scene3d>
+    <dgm:sp3d/>
+    <dgm:txPr/>
+    <dgm:style>
+      <a:lnRef idx="1">
+        <a:scrgbClr r="0" g="0" b="0"/>
+      </a:lnRef>
+      <a:fillRef idx="1">
+        <a:scrgbClr r="0" g="0" b="0"/>
+      </a:fillRef>
+      <a:effectRef idx="0">
+        <a:scrgbClr r="0" g="0" b="0"/>
+      </a:effectRef>
+      <a:fontRef idx="minor"/>
+    </dgm:style>
+  </dgm:styleLbl>
+  <dgm:styleLbl name="fgAcc0">
+    <dgm:scene3d>
+      <a:camera prst="orthographicFront"/>
+      <a:lightRig rig="threePt" dir="t"/>
+    </dgm:scene3d>
+    <dgm:sp3d/>
+    <dgm:txPr/>
+    <dgm:style>
+      <a:lnRef idx="1">
+        <a:scrgbClr r="0" g="0" b="0"/>
+      </a:lnRef>
+      <a:fillRef idx="1">
+        <a:scrgbClr r="0" g="0" b="0"/>
+      </a:fillRef>
+      <a:effectRef idx="0">
+        <a:scrgbClr r="0" g="0" b="0"/>
+      </a:effectRef>
+      <a:fontRef idx="minor"/>
+    </dgm:style>
+  </dgm:styleLbl>
+  <dgm:styleLbl name="fgAcc2">
+    <dgm:scene3d>
+      <a:camera prst="orthographicFront"/>
+      <a:lightRig rig="threePt" dir="t"/>
+    </dgm:scene3d>
+    <dgm:sp3d/>
+    <dgm:txPr/>
+    <dgm:style>
+      <a:lnRef idx="1">
+        <a:scrgbClr r="0" g="0" b="0"/>
+      </a:lnRef>
+      <a:fillRef idx="1">
+        <a:scrgbClr r="0" g="0" b="0"/>
+      </a:fillRef>
+      <a:effectRef idx="0">
+        <a:scrgbClr r="0" g="0" b="0"/>
+      </a:effectRef>
+      <a:fontRef idx="minor"/>
+    </dgm:style>
+  </dgm:styleLbl>
+  <dgm:styleLbl name="fgAcc3">
+    <dgm:scene3d>
+      <a:camera prst="orthographicFront"/>
+      <a:lightRig rig="threePt" dir="t"/>
+    </dgm:scene3d>
+    <dgm:sp3d/>
+    <dgm:txPr/>
+    <dgm:style>
+      <a:lnRef idx="1">
+        <a:scrgbClr r="0" g="0" b="0"/>
+      </a:lnRef>
+      <a:fillRef idx="1">
+        <a:scrgbClr r="0" g="0" b="0"/>
+      </a:fillRef>
+      <a:effectRef idx="0">
+        <a:scrgbClr r="0" g="0" b="0"/>
+      </a:effectRef>
+      <a:fontRef idx="minor"/>
+    </dgm:style>
+  </dgm:styleLbl>
+  <dgm:styleLbl name="fgAcc4">
+    <dgm:scene3d>
+      <a:camera prst="orthographicFront"/>
+      <a:lightRig rig="threePt" dir="t"/>
+    </dgm:scene3d>
+    <dgm:sp3d/>
+    <dgm:txPr/>
+    <dgm:style>
+      <a:lnRef idx="1">
+        <a:scrgbClr r="0" g="0" b="0"/>
+      </a:lnRef>
+      <a:fillRef idx="1">
+        <a:scrgbClr r="0" g="0" b="0"/>
+      </a:fillRef>
+      <a:effectRef idx="0">
+        <a:scrgbClr r="0" g="0" b="0"/>
+      </a:effectRef>
+      <a:fontRef idx="minor"/>
+    </dgm:style>
+  </dgm:styleLbl>
+  <dgm:styleLbl name="bgShp">
+    <dgm:scene3d>
+      <a:camera prst="orthographicFront"/>
+      <a:lightRig rig="threePt" dir="t"/>
+    </dgm:scene3d>
+    <dgm:sp3d/>
+    <dgm:txPr/>
+    <dgm:style>
+      <a:lnRef idx="0">
+        <a:scrgbClr r="0" g="0" b="0"/>
+      </a:lnRef>
+      <a:fillRef idx="1">
+        <a:scrgbClr r="0" g="0" b="0"/>
+      </a:fillRef>
+      <a:effectRef idx="2">
+        <a:scrgbClr r="0" g="0" b="0"/>
+      </a:effectRef>
+      <a:fontRef idx="minor"/>
+    </dgm:style>
+  </dgm:styleLbl>
+  <dgm:styleLbl name="dkBgShp">
+    <dgm:scene3d>
+      <a:camera prst="orthographicFront"/>
+      <a:lightRig rig="threePt" dir="t"/>
+    </dgm:scene3d>
+    <dgm:sp3d/>
+    <dgm:txPr/>
+    <dgm:style>
+      <a:lnRef idx="0">
+        <a:scrgbClr r="0" g="0" b="0"/>
+      </a:lnRef>
+      <a:fillRef idx="1">
+        <a:scrgbClr r="0" g="0" b="0"/>
+      </a:fillRef>
+      <a:effectRef idx="2">
+        <a:scrgbClr r="0" g="0" b="0"/>
+      </a:effectRef>
+      <a:fontRef idx="minor"/>
+    </dgm:style>
+  </dgm:styleLbl>
+  <dgm:styleLbl name="trBgShp">
+    <dgm:scene3d>
+      <a:camera prst="orthographicFront"/>
+      <a:lightRig rig="threePt" dir="t"/>
+    </dgm:scene3d>
+    <dgm:sp3d/>
+    <dgm:txPr/>
+    <dgm:style>
+      <a:lnRef idx="0">
+        <a:scrgbClr r="0" g="0" b="0"/>
+      </a:lnRef>
+      <a:fillRef idx="1">
+        <a:scrgbClr r="0" g="0" b="0"/>
+      </a:fillRef>
+      <a:effectRef idx="0">
+        <a:scrgbClr r="0" g="0" b="0"/>
+      </a:effectRef>
+      <a:fontRef idx="minor"/>
+    </dgm:style>
+  </dgm:styleLbl>
+  <dgm:styleLbl name="fgShp">
+    <dgm:scene3d>
+      <a:camera prst="orthographicFront"/>
+      <a:lightRig rig="threePt" dir="t"/>
+    </dgm:scene3d>
+    <dgm:sp3d/>
+    <dgm:txPr/>
+    <dgm:style>
+      <a:lnRef idx="0">
+        <a:scrgbClr r="0" g="0" b="0"/>
+      </a:lnRef>
+      <a:fillRef idx="3">
+        <a:scrgbClr r="0" g="0" b="0"/>
+      </a:fillRef>
+      <a:effectRef idx="2">
+        <a:scrgbClr r="0" g="0" b="0"/>
+      </a:effectRef>
+      <a:fontRef idx="minor"/>
+    </dgm:style>
+  </dgm:styleLbl>
+  <dgm:styleLbl name="revTx">
+    <dgm:scene3d>
+      <a:camera prst="orthographicFront"/>
+      <a:lightRig rig="threePt" dir="t"/>
+    </dgm:scene3d>
+    <dgm:sp3d/>
+    <dgm:txPr/>
+    <dgm:style>
+      <a:lnRef idx="0">
+        <a:scrgbClr r="0" g="0" b="0"/>
+      </a:lnRef>
+      <a:fillRef idx="0">
+        <a:scrgbClr r="0" g="0" b="0"/>
+      </a:fillRef>
+      <a:effectRef idx="0">
+        <a:scrgbClr r="0" g="0" b="0"/>
+      </a:effectRef>
+      <a:fontRef idx="minor"/>
+    </dgm:style>
+  </dgm:styleLbl>
+</dgm:styleDef>
 </file>
 
 <file path=ppt/slideLayouts/slideLayout1.xml><?xml version="1.0" encoding="utf-8"?>
@@ -2964,595 +6795,65 @@
           <a:chExt cx="0" cy="0"/>
         </a:xfrm>
       </p:grpSpPr>
-      <p:sp>
-        <p:nvSpPr>
-          <p:cNvPr id="6" name="Freeform 5"/>
-          <p:cNvSpPr/>
-          <p:nvPr/>
-        </p:nvSpPr>
-        <p:spPr>
-          <a:xfrm>
-            <a:off x="2031999" y="719666"/>
-            <a:ext cx="4064001" cy="2709334"/>
-          </a:xfrm>
-          <a:custGeom>
-            <a:avLst/>
-            <a:gdLst>
-              <a:gd name="connsiteX0" fmla="*/ 0 w 2709333"/>
-              <a:gd name="connsiteY0" fmla="*/ 0 h 4064000"/>
-              <a:gd name="connsiteX1" fmla="*/ 2257768 w 2709333"/>
-              <a:gd name="connsiteY1" fmla="*/ 0 h 4064000"/>
-              <a:gd name="connsiteX2" fmla="*/ 2709333 w 2709333"/>
-              <a:gd name="connsiteY2" fmla="*/ 451565 h 4064000"/>
-              <a:gd name="connsiteX3" fmla="*/ 2709333 w 2709333"/>
-              <a:gd name="connsiteY3" fmla="*/ 4064000 h 4064000"/>
-              <a:gd name="connsiteX4" fmla="*/ 0 w 2709333"/>
-              <a:gd name="connsiteY4" fmla="*/ 4064000 h 4064000"/>
-              <a:gd name="connsiteX5" fmla="*/ 0 w 2709333"/>
-              <a:gd name="connsiteY5" fmla="*/ 0 h 4064000"/>
-            </a:gdLst>
-            <a:ahLst/>
-            <a:cxnLst>
-              <a:cxn ang="0">
-                <a:pos x="connsiteX0" y="connsiteY0"/>
-              </a:cxn>
-              <a:cxn ang="0">
-                <a:pos x="connsiteX1" y="connsiteY1"/>
-              </a:cxn>
-              <a:cxn ang="0">
-                <a:pos x="connsiteX2" y="connsiteY2"/>
-              </a:cxn>
-              <a:cxn ang="0">
-                <a:pos x="connsiteX3" y="connsiteY3"/>
-              </a:cxn>
-              <a:cxn ang="0">
-                <a:pos x="connsiteX4" y="connsiteY4"/>
-              </a:cxn>
-              <a:cxn ang="0">
-                <a:pos x="connsiteX5" y="connsiteY5"/>
-              </a:cxn>
-            </a:cxnLst>
-            <a:rect l="l" t="t" r="r" b="b"/>
-            <a:pathLst>
-              <a:path w="2709333" h="4064000">
-                <a:moveTo>
-                  <a:pt x="0" y="4063999"/>
-                </a:moveTo>
-                <a:lnTo>
-                  <a:pt x="0" y="677348"/>
-                </a:lnTo>
-                <a:cubicBezTo>
-                  <a:pt x="0" y="303260"/>
-                  <a:pt x="134782" y="1"/>
-                  <a:pt x="301044" y="1"/>
-                </a:cubicBezTo>
-                <a:lnTo>
-                  <a:pt x="2709333" y="1"/>
-                </a:lnTo>
-                <a:lnTo>
-                  <a:pt x="2709333" y="4063999"/>
-                </a:lnTo>
-                <a:lnTo>
-                  <a:pt x="0" y="4063999"/>
-                </a:lnTo>
-                <a:close/>
-              </a:path>
-            </a:pathLst>
-          </a:custGeom>
-          <a:solidFill>
-            <a:schemeClr val="bg2"/>
-          </a:solidFill>
-        </p:spPr>
-        <p:style>
-          <a:lnRef idx="0">
-            <a:schemeClr val="lt1">
-              <a:hueOff val="0"/>
-              <a:satOff val="0"/>
-              <a:lumOff val="0"/>
-              <a:alphaOff val="0"/>
-            </a:schemeClr>
-          </a:lnRef>
-          <a:fillRef idx="3">
-            <a:schemeClr val="accent1">
-              <a:hueOff val="0"/>
-              <a:satOff val="0"/>
-              <a:lumOff val="0"/>
-              <a:alphaOff val="0"/>
-            </a:schemeClr>
-          </a:fillRef>
-          <a:effectRef idx="2">
-            <a:schemeClr val="accent1">
-              <a:hueOff val="0"/>
-              <a:satOff val="0"/>
-              <a:lumOff val="0"/>
-              <a:alphaOff val="0"/>
-            </a:schemeClr>
-          </a:effectRef>
-          <a:fontRef idx="minor">
-            <a:schemeClr val="lt1"/>
-          </a:fontRef>
-        </p:style>
-        <p:txBody>
-          <a:bodyPr spcFirstLastPara="0" vert="horz" wrap="square" lIns="462280" tIns="462281" rIns="462281" bIns="1139613" numCol="1" spcCol="1270" anchor="ctr" anchorCtr="0">
-            <a:noAutofit/>
-          </a:bodyPr>
-          <a:lstStyle/>
-          <a:p>
-            <a:pPr lvl="0" algn="ctr" defTabSz="2889250">
-              <a:lnSpc>
-                <a:spcPct val="90000"/>
-              </a:lnSpc>
-              <a:spcBef>
-                <a:spcPct val="0"/>
-              </a:spcBef>
-              <a:spcAft>
-                <a:spcPct val="35000"/>
-              </a:spcAft>
-            </a:pPr>
-            <a:endParaRPr lang="en-US" sz="6500" kern="1200" dirty="0"/>
-          </a:p>
-        </p:txBody>
-      </p:sp>
-      <p:sp>
-        <p:nvSpPr>
-          <p:cNvPr id="7" name="Freeform 6"/>
-          <p:cNvSpPr/>
-          <p:nvPr/>
-        </p:nvSpPr>
-        <p:spPr>
-          <a:xfrm>
-            <a:off x="6096000" y="719666"/>
-            <a:ext cx="4064000" cy="2709333"/>
-          </a:xfrm>
-          <a:custGeom>
-            <a:avLst/>
-            <a:gdLst>
-              <a:gd name="connsiteX0" fmla="*/ 0 w 4064000"/>
-              <a:gd name="connsiteY0" fmla="*/ 0 h 2709333"/>
-              <a:gd name="connsiteX1" fmla="*/ 3612435 w 4064000"/>
-              <a:gd name="connsiteY1" fmla="*/ 0 h 2709333"/>
-              <a:gd name="connsiteX2" fmla="*/ 4064000 w 4064000"/>
-              <a:gd name="connsiteY2" fmla="*/ 451565 h 2709333"/>
-              <a:gd name="connsiteX3" fmla="*/ 4064000 w 4064000"/>
-              <a:gd name="connsiteY3" fmla="*/ 2709333 h 2709333"/>
-              <a:gd name="connsiteX4" fmla="*/ 0 w 4064000"/>
-              <a:gd name="connsiteY4" fmla="*/ 2709333 h 2709333"/>
-              <a:gd name="connsiteX5" fmla="*/ 0 w 4064000"/>
-              <a:gd name="connsiteY5" fmla="*/ 0 h 2709333"/>
-            </a:gdLst>
-            <a:ahLst/>
-            <a:cxnLst>
-              <a:cxn ang="0">
-                <a:pos x="connsiteX0" y="connsiteY0"/>
-              </a:cxn>
-              <a:cxn ang="0">
-                <a:pos x="connsiteX1" y="connsiteY1"/>
-              </a:cxn>
-              <a:cxn ang="0">
-                <a:pos x="connsiteX2" y="connsiteY2"/>
-              </a:cxn>
-              <a:cxn ang="0">
-                <a:pos x="connsiteX3" y="connsiteY3"/>
-              </a:cxn>
-              <a:cxn ang="0">
-                <a:pos x="connsiteX4" y="connsiteY4"/>
-              </a:cxn>
-              <a:cxn ang="0">
-                <a:pos x="connsiteX5" y="connsiteY5"/>
-              </a:cxn>
-            </a:cxnLst>
-            <a:rect l="l" t="t" r="r" b="b"/>
-            <a:pathLst>
-              <a:path w="4064000" h="2709333">
-                <a:moveTo>
-                  <a:pt x="0" y="0"/>
-                </a:moveTo>
-                <a:lnTo>
-                  <a:pt x="3612435" y="0"/>
-                </a:lnTo>
-                <a:cubicBezTo>
-                  <a:pt x="3861827" y="0"/>
-                  <a:pt x="4064000" y="202173"/>
-                  <a:pt x="4064000" y="451565"/>
-                </a:cubicBezTo>
-                <a:lnTo>
-                  <a:pt x="4064000" y="2709333"/>
-                </a:lnTo>
-                <a:lnTo>
-                  <a:pt x="0" y="2709333"/>
-                </a:lnTo>
-                <a:lnTo>
-                  <a:pt x="0" y="0"/>
-                </a:lnTo>
-                <a:close/>
-              </a:path>
-            </a:pathLst>
-          </a:custGeom>
-          <a:solidFill>
-            <a:schemeClr val="bg2"/>
-          </a:solidFill>
-        </p:spPr>
-        <p:style>
-          <a:lnRef idx="0">
-            <a:schemeClr val="lt1">
-              <a:hueOff val="0"/>
-              <a:satOff val="0"/>
-              <a:lumOff val="0"/>
-              <a:alphaOff val="0"/>
-            </a:schemeClr>
-          </a:lnRef>
-          <a:fillRef idx="3">
-            <a:schemeClr val="accent1">
-              <a:hueOff val="0"/>
-              <a:satOff val="0"/>
-              <a:lumOff val="0"/>
-              <a:alphaOff val="0"/>
-            </a:schemeClr>
-          </a:fillRef>
-          <a:effectRef idx="2">
-            <a:schemeClr val="accent1">
-              <a:hueOff val="0"/>
-              <a:satOff val="0"/>
-              <a:lumOff val="0"/>
-              <a:alphaOff val="0"/>
-            </a:schemeClr>
-          </a:effectRef>
-          <a:fontRef idx="minor">
-            <a:schemeClr val="lt1"/>
-          </a:fontRef>
-        </p:style>
-        <p:txBody>
-          <a:bodyPr spcFirstLastPara="0" vert="horz" wrap="square" lIns="462280" tIns="462280" rIns="462280" bIns="1139613" numCol="1" spcCol="1270" anchor="ctr" anchorCtr="0">
-            <a:noAutofit/>
-          </a:bodyPr>
-          <a:lstStyle/>
-          <a:p>
-            <a:pPr lvl="0" algn="ctr" defTabSz="2889250">
-              <a:lnSpc>
-                <a:spcPct val="90000"/>
-              </a:lnSpc>
-              <a:spcBef>
-                <a:spcPct val="0"/>
-              </a:spcBef>
-              <a:spcAft>
-                <a:spcPct val="35000"/>
-              </a:spcAft>
-            </a:pPr>
-            <a:endParaRPr lang="en-US" sz="6500" kern="1200"/>
-          </a:p>
-        </p:txBody>
-      </p:sp>
-      <p:sp>
-        <p:nvSpPr>
-          <p:cNvPr id="8" name="Round Single Corner Rectangle 7"/>
-          <p:cNvSpPr/>
-          <p:nvPr/>
-        </p:nvSpPr>
-        <p:spPr>
-          <a:xfrm rot="10800000">
-            <a:off x="2032000" y="3428999"/>
-            <a:ext cx="4064000" cy="2709333"/>
-          </a:xfrm>
-          <a:prstGeom prst="round1Rect">
-            <a:avLst/>
-          </a:prstGeom>
-          <a:solidFill>
-            <a:schemeClr val="bg2"/>
-          </a:solidFill>
-        </p:spPr>
-        <p:style>
-          <a:lnRef idx="0">
-            <a:schemeClr val="lt1">
-              <a:hueOff val="0"/>
-              <a:satOff val="0"/>
-              <a:lumOff val="0"/>
-              <a:alphaOff val="0"/>
-            </a:schemeClr>
-          </a:lnRef>
-          <a:fillRef idx="3">
-            <a:schemeClr val="accent1">
-              <a:hueOff val="0"/>
-              <a:satOff val="0"/>
-              <a:lumOff val="0"/>
-              <a:alphaOff val="0"/>
-            </a:schemeClr>
-          </a:fillRef>
-          <a:effectRef idx="2">
-            <a:schemeClr val="accent1">
-              <a:hueOff val="0"/>
-              <a:satOff val="0"/>
-              <a:lumOff val="0"/>
-              <a:alphaOff val="0"/>
-            </a:schemeClr>
-          </a:effectRef>
-          <a:fontRef idx="minor">
-            <a:schemeClr val="lt1"/>
-          </a:fontRef>
-        </p:style>
-      </p:sp>
-      <p:sp>
-        <p:nvSpPr>
-          <p:cNvPr id="9" name="Round Single Corner Rectangle 8"/>
-          <p:cNvSpPr/>
-          <p:nvPr/>
-        </p:nvSpPr>
-        <p:spPr>
-          <a:xfrm rot="5400000">
-            <a:off x="6773333" y="2751666"/>
-            <a:ext cx="2709333" cy="4064000"/>
-          </a:xfrm>
-          <a:prstGeom prst="round1Rect">
-            <a:avLst/>
-          </a:prstGeom>
-          <a:solidFill>
-            <a:schemeClr val="bg2"/>
-          </a:solidFill>
-        </p:spPr>
-        <p:style>
-          <a:lnRef idx="0">
-            <a:schemeClr val="lt1">
-              <a:hueOff val="0"/>
-              <a:satOff val="0"/>
-              <a:lumOff val="0"/>
-              <a:alphaOff val="0"/>
-            </a:schemeClr>
-          </a:lnRef>
-          <a:fillRef idx="3">
-            <a:schemeClr val="accent1">
-              <a:hueOff val="0"/>
-              <a:satOff val="0"/>
-              <a:lumOff val="0"/>
-              <a:alphaOff val="0"/>
-            </a:schemeClr>
-          </a:fillRef>
-          <a:effectRef idx="2">
-            <a:schemeClr val="accent1">
-              <a:hueOff val="0"/>
-              <a:satOff val="0"/>
-              <a:lumOff val="0"/>
-              <a:alphaOff val="0"/>
-            </a:schemeClr>
-          </a:effectRef>
-          <a:fontRef idx="minor">
-            <a:schemeClr val="lt1"/>
-          </a:fontRef>
-        </p:style>
-      </p:sp>
+      <p:graphicFrame>
+        <p:nvGraphicFramePr>
+          <p:cNvPr id="7" name="Content Placeholder 6"/>
+          <p:cNvGraphicFramePr>
+            <a:graphicFrameLocks noGrp="1"/>
+          </p:cNvGraphicFramePr>
+          <p:nvPr>
+            <p:ph idx="1"/>
+            <p:extLst>
+              <p:ext uri="{D42A27DB-BD31-4B8C-83A1-F6EECF244321}">
+                <p14:modId xmlns:p14="http://schemas.microsoft.com/office/powerpoint/2010/main" val="983813237"/>
+              </p:ext>
+            </p:extLst>
+          </p:nvPr>
+        </p:nvGraphicFramePr>
+        <p:xfrm>
+          <a:off x="3290712" y="1227314"/>
+          <a:ext cx="7557911" cy="4351338"/>
+        </p:xfrm>
+        <a:graphic>
+          <a:graphicData uri="http://schemas.openxmlformats.org/drawingml/2006/diagram">
+            <dgm:relIds xmlns:dgm="http://schemas.openxmlformats.org/drawingml/2006/diagram" xmlns:r="http://schemas.openxmlformats.org/officeDocument/2006/relationships" r:dm="rId2" r:lo="rId3" r:qs="rId4" r:cs="rId5"/>
+          </a:graphicData>
+        </a:graphic>
+      </p:graphicFrame>
       <p:pic>
         <p:nvPicPr>
-          <p:cNvPr id="11" name="Picture 10"/>
+          <p:cNvPr id="10" name="Picture 9"/>
           <p:cNvPicPr>
             <a:picLocks noChangeAspect="1"/>
           </p:cNvPicPr>
           <p:nvPr/>
         </p:nvPicPr>
-        <p:blipFill rotWithShape="1">
-          <a:blip r:embed="rId2">
+        <p:blipFill>
+          <a:blip r:embed="rId7">
             <a:extLst>
               <a:ext uri="{28A0092B-C50C-407E-A947-70E740481C1C}">
                 <a14:useLocalDpi xmlns:a14="http://schemas.microsoft.com/office/drawing/2010/main" val="0"/>
               </a:ext>
             </a:extLst>
           </a:blip>
-          <a:srcRect l="-10" r="-20"/>
-          <a:stretch/>
+          <a:stretch>
+            <a:fillRect/>
+          </a:stretch>
         </p:blipFill>
         <p:spPr>
           <a:xfrm>
-            <a:off x="2031999" y="719666"/>
-            <a:ext cx="1962000" cy="1961444"/>
+            <a:off x="569392" y="2666586"/>
+            <a:ext cx="2721320" cy="1472793"/>
           </a:xfrm>
-          <a:prstGeom prst="round2DiagRect">
+          <a:prstGeom prst="rect">
             <a:avLst/>
           </a:prstGeom>
         </p:spPr>
       </p:pic>
-      <p:sp>
-        <p:nvSpPr>
-          <p:cNvPr id="13" name="TextBox 12"/>
-          <p:cNvSpPr txBox="1"/>
-          <p:nvPr/>
-        </p:nvSpPr>
-        <p:spPr>
-          <a:xfrm>
-            <a:off x="4425245" y="1100223"/>
-            <a:ext cx="4021112" cy="1200329"/>
-          </a:xfrm>
-          <a:prstGeom prst="rect">
-            <a:avLst/>
-          </a:prstGeom>
-          <a:noFill/>
-        </p:spPr>
-        <p:txBody>
-          <a:bodyPr wrap="square" rtlCol="0">
-            <a:spAutoFit/>
-          </a:bodyPr>
-          <a:lstStyle/>
-          <a:p>
-            <a:r>
-              <a:rPr lang="en-US" sz="3600" dirty="0" smtClean="0"/>
-              <a:t>Dirigible Web IDE </a:t>
-            </a:r>
-          </a:p>
-          <a:p>
-            <a:r>
-              <a:rPr lang="en-US" sz="3600" dirty="0" smtClean="0"/>
-              <a:t>Advantages:</a:t>
-            </a:r>
-            <a:endParaRPr lang="en-US" sz="3600" dirty="0"/>
-          </a:p>
-        </p:txBody>
-      </p:sp>
-      <p:sp>
-        <p:nvSpPr>
-          <p:cNvPr id="14" name="TextBox 13"/>
-          <p:cNvSpPr txBox="1"/>
-          <p:nvPr/>
-        </p:nvSpPr>
-        <p:spPr>
-          <a:xfrm>
-            <a:off x="7364297" y="3010405"/>
-            <a:ext cx="2520000" cy="2123658"/>
-          </a:xfrm>
-          <a:prstGeom prst="rect">
-            <a:avLst/>
-          </a:prstGeom>
-          <a:noFill/>
-        </p:spPr>
-        <p:txBody>
-          <a:bodyPr wrap="square" rtlCol="0">
-            <a:spAutoFit/>
-          </a:bodyPr>
-          <a:lstStyle/>
-          <a:p>
-            <a:r>
-              <a:rPr lang="en-US" sz="2400" dirty="0" smtClean="0"/>
-              <a:t>For Education:</a:t>
-            </a:r>
-          </a:p>
-          <a:p>
-            <a:r>
-              <a:rPr lang="en-US" dirty="0"/>
-              <a:t>You can develop student projects, test different technologies and scenarios, learn popular programming </a:t>
-            </a:r>
-            <a:r>
-              <a:rPr lang="en-US" dirty="0" smtClean="0"/>
-              <a:t>languages</a:t>
-            </a:r>
-            <a:r>
-              <a:rPr lang="en-US" dirty="0"/>
-              <a:t> </a:t>
-            </a:r>
-            <a:r>
-              <a:rPr lang="en-US" dirty="0" smtClean="0"/>
-              <a:t>like Java, JS and others.</a:t>
-            </a:r>
-            <a:endParaRPr lang="en-US" dirty="0"/>
-          </a:p>
-        </p:txBody>
-      </p:sp>
-      <p:sp>
-        <p:nvSpPr>
-          <p:cNvPr id="15" name="TextBox 14"/>
-          <p:cNvSpPr txBox="1"/>
-          <p:nvPr/>
-        </p:nvSpPr>
-        <p:spPr>
-          <a:xfrm>
-            <a:off x="4779140" y="3010406"/>
-            <a:ext cx="2520000" cy="2677656"/>
-          </a:xfrm>
-          <a:prstGeom prst="rect">
-            <a:avLst/>
-          </a:prstGeom>
-          <a:noFill/>
-        </p:spPr>
-        <p:txBody>
-          <a:bodyPr wrap="square" rtlCol="0">
-            <a:spAutoFit/>
-          </a:bodyPr>
-          <a:lstStyle/>
-          <a:p>
-            <a:r>
-              <a:rPr lang="en-US" sz="2400" dirty="0" smtClean="0"/>
-              <a:t>For Business:</a:t>
-            </a:r>
-          </a:p>
-          <a:p>
-            <a:r>
-              <a:rPr lang="en-US" dirty="0" smtClean="0"/>
-              <a:t>You can easily develop, document, and monitor your business applications, taking full advantage of the diverse selection of features and services.</a:t>
-            </a:r>
-          </a:p>
-          <a:p>
-            <a:pPr marL="285750" indent="-285750">
-              <a:buFont typeface="Arial" charset="0"/>
-              <a:buChar char="•"/>
-            </a:pPr>
-            <a:endParaRPr lang="en-US" dirty="0"/>
-          </a:p>
-        </p:txBody>
-      </p:sp>
-      <p:sp>
-        <p:nvSpPr>
-          <p:cNvPr id="16" name="TextBox 15"/>
-          <p:cNvSpPr txBox="1"/>
-          <p:nvPr/>
-        </p:nvSpPr>
-        <p:spPr>
-          <a:xfrm>
-            <a:off x="2313085" y="3010406"/>
-            <a:ext cx="2520000" cy="2400657"/>
-          </a:xfrm>
-          <a:prstGeom prst="rect">
-            <a:avLst/>
-          </a:prstGeom>
-          <a:noFill/>
-        </p:spPr>
-        <p:txBody>
-          <a:bodyPr wrap="square" rtlCol="0">
-            <a:spAutoFit/>
-          </a:bodyPr>
-          <a:lstStyle/>
-          <a:p>
-            <a:r>
-              <a:rPr lang="en-US" sz="2400" dirty="0" smtClean="0"/>
-              <a:t>For Developers:</a:t>
-            </a:r>
-          </a:p>
-          <a:p>
-            <a:r>
-              <a:rPr lang="en-US" dirty="0" smtClean="0"/>
-              <a:t>Provides everything you need for your development project:</a:t>
-            </a:r>
-          </a:p>
-          <a:p>
-            <a:pPr marL="285750" indent="-285750">
-              <a:buFont typeface="Arial" charset="0"/>
-              <a:buChar char="•"/>
-            </a:pPr>
-            <a:r>
-              <a:rPr lang="en-US" dirty="0" smtClean="0"/>
-              <a:t>Application server</a:t>
-            </a:r>
-          </a:p>
-          <a:p>
-            <a:pPr marL="285750" indent="-285750">
-              <a:buFont typeface="Arial" charset="0"/>
-              <a:buChar char="•"/>
-            </a:pPr>
-            <a:r>
-              <a:rPr lang="en-US" dirty="0" smtClean="0"/>
-              <a:t>Content repository</a:t>
-            </a:r>
-          </a:p>
-          <a:p>
-            <a:pPr marL="285750" indent="-285750">
-              <a:buFont typeface="Arial" charset="0"/>
-              <a:buChar char="•"/>
-            </a:pPr>
-            <a:r>
-              <a:rPr lang="en-US" dirty="0" smtClean="0"/>
-              <a:t>Web IDE</a:t>
-            </a:r>
-          </a:p>
-          <a:p>
-            <a:pPr marL="285750" indent="-285750">
-              <a:buFont typeface="Arial" charset="0"/>
-              <a:buChar char="•"/>
-            </a:pPr>
-            <a:r>
-              <a:rPr lang="en-US" dirty="0" smtClean="0"/>
-              <a:t>Variety of features</a:t>
-            </a:r>
-            <a:endParaRPr lang="en-US" dirty="0"/>
-          </a:p>
-        </p:txBody>
-      </p:sp>
     </p:spTree>
     <p:extLst>
       <p:ext uri="{BB962C8B-B14F-4D97-AF65-F5344CB8AC3E}">
-        <p14:creationId xmlns:p14="http://schemas.microsoft.com/office/powerpoint/2010/main" val="1621332920"/>
+        <p14:creationId xmlns:p14="http://schemas.microsoft.com/office/powerpoint/2010/main" val="2032761323"/>
       </p:ext>
     </p:extLst>
   </p:cSld>

--- a/VladimirMutafov/Infographic/Infographic.pptx
+++ b/VladimirMutafov/Infographic/Infographic.pptx
@@ -2978,7 +2978,7 @@
         <p:grpSpPr>
           <a:xfrm>
             <a:off x="-1438212" y="473483"/>
-            <a:ext cx="12477335" cy="5858998"/>
+            <a:ext cx="12982512" cy="5858998"/>
             <a:chOff x="-1628712" y="473483"/>
             <a:chExt cx="12477335" cy="5858998"/>
           </a:xfrm>
@@ -3081,8 +3081,8 @@
             </p:nvSpPr>
             <p:spPr>
               <a:xfrm>
-                <a:off x="3895001" y="1662446"/>
-                <a:ext cx="6893896" cy="870267"/>
+                <a:off x="3895001" y="1553662"/>
+                <a:ext cx="6893896" cy="1087834"/>
               </a:xfrm>
               <a:custGeom>
                 <a:avLst/>
@@ -3172,7 +3172,7 @@
               </a:bodyPr>
               <a:lstStyle/>
               <a:p>
-                <a:pPr lvl="0" algn="l" defTabSz="2000250">
+                <a:pPr lvl="0" defTabSz="2000250">
                   <a:lnSpc>
                     <a:spcPct val="90000"/>
                   </a:lnSpc>
@@ -3184,7 +3184,7 @@
                   </a:spcAft>
                 </a:pPr>
                 <a:r>
-                  <a:rPr lang="en-US" sz="4500" kern="1200" dirty="0" smtClean="0">
+                  <a:rPr lang="en-US" sz="2400" dirty="0">
                     <a:solidFill>
                       <a:schemeClr val="tx1">
                         <a:lumMod val="50000"/>
@@ -3192,9 +3192,64 @@
                       </a:schemeClr>
                     </a:solidFill>
                   </a:rPr>
-                  <a:t>For Users </a:t>
+                  <a:t>E</a:t>
                 </a:r>
-                <a:endParaRPr lang="en-US" sz="4500" kern="1200" dirty="0">
+                <a:r>
+                  <a:rPr lang="en-US" sz="2400" dirty="0" smtClean="0">
+                    <a:solidFill>
+                      <a:schemeClr val="tx1">
+                        <a:lumMod val="50000"/>
+                        <a:lumOff val="50000"/>
+                      </a:schemeClr>
+                    </a:solidFill>
+                  </a:rPr>
+                  <a:t>verything </a:t>
+                </a:r>
+                <a:r>
+                  <a:rPr lang="en-US" sz="2400" dirty="0">
+                    <a:solidFill>
+                      <a:schemeClr val="tx1">
+                        <a:lumMod val="50000"/>
+                        <a:lumOff val="50000"/>
+                      </a:schemeClr>
+                    </a:solidFill>
+                  </a:rPr>
+                  <a:t>you need for your development </a:t>
+                </a:r>
+                <a:r>
+                  <a:rPr lang="en-US" sz="2400" dirty="0" smtClean="0">
+                    <a:solidFill>
+                      <a:schemeClr val="tx1">
+                        <a:lumMod val="50000"/>
+                        <a:lumOff val="50000"/>
+                      </a:schemeClr>
+                    </a:solidFill>
+                  </a:rPr>
+                  <a:t>project </a:t>
+                </a:r>
+                <a:r>
+                  <a:rPr lang="mr-IN" sz="2400" dirty="0" smtClean="0">
+                    <a:solidFill>
+                      <a:schemeClr val="tx1">
+                        <a:lumMod val="50000"/>
+                        <a:lumOff val="50000"/>
+                      </a:schemeClr>
+                    </a:solidFill>
+                  </a:rPr>
+                  <a:t>–</a:t>
+                </a:r>
+                <a:r>
+                  <a:rPr lang="en-US" sz="2400" dirty="0" smtClean="0">
+                    <a:solidFill>
+                      <a:schemeClr val="tx1">
+                        <a:lumMod val="50000"/>
+                        <a:lumOff val="50000"/>
+                      </a:schemeClr>
+                    </a:solidFill>
+                  </a:rPr>
+                  <a:t> Server, IDE, Content repository.</a:t>
+                </a:r>
+                <a:endParaRPr lang="en-US" sz="2400" kern="1200" dirty="0">
                   <a:solidFill>
                     <a:schemeClr val="tx1">
                       <a:lumMod val="50000"/>
@@ -3264,8 +3319,8 @@
             </p:nvSpPr>
             <p:spPr>
               <a:xfrm>
-                <a:off x="4211343" y="2967848"/>
-                <a:ext cx="6577554" cy="870267"/>
+                <a:off x="4211343" y="2859064"/>
+                <a:ext cx="6577554" cy="1087834"/>
               </a:xfrm>
               <a:custGeom>
                 <a:avLst/>
@@ -3355,7 +3410,7 @@
               </a:bodyPr>
               <a:lstStyle/>
               <a:p>
-                <a:pPr lvl="0" algn="l" defTabSz="2000250">
+                <a:pPr defTabSz="2000250">
                   <a:lnSpc>
                     <a:spcPct val="90000"/>
                   </a:lnSpc>
@@ -3367,7 +3422,7 @@
                   </a:spcAft>
                 </a:pPr>
                 <a:r>
-                  <a:rPr lang="en-US" sz="4500" kern="1200" dirty="0" smtClean="0">
+                  <a:rPr lang="en-US" sz="2400" dirty="0">
                     <a:solidFill>
                       <a:schemeClr val="tx1">
                         <a:lumMod val="50000"/>
@@ -3375,9 +3430,42 @@
                       </a:schemeClr>
                     </a:solidFill>
                   </a:rPr>
-                  <a:t>For Business</a:t>
+                  <a:t>E</a:t>
                 </a:r>
-                <a:endParaRPr lang="en-US" sz="4500" kern="1200" dirty="0">
+                <a:r>
+                  <a:rPr lang="en-US" sz="2400" dirty="0" smtClean="0">
+                    <a:solidFill>
+                      <a:schemeClr val="tx1">
+                        <a:lumMod val="50000"/>
+                        <a:lumOff val="50000"/>
+                      </a:schemeClr>
+                    </a:solidFill>
+                  </a:rPr>
+                  <a:t>asily </a:t>
+                </a:r>
+                <a:r>
+                  <a:rPr lang="en-US" sz="2400" dirty="0">
+                    <a:solidFill>
+                      <a:schemeClr val="tx1">
+                        <a:lumMod val="50000"/>
+                        <a:lumOff val="50000"/>
+                      </a:schemeClr>
+                    </a:solidFill>
+                  </a:rPr>
+                  <a:t>develop, document, and monitor your business </a:t>
+                </a:r>
+                <a:r>
+                  <a:rPr lang="en-US" sz="2400" dirty="0" smtClean="0">
+                    <a:solidFill>
+                      <a:schemeClr val="tx1">
+                        <a:lumMod val="50000"/>
+                        <a:lumOff val="50000"/>
+                      </a:schemeClr>
+                    </a:solidFill>
+                  </a:rPr>
+                  <a:t>applications.</a:t>
+                </a:r>
+                <a:endParaRPr lang="en-US" sz="2400" kern="1200" dirty="0">
                   <a:solidFill>
                     <a:schemeClr val="tx1">
                       <a:lumMod val="50000"/>
@@ -3447,8 +3535,8 @@
             </p:nvSpPr>
             <p:spPr>
               <a:xfrm>
-                <a:off x="3895001" y="4273249"/>
-                <a:ext cx="6893896" cy="870267"/>
+                <a:off x="3895001" y="4164465"/>
+                <a:ext cx="6893896" cy="1087835"/>
               </a:xfrm>
               <a:custGeom>
                 <a:avLst/>
@@ -3538,7 +3626,7 @@
               </a:bodyPr>
               <a:lstStyle/>
               <a:p>
-                <a:pPr lvl="0" algn="l" defTabSz="2000250">
+                <a:pPr lvl="0" defTabSz="2000250">
                   <a:lnSpc>
                     <a:spcPct val="90000"/>
                   </a:lnSpc>
@@ -3550,7 +3638,7 @@
                   </a:spcAft>
                 </a:pPr>
                 <a:r>
-                  <a:rPr lang="en-US" sz="4500" kern="1200" dirty="0" smtClean="0">
+                  <a:rPr lang="en-US" sz="2400" dirty="0">
                     <a:solidFill>
                       <a:schemeClr val="tx1">
                         <a:lumMod val="50000"/>
@@ -3558,9 +3646,53 @@
                       </a:schemeClr>
                     </a:solidFill>
                   </a:rPr>
-                  <a:t>For Education</a:t>
+                  <a:t>D</a:t>
                 </a:r>
-                <a:endParaRPr lang="en-US" sz="4500" kern="1200" dirty="0">
+                <a:r>
+                  <a:rPr lang="en-US" sz="2400" dirty="0" smtClean="0">
+                    <a:solidFill>
+                      <a:schemeClr val="tx1">
+                        <a:lumMod val="50000"/>
+                        <a:lumOff val="50000"/>
+                      </a:schemeClr>
+                    </a:solidFill>
+                  </a:rPr>
+                  <a:t>evelop </a:t>
+                </a:r>
+                <a:r>
+                  <a:rPr lang="en-US" sz="2400" dirty="0">
+                    <a:solidFill>
+                      <a:schemeClr val="tx1">
+                        <a:lumMod val="50000"/>
+                        <a:lumOff val="50000"/>
+                      </a:schemeClr>
+                    </a:solidFill>
+                  </a:rPr>
+                  <a:t>student </a:t>
+                </a:r>
+                <a:r>
+                  <a:rPr lang="en-US" sz="2400" dirty="0" smtClean="0">
+                    <a:solidFill>
+                      <a:schemeClr val="tx1">
+                        <a:lumMod val="50000"/>
+                        <a:lumOff val="50000"/>
+                      </a:schemeClr>
+                    </a:solidFill>
+                  </a:rPr>
+                  <a:t>projects and </a:t>
+                </a:r>
+                <a:r>
+                  <a:rPr lang="en-US" sz="2400" dirty="0">
+                    <a:solidFill>
+                      <a:schemeClr val="tx1">
+                        <a:lumMod val="50000"/>
+                        <a:lumOff val="50000"/>
+                      </a:schemeClr>
+                    </a:solidFill>
+                  </a:rPr>
+                  <a:t>learn popular programming languages.</a:t>
+                </a:r>
+                <a:endParaRPr lang="en-US" sz="2400" kern="1200" dirty="0">
                   <a:solidFill>
                     <a:schemeClr val="tx1">
                       <a:lumMod val="50000"/>
